--- a/presentation.pptx
+++ b/presentation.pptx
@@ -1,52 +1,20 @@
 
 <file path=ppt/presentation.xml><?xml version="1.0" encoding="utf-8"?>
-<p:presentation xmlns:a="http://schemas.openxmlformats.org/drawingml/2006/main" xmlns:r="http://schemas.openxmlformats.org/officeDocument/2006/relationships" xmlns:mc="http://schemas.openxmlformats.org/markup-compatibility/2006" xmlns:mv="urn:schemas-microsoft-com:mac:vml" xmlns:p="http://schemas.openxmlformats.org/presentationml/2006/main" xmlns:c="http://schemas.openxmlformats.org/drawingml/2006/chart" xmlns:dgm="http://schemas.openxmlformats.org/drawingml/2006/diagram" xmlns:o="urn:schemas-microsoft-com:office:office" xmlns:v="urn:schemas-microsoft-com:vml" xmlns:pvml="urn:schemas-microsoft-com:office:powerpoint" xmlns:com="http://schemas.openxmlformats.org/drawingml/2006/compatibility" xmlns:p14="http://schemas.microsoft.com/office/powerpoint/2010/main" xmlns:p15="http://schemas.microsoft.com/office/powerpoint/2012/main" xmlns:ahyp="http://schemas.microsoft.com/office/drawing/2018/hyperlinkcolor" autoCompressPictures="0" embedTrueTypeFonts="1" strictFirstAndLastChars="0" saveSubsetFonts="1">
+<p:presentation xmlns:a="http://schemas.openxmlformats.org/drawingml/2006/main" xmlns:r="http://schemas.openxmlformats.org/officeDocument/2006/relationships" xmlns:p="http://schemas.openxmlformats.org/presentationml/2006/main" xmlns:m="http://schemas.openxmlformats.org/officeDocument/2006/math" xmlns:w="http://schemas.openxmlformats.org/wordprocessingml/2006/main" autoCompressPictures="0" embedTrueTypeFonts="1" saveSubsetFonts="1" strictFirstAndLastChars="0">
   <p:sldMasterIdLst>
-    <p:sldMasterId id="2147483659" r:id="rId4"/>
+    <p:sldMasterId id="2147483648" r:id="rId1"/>
   </p:sldMasterIdLst>
-  <p:notesMasterIdLst>
-    <p:notesMasterId r:id="rId5"/>
-  </p:notesMasterIdLst>
   <p:sldIdLst>
-    <p:sldId id="256" r:id="rId6"/>
-    <p:sldId id="257" r:id="rId7"/>
-    <p:sldId id="258" r:id="rId8"/>
-    <p:sldId id="259" r:id="rId9"/>
+    <p:sldId id="256" r:id="rId3"/>
+    <p:sldId id="257" r:id="rId4"/>
+    <p:sldId id="258" r:id="rId5"/>
+    <p:sldId id="259" r:id="rId6"/>
+    <p:sldId id="260" r:id="rId7"/>
   </p:sldIdLst>
-  <p:sldSz cy="5143500" cx="9144000"/>
-  <p:notesSz cx="6858000" cy="9144000"/>
-  <p:embeddedFontLst>
-    <p:embeddedFont>
-      <p:font typeface="Raleway"/>
-      <p:regular r:id="rId10"/>
-      <p:bold r:id="rId11"/>
-      <p:italic r:id="rId12"/>
-      <p:boldItalic r:id="rId13"/>
-    </p:embeddedFont>
-    <p:embeddedFont>
-      <p:font typeface="Roboto"/>
-      <p:regular r:id="rId14"/>
-      <p:bold r:id="rId15"/>
-      <p:italic r:id="rId16"/>
-      <p:boldItalic r:id="rId17"/>
-    </p:embeddedFont>
-    <p:embeddedFont>
-      <p:font typeface="Lato"/>
-      <p:regular r:id="rId18"/>
-      <p:bold r:id="rId19"/>
-      <p:italic r:id="rId20"/>
-      <p:boldItalic r:id="rId21"/>
-    </p:embeddedFont>
-    <p:embeddedFont>
-      <p:font typeface="Raleway Medium"/>
-      <p:regular r:id="rId22"/>
-      <p:bold r:id="rId23"/>
-      <p:italic r:id="rId24"/>
-      <p:boldItalic r:id="rId25"/>
-    </p:embeddedFont>
-  </p:embeddedFontLst>
+  <p:sldSz cx="9144000" cy="5143500"/>
+  <p:notesSz cx="9144000" cy="5143500"/>
   <p:defaultTextStyle>
-    <a:defPPr lvl="0" marR="0" rtl="0" algn="l">
+    <a:defPPr marR="0" lvl="0" algn="l">
       <a:lnSpc>
         <a:spcPct val="100000"/>
       </a:lnSpc>
@@ -57,7 +25,7 @@
         <a:spcPts val="0"/>
       </a:spcAft>
     </a:defPPr>
-    <a:lvl1pPr lvl="0" marR="0" rtl="0" algn="l">
+    <a:lvl1pPr marR="0" lvl="0" algn="l">
       <a:lnSpc>
         <a:spcPct val="100000"/>
       </a:lnSpc>
@@ -71,17 +39,16 @@
         <a:srgbClr val="000000"/>
       </a:buClr>
       <a:buFont typeface="Arial"/>
-      <a:defRPr b="0" i="0" sz="1400" u="none" cap="none" strike="noStrike">
+      <a:defRPr sz="1400" b="0" i="0" u="none" strike="noStrike" cap="none">
         <a:solidFill>
           <a:srgbClr val="000000"/>
         </a:solidFill>
         <a:latin typeface="Arial"/>
         <a:ea typeface="Arial"/>
         <a:cs typeface="Arial"/>
-        <a:sym typeface="Arial"/>
       </a:defRPr>
     </a:lvl1pPr>
-    <a:lvl2pPr lvl="1" marR="0" rtl="0" algn="l">
+    <a:lvl2pPr marR="0" lvl="1" algn="l">
       <a:lnSpc>
         <a:spcPct val="100000"/>
       </a:lnSpc>
@@ -95,17 +62,16 @@
         <a:srgbClr val="000000"/>
       </a:buClr>
       <a:buFont typeface="Arial"/>
-      <a:defRPr b="0" i="0" sz="1400" u="none" cap="none" strike="noStrike">
+      <a:defRPr sz="1400" b="0" i="0" u="none" strike="noStrike" cap="none">
         <a:solidFill>
           <a:srgbClr val="000000"/>
         </a:solidFill>
         <a:latin typeface="Arial"/>
         <a:ea typeface="Arial"/>
         <a:cs typeface="Arial"/>
-        <a:sym typeface="Arial"/>
       </a:defRPr>
     </a:lvl2pPr>
-    <a:lvl3pPr lvl="2" marR="0" rtl="0" algn="l">
+    <a:lvl3pPr marR="0" lvl="2" algn="l">
       <a:lnSpc>
         <a:spcPct val="100000"/>
       </a:lnSpc>
@@ -119,17 +85,16 @@
         <a:srgbClr val="000000"/>
       </a:buClr>
       <a:buFont typeface="Arial"/>
-      <a:defRPr b="0" i="0" sz="1400" u="none" cap="none" strike="noStrike">
+      <a:defRPr sz="1400" b="0" i="0" u="none" strike="noStrike" cap="none">
         <a:solidFill>
           <a:srgbClr val="000000"/>
         </a:solidFill>
         <a:latin typeface="Arial"/>
         <a:ea typeface="Arial"/>
         <a:cs typeface="Arial"/>
-        <a:sym typeface="Arial"/>
       </a:defRPr>
     </a:lvl3pPr>
-    <a:lvl4pPr lvl="3" marR="0" rtl="0" algn="l">
+    <a:lvl4pPr marR="0" lvl="3" algn="l">
       <a:lnSpc>
         <a:spcPct val="100000"/>
       </a:lnSpc>
@@ -143,17 +108,16 @@
         <a:srgbClr val="000000"/>
       </a:buClr>
       <a:buFont typeface="Arial"/>
-      <a:defRPr b="0" i="0" sz="1400" u="none" cap="none" strike="noStrike">
+      <a:defRPr sz="1400" b="0" i="0" u="none" strike="noStrike" cap="none">
         <a:solidFill>
           <a:srgbClr val="000000"/>
         </a:solidFill>
         <a:latin typeface="Arial"/>
         <a:ea typeface="Arial"/>
         <a:cs typeface="Arial"/>
-        <a:sym typeface="Arial"/>
       </a:defRPr>
     </a:lvl4pPr>
-    <a:lvl5pPr lvl="4" marR="0" rtl="0" algn="l">
+    <a:lvl5pPr marR="0" lvl="4" algn="l">
       <a:lnSpc>
         <a:spcPct val="100000"/>
       </a:lnSpc>
@@ -167,17 +131,16 @@
         <a:srgbClr val="000000"/>
       </a:buClr>
       <a:buFont typeface="Arial"/>
-      <a:defRPr b="0" i="0" sz="1400" u="none" cap="none" strike="noStrike">
+      <a:defRPr sz="1400" b="0" i="0" u="none" strike="noStrike" cap="none">
         <a:solidFill>
           <a:srgbClr val="000000"/>
         </a:solidFill>
         <a:latin typeface="Arial"/>
         <a:ea typeface="Arial"/>
         <a:cs typeface="Arial"/>
-        <a:sym typeface="Arial"/>
       </a:defRPr>
     </a:lvl5pPr>
-    <a:lvl6pPr lvl="5" marR="0" rtl="0" algn="l">
+    <a:lvl6pPr marR="0" lvl="5" algn="l">
       <a:lnSpc>
         <a:spcPct val="100000"/>
       </a:lnSpc>
@@ -191,17 +154,16 @@
         <a:srgbClr val="000000"/>
       </a:buClr>
       <a:buFont typeface="Arial"/>
-      <a:defRPr b="0" i="0" sz="1400" u="none" cap="none" strike="noStrike">
+      <a:defRPr sz="1400" b="0" i="0" u="none" strike="noStrike" cap="none">
         <a:solidFill>
           <a:srgbClr val="000000"/>
         </a:solidFill>
         <a:latin typeface="Arial"/>
         <a:ea typeface="Arial"/>
         <a:cs typeface="Arial"/>
-        <a:sym typeface="Arial"/>
       </a:defRPr>
     </a:lvl6pPr>
-    <a:lvl7pPr lvl="6" marR="0" rtl="0" algn="l">
+    <a:lvl7pPr marR="0" lvl="6" algn="l">
       <a:lnSpc>
         <a:spcPct val="100000"/>
       </a:lnSpc>
@@ -215,17 +177,16 @@
         <a:srgbClr val="000000"/>
       </a:buClr>
       <a:buFont typeface="Arial"/>
-      <a:defRPr b="0" i="0" sz="1400" u="none" cap="none" strike="noStrike">
+      <a:defRPr sz="1400" b="0" i="0" u="none" strike="noStrike" cap="none">
         <a:solidFill>
           <a:srgbClr val="000000"/>
         </a:solidFill>
         <a:latin typeface="Arial"/>
         <a:ea typeface="Arial"/>
         <a:cs typeface="Arial"/>
-        <a:sym typeface="Arial"/>
       </a:defRPr>
     </a:lvl7pPr>
-    <a:lvl8pPr lvl="7" marR="0" rtl="0" algn="l">
+    <a:lvl8pPr marR="0" lvl="7" algn="l">
       <a:lnSpc>
         <a:spcPct val="100000"/>
       </a:lnSpc>
@@ -239,17 +200,16 @@
         <a:srgbClr val="000000"/>
       </a:buClr>
       <a:buFont typeface="Arial"/>
-      <a:defRPr b="0" i="0" sz="1400" u="none" cap="none" strike="noStrike">
+      <a:defRPr sz="1400" b="0" i="0" u="none" strike="noStrike" cap="none">
         <a:solidFill>
           <a:srgbClr val="000000"/>
         </a:solidFill>
         <a:latin typeface="Arial"/>
         <a:ea typeface="Arial"/>
         <a:cs typeface="Arial"/>
-        <a:sym typeface="Arial"/>
       </a:defRPr>
     </a:lvl8pPr>
-    <a:lvl9pPr lvl="8" marR="0" rtl="0" algn="l">
+    <a:lvl9pPr marR="0" lvl="8" algn="l">
       <a:lnSpc>
         <a:spcPct val="100000"/>
       </a:lnSpc>
@@ -263,863 +223,24 @@
         <a:srgbClr val="000000"/>
       </a:buClr>
       <a:buFont typeface="Arial"/>
-      <a:defRPr b="0" i="0" sz="1400" u="none" cap="none" strike="noStrike">
+      <a:defRPr sz="1400" b="0" i="0" u="none" strike="noStrike" cap="none">
         <a:solidFill>
           <a:srgbClr val="000000"/>
         </a:solidFill>
         <a:latin typeface="Arial"/>
         <a:ea typeface="Arial"/>
         <a:cs typeface="Arial"/>
-        <a:sym typeface="Arial"/>
       </a:defRPr>
     </a:lvl9pPr>
   </p:defaultTextStyle>
-  <p:extLst>
-    <p:ext uri="{EFAFB233-063F-42B5-8137-9DF3F51BA10A}">
-      <p15:sldGuideLst>
-        <p15:guide id="1" orient="horz" pos="1620">
-          <p15:clr>
-            <a:srgbClr val="A4A3A4"/>
-          </p15:clr>
-        </p15:guide>
-        <p15:guide id="2" pos="2880">
-          <p15:clr>
-            <a:srgbClr val="A4A3A4"/>
-          </p15:clr>
-        </p15:guide>
-      </p15:sldGuideLst>
-    </p:ext>
-  </p:extLst>
 </p:presentation>
 </file>
 
-<file path=ppt/notesMasters/notesMaster1.xml><?xml version="1.0" encoding="utf-8"?>
-<p:notesMaster xmlns:a="http://schemas.openxmlformats.org/drawingml/2006/main" xmlns:r="http://schemas.openxmlformats.org/officeDocument/2006/relationships" xmlns:mc="http://schemas.openxmlformats.org/markup-compatibility/2006" xmlns:mv="urn:schemas-microsoft-com:mac:vml" xmlns:p="http://schemas.openxmlformats.org/presentationml/2006/main" xmlns:c="http://schemas.openxmlformats.org/drawingml/2006/chart" xmlns:dgm="http://schemas.openxmlformats.org/drawingml/2006/diagram" xmlns:o="urn:schemas-microsoft-com:office:office" xmlns:v="urn:schemas-microsoft-com:vml" xmlns:pvml="urn:schemas-microsoft-com:office:powerpoint" xmlns:com="http://schemas.openxmlformats.org/drawingml/2006/compatibility" xmlns:p14="http://schemas.microsoft.com/office/powerpoint/2010/main" xmlns:p15="http://schemas.microsoft.com/office/powerpoint/2012/main" xmlns:ahyp="http://schemas.microsoft.com/office/drawing/2018/hyperlinkcolor">
-  <p:cSld>
-    <p:spTree>
-      <p:nvGrpSpPr>
-        <p:cNvPr id="2" name="Shape 2"/>
-        <p:cNvGrpSpPr/>
-        <p:nvPr/>
-      </p:nvGrpSpPr>
-      <p:grpSpPr>
-        <a:xfrm>
-          <a:off x="0" y="0"/>
-          <a:ext cx="0" cy="0"/>
-          <a:chOff x="0" y="0"/>
-          <a:chExt cx="0" cy="0"/>
-        </a:xfrm>
-      </p:grpSpPr>
-      <p:sp>
-        <p:nvSpPr>
-          <p:cNvPr id="3" name="Google Shape;3;n"/>
-          <p:cNvSpPr/>
-          <p:nvPr>
-            <p:ph idx="2" type="sldImg"/>
-          </p:nvPr>
-        </p:nvSpPr>
-        <p:spPr>
-          <a:xfrm>
-            <a:off x="381300" y="685800"/>
-            <a:ext cx="6096075" cy="3429000"/>
-          </a:xfrm>
-          <a:custGeom>
-            <a:rect b="b" l="l" r="r" t="t"/>
-            <a:pathLst>
-              <a:path extrusionOk="0" h="120000" w="120000">
-                <a:moveTo>
-                  <a:pt x="0" y="0"/>
-                </a:moveTo>
-                <a:lnTo>
-                  <a:pt x="120000" y="0"/>
-                </a:lnTo>
-                <a:lnTo>
-                  <a:pt x="120000" y="120000"/>
-                </a:lnTo>
-                <a:lnTo>
-                  <a:pt x="0" y="120000"/>
-                </a:lnTo>
-                <a:close/>
-              </a:path>
-            </a:pathLst>
-          </a:custGeom>
-          <a:noFill/>
-          <a:ln cap="flat" cmpd="sng" w="9525">
-            <a:solidFill>
-              <a:srgbClr val="000000"/>
-            </a:solidFill>
-            <a:prstDash val="solid"/>
-            <a:round/>
-            <a:headEnd len="sm" w="sm" type="none"/>
-            <a:tailEnd len="sm" w="sm" type="none"/>
-          </a:ln>
-        </p:spPr>
-      </p:sp>
-      <p:sp>
-        <p:nvSpPr>
-          <p:cNvPr id="4" name="Google Shape;4;n"/>
-          <p:cNvSpPr txBox="1"/>
-          <p:nvPr>
-            <p:ph idx="1" type="body"/>
-          </p:nvPr>
-        </p:nvSpPr>
-        <p:spPr>
-          <a:xfrm>
-            <a:off x="685800" y="4343400"/>
-            <a:ext cx="5486400" cy="4114800"/>
-          </a:xfrm>
-          <a:prstGeom prst="rect">
-            <a:avLst/>
-          </a:prstGeom>
-          <a:noFill/>
-          <a:ln>
-            <a:noFill/>
-          </a:ln>
-        </p:spPr>
-        <p:txBody>
-          <a:bodyPr anchorCtr="0" anchor="t" bIns="91425" lIns="91425" spcFirstLastPara="1" rIns="91425" wrap="square" tIns="91425">
-            <a:noAutofit/>
-          </a:bodyPr>
-          <a:lstStyle>
-            <a:lvl1pPr indent="-298450" lvl="0" marL="457200">
-              <a:spcBef>
-                <a:spcPts val="0"/>
-              </a:spcBef>
-              <a:spcAft>
-                <a:spcPts val="0"/>
-              </a:spcAft>
-              <a:buSzPts val="1100"/>
-              <a:buChar char="●"/>
-              <a:defRPr sz="1100"/>
-            </a:lvl1pPr>
-            <a:lvl2pPr indent="-298450" lvl="1" marL="914400">
-              <a:spcBef>
-                <a:spcPts val="0"/>
-              </a:spcBef>
-              <a:spcAft>
-                <a:spcPts val="0"/>
-              </a:spcAft>
-              <a:buSzPts val="1100"/>
-              <a:buChar char="○"/>
-              <a:defRPr sz="1100"/>
-            </a:lvl2pPr>
-            <a:lvl3pPr indent="-298450" lvl="2" marL="1371600">
-              <a:spcBef>
-                <a:spcPts val="0"/>
-              </a:spcBef>
-              <a:spcAft>
-                <a:spcPts val="0"/>
-              </a:spcAft>
-              <a:buSzPts val="1100"/>
-              <a:buChar char="■"/>
-              <a:defRPr sz="1100"/>
-            </a:lvl3pPr>
-            <a:lvl4pPr indent="-298450" lvl="3" marL="1828800">
-              <a:spcBef>
-                <a:spcPts val="0"/>
-              </a:spcBef>
-              <a:spcAft>
-                <a:spcPts val="0"/>
-              </a:spcAft>
-              <a:buSzPts val="1100"/>
-              <a:buChar char="●"/>
-              <a:defRPr sz="1100"/>
-            </a:lvl4pPr>
-            <a:lvl5pPr indent="-298450" lvl="4" marL="2286000">
-              <a:spcBef>
-                <a:spcPts val="0"/>
-              </a:spcBef>
-              <a:spcAft>
-                <a:spcPts val="0"/>
-              </a:spcAft>
-              <a:buSzPts val="1100"/>
-              <a:buChar char="○"/>
-              <a:defRPr sz="1100"/>
-            </a:lvl5pPr>
-            <a:lvl6pPr indent="-298450" lvl="5" marL="2743200">
-              <a:spcBef>
-                <a:spcPts val="0"/>
-              </a:spcBef>
-              <a:spcAft>
-                <a:spcPts val="0"/>
-              </a:spcAft>
-              <a:buSzPts val="1100"/>
-              <a:buChar char="■"/>
-              <a:defRPr sz="1100"/>
-            </a:lvl6pPr>
-            <a:lvl7pPr indent="-298450" lvl="6" marL="3200400">
-              <a:spcBef>
-                <a:spcPts val="0"/>
-              </a:spcBef>
-              <a:spcAft>
-                <a:spcPts val="0"/>
-              </a:spcAft>
-              <a:buSzPts val="1100"/>
-              <a:buChar char="●"/>
-              <a:defRPr sz="1100"/>
-            </a:lvl7pPr>
-            <a:lvl8pPr indent="-298450" lvl="7" marL="3657600">
-              <a:spcBef>
-                <a:spcPts val="0"/>
-              </a:spcBef>
-              <a:spcAft>
-                <a:spcPts val="0"/>
-              </a:spcAft>
-              <a:buSzPts val="1100"/>
-              <a:buChar char="○"/>
-              <a:defRPr sz="1100"/>
-            </a:lvl8pPr>
-            <a:lvl9pPr indent="-298450" lvl="8" marL="4114800">
-              <a:spcBef>
-                <a:spcPts val="0"/>
-              </a:spcBef>
-              <a:spcAft>
-                <a:spcPts val="0"/>
-              </a:spcAft>
-              <a:buSzPts val="1100"/>
-              <a:buChar char="■"/>
-              <a:defRPr sz="1100"/>
-            </a:lvl9pPr>
-          </a:lstStyle>
-          <a:p/>
-        </p:txBody>
-      </p:sp>
-    </p:spTree>
-  </p:cSld>
-  <p:clrMap accent1="accent1" accent2="accent2" accent3="accent3" accent4="accent4" accent5="accent5" accent6="accent6" bg1="lt1" bg2="dk2" tx1="dk1" tx2="lt2" folHlink="folHlink" hlink="hlink"/>
-  <p:notesStyle>
-    <a:defPPr lvl="0" marR="0" rtl="0" algn="l">
-      <a:lnSpc>
-        <a:spcPct val="100000"/>
-      </a:lnSpc>
-      <a:spcBef>
-        <a:spcPts val="0"/>
-      </a:spcBef>
-      <a:spcAft>
-        <a:spcPts val="0"/>
-      </a:spcAft>
-    </a:defPPr>
-    <a:lvl1pPr lvl="0" marR="0" rtl="0" algn="l">
-      <a:lnSpc>
-        <a:spcPct val="100000"/>
-      </a:lnSpc>
-      <a:spcBef>
-        <a:spcPts val="0"/>
-      </a:spcBef>
-      <a:spcAft>
-        <a:spcPts val="0"/>
-      </a:spcAft>
-      <a:buClr>
-        <a:srgbClr val="000000"/>
-      </a:buClr>
-      <a:buFont typeface="Arial"/>
-      <a:defRPr b="0" i="0" sz="1400" u="none" cap="none" strike="noStrike">
-        <a:solidFill>
-          <a:srgbClr val="000000"/>
-        </a:solidFill>
-        <a:latin typeface="Arial"/>
-        <a:ea typeface="Arial"/>
-        <a:cs typeface="Arial"/>
-        <a:sym typeface="Arial"/>
-      </a:defRPr>
-    </a:lvl1pPr>
-    <a:lvl2pPr lvl="1" marR="0" rtl="0" algn="l">
-      <a:lnSpc>
-        <a:spcPct val="100000"/>
-      </a:lnSpc>
-      <a:spcBef>
-        <a:spcPts val="0"/>
-      </a:spcBef>
-      <a:spcAft>
-        <a:spcPts val="0"/>
-      </a:spcAft>
-      <a:buClr>
-        <a:srgbClr val="000000"/>
-      </a:buClr>
-      <a:buFont typeface="Arial"/>
-      <a:defRPr b="0" i="0" sz="1400" u="none" cap="none" strike="noStrike">
-        <a:solidFill>
-          <a:srgbClr val="000000"/>
-        </a:solidFill>
-        <a:latin typeface="Arial"/>
-        <a:ea typeface="Arial"/>
-        <a:cs typeface="Arial"/>
-        <a:sym typeface="Arial"/>
-      </a:defRPr>
-    </a:lvl2pPr>
-    <a:lvl3pPr lvl="2" marR="0" rtl="0" algn="l">
-      <a:lnSpc>
-        <a:spcPct val="100000"/>
-      </a:lnSpc>
-      <a:spcBef>
-        <a:spcPts val="0"/>
-      </a:spcBef>
-      <a:spcAft>
-        <a:spcPts val="0"/>
-      </a:spcAft>
-      <a:buClr>
-        <a:srgbClr val="000000"/>
-      </a:buClr>
-      <a:buFont typeface="Arial"/>
-      <a:defRPr b="0" i="0" sz="1400" u="none" cap="none" strike="noStrike">
-        <a:solidFill>
-          <a:srgbClr val="000000"/>
-        </a:solidFill>
-        <a:latin typeface="Arial"/>
-        <a:ea typeface="Arial"/>
-        <a:cs typeface="Arial"/>
-        <a:sym typeface="Arial"/>
-      </a:defRPr>
-    </a:lvl3pPr>
-    <a:lvl4pPr lvl="3" marR="0" rtl="0" algn="l">
-      <a:lnSpc>
-        <a:spcPct val="100000"/>
-      </a:lnSpc>
-      <a:spcBef>
-        <a:spcPts val="0"/>
-      </a:spcBef>
-      <a:spcAft>
-        <a:spcPts val="0"/>
-      </a:spcAft>
-      <a:buClr>
-        <a:srgbClr val="000000"/>
-      </a:buClr>
-      <a:buFont typeface="Arial"/>
-      <a:defRPr b="0" i="0" sz="1400" u="none" cap="none" strike="noStrike">
-        <a:solidFill>
-          <a:srgbClr val="000000"/>
-        </a:solidFill>
-        <a:latin typeface="Arial"/>
-        <a:ea typeface="Arial"/>
-        <a:cs typeface="Arial"/>
-        <a:sym typeface="Arial"/>
-      </a:defRPr>
-    </a:lvl4pPr>
-    <a:lvl5pPr lvl="4" marR="0" rtl="0" algn="l">
-      <a:lnSpc>
-        <a:spcPct val="100000"/>
-      </a:lnSpc>
-      <a:spcBef>
-        <a:spcPts val="0"/>
-      </a:spcBef>
-      <a:spcAft>
-        <a:spcPts val="0"/>
-      </a:spcAft>
-      <a:buClr>
-        <a:srgbClr val="000000"/>
-      </a:buClr>
-      <a:buFont typeface="Arial"/>
-      <a:defRPr b="0" i="0" sz="1400" u="none" cap="none" strike="noStrike">
-        <a:solidFill>
-          <a:srgbClr val="000000"/>
-        </a:solidFill>
-        <a:latin typeface="Arial"/>
-        <a:ea typeface="Arial"/>
-        <a:cs typeface="Arial"/>
-        <a:sym typeface="Arial"/>
-      </a:defRPr>
-    </a:lvl5pPr>
-    <a:lvl6pPr lvl="5" marR="0" rtl="0" algn="l">
-      <a:lnSpc>
-        <a:spcPct val="100000"/>
-      </a:lnSpc>
-      <a:spcBef>
-        <a:spcPts val="0"/>
-      </a:spcBef>
-      <a:spcAft>
-        <a:spcPts val="0"/>
-      </a:spcAft>
-      <a:buClr>
-        <a:srgbClr val="000000"/>
-      </a:buClr>
-      <a:buFont typeface="Arial"/>
-      <a:defRPr b="0" i="0" sz="1400" u="none" cap="none" strike="noStrike">
-        <a:solidFill>
-          <a:srgbClr val="000000"/>
-        </a:solidFill>
-        <a:latin typeface="Arial"/>
-        <a:ea typeface="Arial"/>
-        <a:cs typeface="Arial"/>
-        <a:sym typeface="Arial"/>
-      </a:defRPr>
-    </a:lvl6pPr>
-    <a:lvl7pPr lvl="6" marR="0" rtl="0" algn="l">
-      <a:lnSpc>
-        <a:spcPct val="100000"/>
-      </a:lnSpc>
-      <a:spcBef>
-        <a:spcPts val="0"/>
-      </a:spcBef>
-      <a:spcAft>
-        <a:spcPts val="0"/>
-      </a:spcAft>
-      <a:buClr>
-        <a:srgbClr val="000000"/>
-      </a:buClr>
-      <a:buFont typeface="Arial"/>
-      <a:defRPr b="0" i="0" sz="1400" u="none" cap="none" strike="noStrike">
-        <a:solidFill>
-          <a:srgbClr val="000000"/>
-        </a:solidFill>
-        <a:latin typeface="Arial"/>
-        <a:ea typeface="Arial"/>
-        <a:cs typeface="Arial"/>
-        <a:sym typeface="Arial"/>
-      </a:defRPr>
-    </a:lvl7pPr>
-    <a:lvl8pPr lvl="7" marR="0" rtl="0" algn="l">
-      <a:lnSpc>
-        <a:spcPct val="100000"/>
-      </a:lnSpc>
-      <a:spcBef>
-        <a:spcPts val="0"/>
-      </a:spcBef>
-      <a:spcAft>
-        <a:spcPts val="0"/>
-      </a:spcAft>
-      <a:buClr>
-        <a:srgbClr val="000000"/>
-      </a:buClr>
-      <a:buFont typeface="Arial"/>
-      <a:defRPr b="0" i="0" sz="1400" u="none" cap="none" strike="noStrike">
-        <a:solidFill>
-          <a:srgbClr val="000000"/>
-        </a:solidFill>
-        <a:latin typeface="Arial"/>
-        <a:ea typeface="Arial"/>
-        <a:cs typeface="Arial"/>
-        <a:sym typeface="Arial"/>
-      </a:defRPr>
-    </a:lvl8pPr>
-    <a:lvl9pPr lvl="8" marR="0" rtl="0" algn="l">
-      <a:lnSpc>
-        <a:spcPct val="100000"/>
-      </a:lnSpc>
-      <a:spcBef>
-        <a:spcPts val="0"/>
-      </a:spcBef>
-      <a:spcAft>
-        <a:spcPts val="0"/>
-      </a:spcAft>
-      <a:buClr>
-        <a:srgbClr val="000000"/>
-      </a:buClr>
-      <a:buFont typeface="Arial"/>
-      <a:defRPr b="0" i="0" sz="1400" u="none" cap="none" strike="noStrike">
-        <a:solidFill>
-          <a:srgbClr val="000000"/>
-        </a:solidFill>
-        <a:latin typeface="Arial"/>
-        <a:ea typeface="Arial"/>
-        <a:cs typeface="Arial"/>
-        <a:sym typeface="Arial"/>
-      </a:defRPr>
-    </a:lvl9pPr>
-  </p:notesStyle>
-</p:notesMaster>
-</file>
-
-<file path=ppt/notesSlides/notesSlide1.xml><?xml version="1.0" encoding="utf-8"?>
-<p:notes xmlns:a="http://schemas.openxmlformats.org/drawingml/2006/main" xmlns:r="http://schemas.openxmlformats.org/officeDocument/2006/relationships" xmlns:mc="http://schemas.openxmlformats.org/markup-compatibility/2006" xmlns:mv="urn:schemas-microsoft-com:mac:vml" xmlns:p="http://schemas.openxmlformats.org/presentationml/2006/main" xmlns:c="http://schemas.openxmlformats.org/drawingml/2006/chart" xmlns:dgm="http://schemas.openxmlformats.org/drawingml/2006/diagram" xmlns:o="urn:schemas-microsoft-com:office:office" xmlns:v="urn:schemas-microsoft-com:vml" xmlns:pvml="urn:schemas-microsoft-com:office:powerpoint" xmlns:com="http://schemas.openxmlformats.org/drawingml/2006/compatibility" xmlns:p14="http://schemas.microsoft.com/office/powerpoint/2010/main" xmlns:p15="http://schemas.microsoft.com/office/powerpoint/2012/main" xmlns:ahyp="http://schemas.microsoft.com/office/drawing/2018/hyperlinkcolor" showMasterPhAnim="0" showMasterSp="0">
-  <p:cSld>
-    <p:spTree>
-      <p:nvGrpSpPr>
-        <p:cNvPr id="82" name="Shape 82"/>
-        <p:cNvGrpSpPr/>
-        <p:nvPr/>
-      </p:nvGrpSpPr>
-      <p:grpSpPr>
-        <a:xfrm>
-          <a:off x="0" y="0"/>
-          <a:ext cx="0" cy="0"/>
-          <a:chOff x="0" y="0"/>
-          <a:chExt cx="0" cy="0"/>
-        </a:xfrm>
-      </p:grpSpPr>
-      <p:sp>
-        <p:nvSpPr>
-          <p:cNvPr id="83" name="Google Shape;83;p:notes"/>
-          <p:cNvSpPr/>
-          <p:nvPr>
-            <p:ph idx="2" type="sldImg"/>
-          </p:nvPr>
-        </p:nvSpPr>
-        <p:spPr>
-          <a:xfrm>
-            <a:off x="381300" y="685800"/>
-            <a:ext cx="6096075" cy="3429000"/>
-          </a:xfrm>
-          <a:custGeom>
-            <a:rect b="b" l="l" r="r" t="t"/>
-            <a:pathLst>
-              <a:path extrusionOk="0" h="120000" w="120000">
-                <a:moveTo>
-                  <a:pt x="0" y="0"/>
-                </a:moveTo>
-                <a:lnTo>
-                  <a:pt x="120000" y="0"/>
-                </a:lnTo>
-                <a:lnTo>
-                  <a:pt x="120000" y="120000"/>
-                </a:lnTo>
-                <a:lnTo>
-                  <a:pt x="0" y="120000"/>
-                </a:lnTo>
-                <a:close/>
-              </a:path>
-            </a:pathLst>
-          </a:custGeom>
-        </p:spPr>
-      </p:sp>
-      <p:sp>
-        <p:nvSpPr>
-          <p:cNvPr id="84" name="Google Shape;84;p:notes"/>
-          <p:cNvSpPr txBox="1"/>
-          <p:nvPr>
-            <p:ph idx="1" type="body"/>
-          </p:nvPr>
-        </p:nvSpPr>
-        <p:spPr>
-          <a:xfrm>
-            <a:off x="685800" y="4343400"/>
-            <a:ext cx="5486400" cy="4114800"/>
-          </a:xfrm>
-          <a:prstGeom prst="rect">
-            <a:avLst/>
-          </a:prstGeom>
-        </p:spPr>
-        <p:txBody>
-          <a:bodyPr anchorCtr="0" anchor="t" bIns="91425" lIns="91425" spcFirstLastPara="1" rIns="91425" wrap="square" tIns="91425">
-            <a:noAutofit/>
-          </a:bodyPr>
-          <a:lstStyle/>
-          <a:p>
-            <a:pPr indent="0" lvl="0" marL="0" rtl="0" algn="l">
-              <a:spcBef>
-                <a:spcPts val="0"/>
-              </a:spcBef>
-              <a:spcAft>
-                <a:spcPts val="0"/>
-              </a:spcAft>
-              <a:buNone/>
-            </a:pPr>
-            <a:r>
-              <a:t/>
-            </a:r>
-            <a:endParaRPr/>
-          </a:p>
-        </p:txBody>
-      </p:sp>
-    </p:spTree>
-  </p:cSld>
-  <p:clrMapOvr>
-    <a:masterClrMapping/>
-  </p:clrMapOvr>
-</p:notes>
-</file>
-
-<file path=ppt/notesSlides/notesSlide2.xml><?xml version="1.0" encoding="utf-8"?>
-<p:notes xmlns:a="http://schemas.openxmlformats.org/drawingml/2006/main" xmlns:r="http://schemas.openxmlformats.org/officeDocument/2006/relationships" xmlns:mc="http://schemas.openxmlformats.org/markup-compatibility/2006" xmlns:mv="urn:schemas-microsoft-com:mac:vml" xmlns:p="http://schemas.openxmlformats.org/presentationml/2006/main" xmlns:c="http://schemas.openxmlformats.org/drawingml/2006/chart" xmlns:dgm="http://schemas.openxmlformats.org/drawingml/2006/diagram" xmlns:o="urn:schemas-microsoft-com:office:office" xmlns:v="urn:schemas-microsoft-com:vml" xmlns:pvml="urn:schemas-microsoft-com:office:powerpoint" xmlns:com="http://schemas.openxmlformats.org/drawingml/2006/compatibility" xmlns:p14="http://schemas.microsoft.com/office/powerpoint/2010/main" xmlns:p15="http://schemas.microsoft.com/office/powerpoint/2012/main" xmlns:ahyp="http://schemas.microsoft.com/office/drawing/2018/hyperlinkcolor" showMasterPhAnim="0" showMasterSp="0">
-  <p:cSld>
-    <p:spTree>
-      <p:nvGrpSpPr>
-        <p:cNvPr id="88" name="Shape 88"/>
-        <p:cNvGrpSpPr/>
-        <p:nvPr/>
-      </p:nvGrpSpPr>
-      <p:grpSpPr>
-        <a:xfrm>
-          <a:off x="0" y="0"/>
-          <a:ext cx="0" cy="0"/>
-          <a:chOff x="0" y="0"/>
-          <a:chExt cx="0" cy="0"/>
-        </a:xfrm>
-      </p:grpSpPr>
-      <p:sp>
-        <p:nvSpPr>
-          <p:cNvPr id="89" name="Google Shape;89;g17daec66bd5_0_77:notes"/>
-          <p:cNvSpPr/>
-          <p:nvPr>
-            <p:ph idx="2" type="sldImg"/>
-          </p:nvPr>
-        </p:nvSpPr>
-        <p:spPr>
-          <a:xfrm>
-            <a:off x="381300" y="685800"/>
-            <a:ext cx="6096000" cy="3429000"/>
-          </a:xfrm>
-          <a:custGeom>
-            <a:rect b="b" l="l" r="r" t="t"/>
-            <a:pathLst>
-              <a:path extrusionOk="0" h="120000" w="120000">
-                <a:moveTo>
-                  <a:pt x="0" y="0"/>
-                </a:moveTo>
-                <a:lnTo>
-                  <a:pt x="120000" y="0"/>
-                </a:lnTo>
-                <a:lnTo>
-                  <a:pt x="120000" y="120000"/>
-                </a:lnTo>
-                <a:lnTo>
-                  <a:pt x="0" y="120000"/>
-                </a:lnTo>
-                <a:close/>
-              </a:path>
-            </a:pathLst>
-          </a:custGeom>
-        </p:spPr>
-      </p:sp>
-      <p:sp>
-        <p:nvSpPr>
-          <p:cNvPr id="90" name="Google Shape;90;g17daec66bd5_0_77:notes"/>
-          <p:cNvSpPr txBox="1"/>
-          <p:nvPr>
-            <p:ph idx="1" type="body"/>
-          </p:nvPr>
-        </p:nvSpPr>
-        <p:spPr>
-          <a:xfrm>
-            <a:off x="685800" y="4343400"/>
-            <a:ext cx="5486400" cy="4114800"/>
-          </a:xfrm>
-          <a:prstGeom prst="rect">
-            <a:avLst/>
-          </a:prstGeom>
-        </p:spPr>
-        <p:txBody>
-          <a:bodyPr anchorCtr="0" anchor="t" bIns="91425" lIns="91425" spcFirstLastPara="1" rIns="91425" wrap="square" tIns="91425">
-            <a:noAutofit/>
-          </a:bodyPr>
-          <a:lstStyle/>
-          <a:p>
-            <a:pPr indent="0" lvl="0" marL="0" rtl="0" algn="l">
-              <a:spcBef>
-                <a:spcPts val="0"/>
-              </a:spcBef>
-              <a:spcAft>
-                <a:spcPts val="0"/>
-              </a:spcAft>
-              <a:buNone/>
-            </a:pPr>
-            <a:r>
-              <a:t/>
-            </a:r>
-            <a:endParaRPr/>
-          </a:p>
-        </p:txBody>
-      </p:sp>
-    </p:spTree>
-  </p:cSld>
-  <p:clrMapOvr>
-    <a:masterClrMapping/>
-  </p:clrMapOvr>
-</p:notes>
-</file>
-
-<file path=ppt/notesSlides/notesSlide3.xml><?xml version="1.0" encoding="utf-8"?>
-<p:notes xmlns:a="http://schemas.openxmlformats.org/drawingml/2006/main" xmlns:r="http://schemas.openxmlformats.org/officeDocument/2006/relationships" xmlns:mc="http://schemas.openxmlformats.org/markup-compatibility/2006" xmlns:mv="urn:schemas-microsoft-com:mac:vml" xmlns:p="http://schemas.openxmlformats.org/presentationml/2006/main" xmlns:c="http://schemas.openxmlformats.org/drawingml/2006/chart" xmlns:dgm="http://schemas.openxmlformats.org/drawingml/2006/diagram" xmlns:o="urn:schemas-microsoft-com:office:office" xmlns:v="urn:schemas-microsoft-com:vml" xmlns:pvml="urn:schemas-microsoft-com:office:powerpoint" xmlns:com="http://schemas.openxmlformats.org/drawingml/2006/compatibility" xmlns:p14="http://schemas.microsoft.com/office/powerpoint/2010/main" xmlns:p15="http://schemas.microsoft.com/office/powerpoint/2012/main" xmlns:ahyp="http://schemas.microsoft.com/office/drawing/2018/hyperlinkcolor" showMasterPhAnim="0" showMasterSp="0">
-  <p:cSld>
-    <p:spTree>
-      <p:nvGrpSpPr>
-        <p:cNvPr id="94" name="Shape 94"/>
-        <p:cNvGrpSpPr/>
-        <p:nvPr/>
-      </p:nvGrpSpPr>
-      <p:grpSpPr>
-        <a:xfrm>
-          <a:off x="0" y="0"/>
-          <a:ext cx="0" cy="0"/>
-          <a:chOff x="0" y="0"/>
-          <a:chExt cx="0" cy="0"/>
-        </a:xfrm>
-      </p:grpSpPr>
-      <p:sp>
-        <p:nvSpPr>
-          <p:cNvPr id="95" name="Google Shape;95;g1831f413c95_0_1:notes"/>
-          <p:cNvSpPr/>
-          <p:nvPr>
-            <p:ph idx="2" type="sldImg"/>
-          </p:nvPr>
-        </p:nvSpPr>
-        <p:spPr>
-          <a:xfrm>
-            <a:off x="381300" y="685800"/>
-            <a:ext cx="6096000" cy="3429000"/>
-          </a:xfrm>
-          <a:custGeom>
-            <a:rect b="b" l="l" r="r" t="t"/>
-            <a:pathLst>
-              <a:path extrusionOk="0" h="120000" w="120000">
-                <a:moveTo>
-                  <a:pt x="0" y="0"/>
-                </a:moveTo>
-                <a:lnTo>
-                  <a:pt x="120000" y="0"/>
-                </a:lnTo>
-                <a:lnTo>
-                  <a:pt x="120000" y="120000"/>
-                </a:lnTo>
-                <a:lnTo>
-                  <a:pt x="0" y="120000"/>
-                </a:lnTo>
-                <a:close/>
-              </a:path>
-            </a:pathLst>
-          </a:custGeom>
-        </p:spPr>
-      </p:sp>
-      <p:sp>
-        <p:nvSpPr>
-          <p:cNvPr id="96" name="Google Shape;96;g1831f413c95_0_1:notes"/>
-          <p:cNvSpPr txBox="1"/>
-          <p:nvPr>
-            <p:ph idx="1" type="body"/>
-          </p:nvPr>
-        </p:nvSpPr>
-        <p:spPr>
-          <a:xfrm>
-            <a:off x="685800" y="4343400"/>
-            <a:ext cx="5486400" cy="4114800"/>
-          </a:xfrm>
-          <a:prstGeom prst="rect">
-            <a:avLst/>
-          </a:prstGeom>
-        </p:spPr>
-        <p:txBody>
-          <a:bodyPr anchorCtr="0" anchor="t" bIns="91425" lIns="91425" spcFirstLastPara="1" rIns="91425" wrap="square" tIns="91425">
-            <a:noAutofit/>
-          </a:bodyPr>
-          <a:lstStyle/>
-          <a:p>
-            <a:pPr indent="0" lvl="0" marL="0" rtl="0" algn="l">
-              <a:spcBef>
-                <a:spcPts val="0"/>
-              </a:spcBef>
-              <a:spcAft>
-                <a:spcPts val="0"/>
-              </a:spcAft>
-              <a:buNone/>
-            </a:pPr>
-            <a:r>
-              <a:t/>
-            </a:r>
-            <a:endParaRPr/>
-          </a:p>
-        </p:txBody>
-      </p:sp>
-    </p:spTree>
-  </p:cSld>
-  <p:clrMapOvr>
-    <a:masterClrMapping/>
-  </p:clrMapOvr>
-</p:notes>
-</file>
-
-<file path=ppt/notesSlides/notesSlide4.xml><?xml version="1.0" encoding="utf-8"?>
-<p:notes xmlns:a="http://schemas.openxmlformats.org/drawingml/2006/main" xmlns:r="http://schemas.openxmlformats.org/officeDocument/2006/relationships" xmlns:mc="http://schemas.openxmlformats.org/markup-compatibility/2006" xmlns:mv="urn:schemas-microsoft-com:mac:vml" xmlns:p="http://schemas.openxmlformats.org/presentationml/2006/main" xmlns:c="http://schemas.openxmlformats.org/drawingml/2006/chart" xmlns:dgm="http://schemas.openxmlformats.org/drawingml/2006/diagram" xmlns:o="urn:schemas-microsoft-com:office:office" xmlns:v="urn:schemas-microsoft-com:vml" xmlns:pvml="urn:schemas-microsoft-com:office:powerpoint" xmlns:com="http://schemas.openxmlformats.org/drawingml/2006/compatibility" xmlns:p14="http://schemas.microsoft.com/office/powerpoint/2010/main" xmlns:p15="http://schemas.microsoft.com/office/powerpoint/2012/main" xmlns:ahyp="http://schemas.microsoft.com/office/drawing/2018/hyperlinkcolor" showMasterPhAnim="0" showMasterSp="0">
-  <p:cSld>
-    <p:spTree>
-      <p:nvGrpSpPr>
-        <p:cNvPr id="100" name="Shape 100"/>
-        <p:cNvGrpSpPr/>
-        <p:nvPr/>
-      </p:nvGrpSpPr>
-      <p:grpSpPr>
-        <a:xfrm>
-          <a:off x="0" y="0"/>
-          <a:ext cx="0" cy="0"/>
-          <a:chOff x="0" y="0"/>
-          <a:chExt cx="0" cy="0"/>
-        </a:xfrm>
-      </p:grpSpPr>
-      <p:sp>
-        <p:nvSpPr>
-          <p:cNvPr id="101" name="Google Shape;101;g1831f413c95_0_6:notes"/>
-          <p:cNvSpPr/>
-          <p:nvPr>
-            <p:ph idx="2" type="sldImg"/>
-          </p:nvPr>
-        </p:nvSpPr>
-        <p:spPr>
-          <a:xfrm>
-            <a:off x="381300" y="685800"/>
-            <a:ext cx="6096000" cy="3429000"/>
-          </a:xfrm>
-          <a:custGeom>
-            <a:rect b="b" l="l" r="r" t="t"/>
-            <a:pathLst>
-              <a:path extrusionOk="0" h="120000" w="120000">
-                <a:moveTo>
-                  <a:pt x="0" y="0"/>
-                </a:moveTo>
-                <a:lnTo>
-                  <a:pt x="120000" y="0"/>
-                </a:lnTo>
-                <a:lnTo>
-                  <a:pt x="120000" y="120000"/>
-                </a:lnTo>
-                <a:lnTo>
-                  <a:pt x="0" y="120000"/>
-                </a:lnTo>
-                <a:close/>
-              </a:path>
-            </a:pathLst>
-          </a:custGeom>
-        </p:spPr>
-      </p:sp>
-      <p:sp>
-        <p:nvSpPr>
-          <p:cNvPr id="102" name="Google Shape;102;g1831f413c95_0_6:notes"/>
-          <p:cNvSpPr txBox="1"/>
-          <p:nvPr>
-            <p:ph idx="1" type="body"/>
-          </p:nvPr>
-        </p:nvSpPr>
-        <p:spPr>
-          <a:xfrm>
-            <a:off x="685800" y="4343400"/>
-            <a:ext cx="5486400" cy="4114800"/>
-          </a:xfrm>
-          <a:prstGeom prst="rect">
-            <a:avLst/>
-          </a:prstGeom>
-        </p:spPr>
-        <p:txBody>
-          <a:bodyPr anchorCtr="0" anchor="t" bIns="91425" lIns="91425" spcFirstLastPara="1" rIns="91425" wrap="square" tIns="91425">
-            <a:noAutofit/>
-          </a:bodyPr>
-          <a:lstStyle/>
-          <a:p>
-            <a:pPr indent="0" lvl="0" marL="0" rtl="0" algn="l">
-              <a:spcBef>
-                <a:spcPts val="0"/>
-              </a:spcBef>
-              <a:spcAft>
-                <a:spcPts val="0"/>
-              </a:spcAft>
-              <a:buNone/>
-            </a:pPr>
-            <a:r>
-              <a:t/>
-            </a:r>
-            <a:endParaRPr/>
-          </a:p>
-        </p:txBody>
-      </p:sp>
-    </p:spTree>
-  </p:cSld>
-  <p:clrMapOvr>
-    <a:masterClrMapping/>
-  </p:clrMapOvr>
-</p:notes>
-</file>
-
 <file path=ppt/slideLayouts/slideLayout1.xml><?xml version="1.0" encoding="utf-8"?>
-<p:sldLayout xmlns:a="http://schemas.openxmlformats.org/drawingml/2006/main" xmlns:r="http://schemas.openxmlformats.org/officeDocument/2006/relationships" xmlns:mc="http://schemas.openxmlformats.org/markup-compatibility/2006" xmlns:mv="urn:schemas-microsoft-com:mac:vml" xmlns:p="http://schemas.openxmlformats.org/presentationml/2006/main" xmlns:c="http://schemas.openxmlformats.org/drawingml/2006/chart" xmlns:dgm="http://schemas.openxmlformats.org/drawingml/2006/diagram" xmlns:o="urn:schemas-microsoft-com:office:office" xmlns:v="urn:schemas-microsoft-com:vml" xmlns:pvml="urn:schemas-microsoft-com:office:powerpoint" xmlns:com="http://schemas.openxmlformats.org/drawingml/2006/compatibility" xmlns:p14="http://schemas.microsoft.com/office/powerpoint/2010/main" xmlns:p15="http://schemas.microsoft.com/office/powerpoint/2012/main" xmlns:ahyp="http://schemas.microsoft.com/office/drawing/2018/hyperlinkcolor" matchingName="Title slide" type="title">
+<p:sldLayout xmlns:a="http://schemas.openxmlformats.org/drawingml/2006/main" xmlns:r="http://schemas.openxmlformats.org/officeDocument/2006/relationships" xmlns:p="http://schemas.openxmlformats.org/presentationml/2006/main" xmlns:m="http://schemas.openxmlformats.org/officeDocument/2006/math" xmlns:w="http://schemas.openxmlformats.org/wordprocessingml/2006/main" matchingName="Title slide" preserve="0" showMasterPhAnim="0" type="title" userDrawn="1">
   <p:cSld name="TITLE">
     <p:bg>
-      <p:bgPr>
+      <p:bgPr shadeToTitle="0">
         <a:solidFill>
           <a:schemeClr val="lt2"/>
         </a:solidFill>
@@ -1127,11 +248,11 @@
     </p:bg>
     <p:spTree>
       <p:nvGrpSpPr>
-        <p:cNvPr id="9" name="Shape 9"/>
+        <p:cNvPr id="1" name=""/>
         <p:cNvGrpSpPr/>
         <p:nvPr/>
       </p:nvGrpSpPr>
-      <p:grpSpPr>
+      <p:grpSpPr bwMode="auto">
         <a:xfrm>
           <a:off x="0" y="0"/>
           <a:ext cx="0" cy="0"/>
@@ -1145,7 +266,7 @@
           <p:cNvSpPr/>
           <p:nvPr/>
         </p:nvSpPr>
-        <p:spPr>
+        <p:spPr bwMode="auto">
           <a:xfrm>
             <a:off x="0" y="0"/>
             <a:ext cx="9144000" cy="487800"/>
@@ -1161,23 +282,21 @@
           </a:ln>
         </p:spPr>
         <p:txBody>
-          <a:bodyPr anchorCtr="0" anchor="ctr" bIns="91425" lIns="91425" spcFirstLastPara="1" rIns="91425" wrap="square" tIns="91425">
+          <a:bodyPr spcFirstLastPara="1" wrap="square" lIns="91425" tIns="91425" rIns="91425" bIns="91425" anchor="ctr" anchorCtr="0">
             <a:noAutofit/>
           </a:bodyPr>
           <a:lstStyle/>
           <a:p>
-            <a:pPr indent="0" lvl="0" marL="0" rtl="0" algn="l">
-              <a:spcBef>
-                <a:spcPts val="0"/>
-              </a:spcBef>
-              <a:spcAft>
-                <a:spcPts val="0"/>
-              </a:spcAft>
-              <a:buNone/>
+            <a:pPr marL="0" lvl="0" indent="0" algn="l">
+              <a:spcBef>
+                <a:spcPts val="0"/>
+              </a:spcBef>
+              <a:spcAft>
+                <a:spcPts val="0"/>
+              </a:spcAft>
+              <a:buNone/>
+              <a:defRPr/>
             </a:pPr>
-            <a:r>
-              <a:t/>
-            </a:r>
             <a:endParaRPr/>
           </a:p>
         </p:txBody>
@@ -1188,9 +307,9 @@
           <p:cNvGrpSpPr/>
           <p:nvPr/>
         </p:nvGrpSpPr>
-        <p:grpSpPr>
+        <p:grpSpPr bwMode="auto">
           <a:xfrm>
-            <a:off x="830392" y="1191256"/>
+            <a:off x="830391" y="1191256"/>
             <a:ext cx="745763" cy="45826"/>
             <a:chOff x="4580561" y="2589004"/>
             <a:chExt cx="1064464" cy="25200"/>
@@ -1202,7 +321,7 @@
             <p:cNvSpPr/>
             <p:nvPr/>
           </p:nvSpPr>
-          <p:spPr>
+          <p:spPr bwMode="auto">
             <a:xfrm rot="-5400000">
               <a:off x="5366325" y="2335504"/>
               <a:ext cx="25200" cy="532200"/>
@@ -1218,12 +337,12 @@
             </a:ln>
           </p:spPr>
           <p:txBody>
-            <a:bodyPr anchorCtr="0" anchor="ctr" bIns="91425" lIns="91425" spcFirstLastPara="1" rIns="91425" wrap="square" tIns="91425">
+            <a:bodyPr spcFirstLastPara="1" wrap="square" lIns="91425" tIns="91425" rIns="91425" bIns="91425" anchor="ctr" anchorCtr="0">
               <a:noAutofit/>
             </a:bodyPr>
             <a:lstStyle/>
             <a:p>
-              <a:pPr indent="0" lvl="0" marL="0" rtl="0" algn="l">
+              <a:pPr marL="0" lvl="0" indent="0" algn="l">
                 <a:spcBef>
                   <a:spcPts val="0"/>
                 </a:spcBef>
@@ -1231,10 +350,8 @@
                   <a:spcPts val="0"/>
                 </a:spcAft>
                 <a:buNone/>
+                <a:defRPr/>
               </a:pPr>
-              <a:r>
-                <a:t/>
-              </a:r>
               <a:endParaRPr/>
             </a:p>
           </p:txBody>
@@ -1245,7 +362,7 @@
             <p:cNvSpPr/>
             <p:nvPr/>
           </p:nvSpPr>
-          <p:spPr>
+          <p:spPr bwMode="auto">
             <a:xfrm rot="-5400000">
               <a:off x="4836311" y="2333254"/>
               <a:ext cx="25200" cy="536700"/>
@@ -1261,12 +378,12 @@
             </a:ln>
           </p:spPr>
           <p:txBody>
-            <a:bodyPr anchorCtr="0" anchor="ctr" bIns="91425" lIns="91425" spcFirstLastPara="1" rIns="91425" wrap="square" tIns="91425">
+            <a:bodyPr spcFirstLastPara="1" wrap="square" lIns="91425" tIns="91425" rIns="91425" bIns="91425" anchor="ctr" anchorCtr="0">
               <a:noAutofit/>
             </a:bodyPr>
             <a:lstStyle/>
             <a:p>
-              <a:pPr indent="0" lvl="0" marL="0" rtl="0" algn="l">
+              <a:pPr marL="0" lvl="0" indent="0" algn="l">
                 <a:spcBef>
                   <a:spcPts val="0"/>
                 </a:spcBef>
@@ -1274,10 +391,8 @@
                   <a:spcPts val="0"/>
                 </a:spcAft>
                 <a:buNone/>
+                <a:defRPr/>
               </a:pPr>
-              <a:r>
-                <a:t/>
-              </a:r>
               <a:endParaRPr/>
             </a:p>
           </p:txBody>
@@ -1291,7 +406,7 @@
             <p:ph type="ctrTitle"/>
           </p:nvPr>
         </p:nvSpPr>
-        <p:spPr>
+        <p:spPr bwMode="auto">
           <a:xfrm>
             <a:off x="729450" y="1322450"/>
             <a:ext cx="7688100" cy="1664700"/>
@@ -1301,7 +416,7 @@
           </a:prstGeom>
         </p:spPr>
         <p:txBody>
-          <a:bodyPr anchorCtr="0" anchor="t" bIns="91425" lIns="91425" spcFirstLastPara="1" rIns="91425" wrap="square" tIns="91425">
+          <a:bodyPr spcFirstLastPara="1" wrap="square" lIns="91425" tIns="91425" rIns="91425" bIns="91425" anchor="t" anchorCtr="0">
             <a:normAutofit/>
           </a:bodyPr>
           <a:lstStyle>
@@ -1405,7 +520,12 @@
               <a:defRPr sz="4200"/>
             </a:lvl9pPr>
           </a:lstStyle>
-          <a:p/>
+          <a:p>
+            <a:pPr>
+              <a:defRPr/>
+            </a:pPr>
+            <a:endParaRPr/>
+          </a:p>
         </p:txBody>
       </p:sp>
       <p:sp>
@@ -1413,10 +533,10 @@
           <p:cNvPr id="15" name="Google Shape;15;p2"/>
           <p:cNvSpPr txBox="1"/>
           <p:nvPr>
-            <p:ph idx="1" type="subTitle"/>
+            <p:ph type="subTitle" idx="1"/>
           </p:nvPr>
         </p:nvSpPr>
-        <p:spPr>
+        <p:spPr bwMode="auto">
           <a:xfrm>
             <a:off x="729627" y="3172900"/>
             <a:ext cx="7688100" cy="541200"/>
@@ -1426,7 +546,7 @@
           </a:prstGeom>
         </p:spPr>
         <p:txBody>
-          <a:bodyPr anchorCtr="0" anchor="t" bIns="91425" lIns="91425" spcFirstLastPara="1" rIns="91425" wrap="square" tIns="91425">
+          <a:bodyPr spcFirstLastPara="1" wrap="square" lIns="91425" tIns="91425" rIns="91425" bIns="91425" anchor="t" anchorCtr="0">
             <a:normAutofit/>
           </a:bodyPr>
           <a:lstStyle>
@@ -1557,7 +677,12 @@
               <a:defRPr sz="1600"/>
             </a:lvl9pPr>
           </a:lstStyle>
-          <a:p/>
+          <a:p>
+            <a:pPr>
+              <a:defRPr/>
+            </a:pPr>
+            <a:endParaRPr/>
+          </a:p>
         </p:txBody>
       </p:sp>
       <p:sp>
@@ -1565,10 +690,10 @@
           <p:cNvPr id="16" name="Google Shape;16;p2"/>
           <p:cNvSpPr txBox="1"/>
           <p:nvPr>
-            <p:ph idx="12" type="sldNum"/>
+            <p:ph type="sldNum" idx="12"/>
           </p:nvPr>
         </p:nvSpPr>
-        <p:spPr>
+        <p:spPr bwMode="auto">
           <a:xfrm>
             <a:off x="8536302" y="4749851"/>
             <a:ext cx="548700" cy="393600"/>
@@ -1578,7 +703,7 @@
           </a:prstGeom>
         </p:spPr>
         <p:txBody>
-          <a:bodyPr anchorCtr="0" anchor="ctr" bIns="91425" lIns="91425" spcFirstLastPara="1" rIns="91425" wrap="square" tIns="91425">
+          <a:bodyPr spcFirstLastPara="1" wrap="square" lIns="91425" tIns="91425" rIns="91425" bIns="91425" anchor="ctr" anchorCtr="0">
             <a:normAutofit/>
           </a:bodyPr>
           <a:lstStyle>
@@ -1620,18 +745,19 @@
             </a:lvl9pPr>
           </a:lstStyle>
           <a:p>
-            <a:pPr indent="0" lvl="0" marL="0" rtl="0" algn="r">
-              <a:spcBef>
-                <a:spcPts val="0"/>
-              </a:spcBef>
-              <a:spcAft>
-                <a:spcPts val="0"/>
-              </a:spcAft>
-              <a:buNone/>
+            <a:pPr marL="0" lvl="0" indent="0" algn="r">
+              <a:spcBef>
+                <a:spcPts val="0"/>
+              </a:spcBef>
+              <a:spcAft>
+                <a:spcPts val="0"/>
+              </a:spcAft>
+              <a:buNone/>
+              <a:defRPr/>
             </a:pPr>
             <a:fld id="{00000000-1234-1234-1234-123412341234}" type="slidenum">
               <a:rPr lang="en"/>
-              <a:t>‹#›</a:t>
+              <a:t/>
             </a:fld>
             <a:endParaRPr/>
           </a:p>
@@ -1646,10 +772,10 @@
 </file>
 
 <file path=ppt/slideLayouts/slideLayout10.xml><?xml version="1.0" encoding="utf-8"?>
-<p:sldLayout xmlns:a="http://schemas.openxmlformats.org/drawingml/2006/main" xmlns:r="http://schemas.openxmlformats.org/officeDocument/2006/relationships" xmlns:mc="http://schemas.openxmlformats.org/markup-compatibility/2006" xmlns:mv="urn:schemas-microsoft-com:mac:vml" xmlns:p="http://schemas.openxmlformats.org/presentationml/2006/main" xmlns:c="http://schemas.openxmlformats.org/drawingml/2006/chart" xmlns:dgm="http://schemas.openxmlformats.org/drawingml/2006/diagram" xmlns:o="urn:schemas-microsoft-com:office:office" xmlns:v="urn:schemas-microsoft-com:vml" xmlns:pvml="urn:schemas-microsoft-com:office:powerpoint" xmlns:com="http://schemas.openxmlformats.org/drawingml/2006/compatibility" xmlns:p14="http://schemas.microsoft.com/office/powerpoint/2010/main" xmlns:p15="http://schemas.microsoft.com/office/powerpoint/2012/main" xmlns:ahyp="http://schemas.microsoft.com/office/drawing/2018/hyperlinkcolor" matchingName="Big number">
+<p:sldLayout xmlns:a="http://schemas.openxmlformats.org/drawingml/2006/main" xmlns:r="http://schemas.openxmlformats.org/officeDocument/2006/relationships" xmlns:p="http://schemas.openxmlformats.org/presentationml/2006/main" xmlns:m="http://schemas.openxmlformats.org/officeDocument/2006/math" xmlns:w="http://schemas.openxmlformats.org/wordprocessingml/2006/main" matchingName="Big number" preserve="0" showMasterPhAnim="0" userDrawn="1">
   <p:cSld name="BIG_NUMBER">
     <p:bg>
-      <p:bgPr>
+      <p:bgPr shadeToTitle="0">
         <a:solidFill>
           <a:schemeClr val="dk1"/>
         </a:solidFill>
@@ -1657,11 +783,11 @@
     </p:bg>
     <p:spTree>
       <p:nvGrpSpPr>
-        <p:cNvPr id="73" name="Shape 73"/>
+        <p:cNvPr id="1" name=""/>
         <p:cNvGrpSpPr/>
         <p:nvPr/>
       </p:nvGrpSpPr>
-      <p:grpSpPr>
+      <p:grpSpPr bwMode="auto">
         <a:xfrm>
           <a:off x="0" y="0"/>
           <a:ext cx="0" cy="0"/>
@@ -1675,9 +801,9 @@
           <p:cNvGrpSpPr/>
           <p:nvPr/>
         </p:nvGrpSpPr>
-        <p:grpSpPr>
+        <p:grpSpPr bwMode="auto">
           <a:xfrm>
-            <a:off x="830392" y="4169130"/>
+            <a:off x="830391" y="4169130"/>
             <a:ext cx="745763" cy="45826"/>
             <a:chOff x="4580561" y="2589004"/>
             <a:chExt cx="1064464" cy="25200"/>
@@ -1689,7 +815,7 @@
             <p:cNvSpPr/>
             <p:nvPr/>
           </p:nvSpPr>
-          <p:spPr>
+          <p:spPr bwMode="auto">
             <a:xfrm rot="-5400000">
               <a:off x="5366325" y="2335504"/>
               <a:ext cx="25200" cy="532200"/>
@@ -1705,12 +831,12 @@
             </a:ln>
           </p:spPr>
           <p:txBody>
-            <a:bodyPr anchorCtr="0" anchor="ctr" bIns="91425" lIns="91425" spcFirstLastPara="1" rIns="91425" wrap="square" tIns="91425">
+            <a:bodyPr spcFirstLastPara="1" wrap="square" lIns="91425" tIns="91425" rIns="91425" bIns="91425" anchor="ctr" anchorCtr="0">
               <a:noAutofit/>
             </a:bodyPr>
             <a:lstStyle/>
             <a:p>
-              <a:pPr indent="0" lvl="0" marL="0" rtl="0" algn="l">
+              <a:pPr marL="0" lvl="0" indent="0" algn="l">
                 <a:spcBef>
                   <a:spcPts val="0"/>
                 </a:spcBef>
@@ -1718,10 +844,8 @@
                   <a:spcPts val="0"/>
                 </a:spcAft>
                 <a:buNone/>
+                <a:defRPr/>
               </a:pPr>
-              <a:r>
-                <a:t/>
-              </a:r>
               <a:endParaRPr/>
             </a:p>
           </p:txBody>
@@ -1732,7 +856,7 @@
             <p:cNvSpPr/>
             <p:nvPr/>
           </p:nvSpPr>
-          <p:spPr>
+          <p:spPr bwMode="auto">
             <a:xfrm rot="-5400000">
               <a:off x="4836311" y="2333254"/>
               <a:ext cx="25200" cy="536700"/>
@@ -1748,12 +872,12 @@
             </a:ln>
           </p:spPr>
           <p:txBody>
-            <a:bodyPr anchorCtr="0" anchor="ctr" bIns="91425" lIns="91425" spcFirstLastPara="1" rIns="91425" wrap="square" tIns="91425">
+            <a:bodyPr spcFirstLastPara="1" wrap="square" lIns="91425" tIns="91425" rIns="91425" bIns="91425" anchor="ctr" anchorCtr="0">
               <a:noAutofit/>
             </a:bodyPr>
             <a:lstStyle/>
             <a:p>
-              <a:pPr indent="0" lvl="0" marL="0" rtl="0" algn="l">
+              <a:pPr marL="0" lvl="0" indent="0" algn="l">
                 <a:spcBef>
                   <a:spcPts val="0"/>
                 </a:spcBef>
@@ -1761,10 +885,8 @@
                   <a:spcPts val="0"/>
                 </a:spcAft>
                 <a:buNone/>
+                <a:defRPr/>
               </a:pPr>
-              <a:r>
-                <a:t/>
-              </a:r>
               <a:endParaRPr/>
             </a:p>
           </p:txBody>
@@ -1775,10 +897,10 @@
           <p:cNvPr id="77" name="Google Shape;77;p11"/>
           <p:cNvSpPr txBox="1"/>
           <p:nvPr>
-            <p:ph hasCustomPrompt="1" type="title"/>
+            <p:ph type="title" hasCustomPrompt="1"/>
           </p:nvPr>
         </p:nvSpPr>
-        <p:spPr>
+        <p:spPr bwMode="auto">
           <a:xfrm>
             <a:off x="729450" y="733950"/>
             <a:ext cx="7688400" cy="1244700"/>
@@ -1788,7 +910,7 @@
           </a:prstGeom>
         </p:spPr>
         <p:txBody>
-          <a:bodyPr anchorCtr="0" anchor="t" bIns="91425" lIns="91425" spcFirstLastPara="1" rIns="91425" wrap="square" tIns="91425">
+          <a:bodyPr spcFirstLastPara="1" wrap="square" lIns="91425" tIns="91425" rIns="91425" bIns="91425" anchor="t" anchorCtr="0">
             <a:normAutofit/>
           </a:bodyPr>
           <a:lstStyle>
@@ -1956,9 +1078,14 @@
             </a:lvl9pPr>
           </a:lstStyle>
           <a:p>
+            <a:pPr>
+              <a:defRPr/>
+            </a:pPr>
             <a:r>
+              <a:rPr/>
               <a:t>xx%</a:t>
             </a:r>
+            <a:endParaRPr/>
           </a:p>
         </p:txBody>
       </p:sp>
@@ -1967,10 +1094,10 @@
           <p:cNvPr id="78" name="Google Shape;78;p11"/>
           <p:cNvSpPr txBox="1"/>
           <p:nvPr>
-            <p:ph idx="1" type="body"/>
+            <p:ph type="body" idx="1"/>
           </p:nvPr>
         </p:nvSpPr>
-        <p:spPr>
+        <p:spPr bwMode="auto">
           <a:xfrm>
             <a:off x="729450" y="2272888"/>
             <a:ext cx="7688400" cy="1580400"/>
@@ -1980,11 +1107,11 @@
           </a:prstGeom>
         </p:spPr>
         <p:txBody>
-          <a:bodyPr anchorCtr="0" anchor="t" bIns="91425" lIns="91425" spcFirstLastPara="1" rIns="91425" wrap="square" tIns="91425">
+          <a:bodyPr spcFirstLastPara="1" wrap="square" lIns="91425" tIns="91425" rIns="91425" bIns="91425" anchor="t" anchorCtr="0">
             <a:normAutofit/>
           </a:bodyPr>
           <a:lstStyle>
-            <a:lvl1pPr indent="-311150" lvl="0" marL="457200">
+            <a:lvl1pPr marL="457200" lvl="0" indent="-311150">
               <a:spcBef>
                 <a:spcPts val="0"/>
               </a:spcBef>
@@ -2002,7 +1129,7 @@
                 </a:solidFill>
               </a:defRPr>
             </a:lvl1pPr>
-            <a:lvl2pPr indent="-298450" lvl="1" marL="914400">
+            <a:lvl2pPr marL="914400" lvl="1" indent="-298450">
               <a:spcBef>
                 <a:spcPts val="0"/>
               </a:spcBef>
@@ -2020,7 +1147,7 @@
                 </a:solidFill>
               </a:defRPr>
             </a:lvl2pPr>
-            <a:lvl3pPr indent="-298450" lvl="2" marL="1371600">
+            <a:lvl3pPr marL="1371600" lvl="2" indent="-298450">
               <a:spcBef>
                 <a:spcPts val="0"/>
               </a:spcBef>
@@ -2038,7 +1165,7 @@
                 </a:solidFill>
               </a:defRPr>
             </a:lvl3pPr>
-            <a:lvl4pPr indent="-298450" lvl="3" marL="1828800">
+            <a:lvl4pPr marL="1828800" lvl="3" indent="-298450">
               <a:spcBef>
                 <a:spcPts val="0"/>
               </a:spcBef>
@@ -2056,7 +1183,7 @@
                 </a:solidFill>
               </a:defRPr>
             </a:lvl4pPr>
-            <a:lvl5pPr indent="-298450" lvl="4" marL="2286000">
+            <a:lvl5pPr marL="2286000" lvl="4" indent="-298450">
               <a:spcBef>
                 <a:spcPts val="0"/>
               </a:spcBef>
@@ -2074,7 +1201,7 @@
                 </a:solidFill>
               </a:defRPr>
             </a:lvl5pPr>
-            <a:lvl6pPr indent="-298450" lvl="5" marL="2743200">
+            <a:lvl6pPr marL="2743200" lvl="5" indent="-298450">
               <a:spcBef>
                 <a:spcPts val="0"/>
               </a:spcBef>
@@ -2092,7 +1219,7 @@
                 </a:solidFill>
               </a:defRPr>
             </a:lvl6pPr>
-            <a:lvl7pPr indent="-298450" lvl="6" marL="3200400">
+            <a:lvl7pPr marL="3200400" lvl="6" indent="-298450">
               <a:spcBef>
                 <a:spcPts val="0"/>
               </a:spcBef>
@@ -2110,7 +1237,7 @@
                 </a:solidFill>
               </a:defRPr>
             </a:lvl7pPr>
-            <a:lvl8pPr indent="-298450" lvl="7" marL="3657600">
+            <a:lvl8pPr marL="3657600" lvl="7" indent="-298450">
               <a:spcBef>
                 <a:spcPts val="0"/>
               </a:spcBef>
@@ -2128,7 +1255,7 @@
                 </a:solidFill>
               </a:defRPr>
             </a:lvl8pPr>
-            <a:lvl9pPr indent="-298450" lvl="8" marL="4114800">
+            <a:lvl9pPr marL="4114800" lvl="8" indent="-298450">
               <a:spcBef>
                 <a:spcPts val="0"/>
               </a:spcBef>
@@ -2147,7 +1274,12 @@
               </a:defRPr>
             </a:lvl9pPr>
           </a:lstStyle>
-          <a:p/>
+          <a:p>
+            <a:pPr>
+              <a:defRPr/>
+            </a:pPr>
+            <a:endParaRPr/>
+          </a:p>
         </p:txBody>
       </p:sp>
       <p:sp>
@@ -2155,10 +1287,10 @@
           <p:cNvPr id="79" name="Google Shape;79;p11"/>
           <p:cNvSpPr txBox="1"/>
           <p:nvPr>
-            <p:ph idx="12" type="sldNum"/>
+            <p:ph type="sldNum" idx="12"/>
           </p:nvPr>
         </p:nvSpPr>
-        <p:spPr>
+        <p:spPr bwMode="auto">
           <a:xfrm>
             <a:off x="8536302" y="4749851"/>
             <a:ext cx="548700" cy="393600"/>
@@ -2168,7 +1300,7 @@
           </a:prstGeom>
         </p:spPr>
         <p:txBody>
-          <a:bodyPr anchorCtr="0" anchor="ctr" bIns="91425" lIns="91425" spcFirstLastPara="1" rIns="91425" wrap="square" tIns="91425">
+          <a:bodyPr spcFirstLastPara="1" wrap="square" lIns="91425" tIns="91425" rIns="91425" bIns="91425" anchor="ctr" anchorCtr="0">
             <a:normAutofit/>
           </a:bodyPr>
           <a:lstStyle>
@@ -2246,18 +1378,19 @@
             </a:lvl9pPr>
           </a:lstStyle>
           <a:p>
-            <a:pPr indent="0" lvl="0" marL="0" rtl="0" algn="r">
-              <a:spcBef>
-                <a:spcPts val="0"/>
-              </a:spcBef>
-              <a:spcAft>
-                <a:spcPts val="0"/>
-              </a:spcAft>
-              <a:buNone/>
+            <a:pPr marL="0" lvl="0" indent="0" algn="r">
+              <a:spcBef>
+                <a:spcPts val="0"/>
+              </a:spcBef>
+              <a:spcAft>
+                <a:spcPts val="0"/>
+              </a:spcAft>
+              <a:buNone/>
+              <a:defRPr/>
             </a:pPr>
             <a:fld id="{00000000-1234-1234-1234-123412341234}" type="slidenum">
               <a:rPr lang="en"/>
-              <a:t>‹#›</a:t>
+              <a:t/>
             </a:fld>
             <a:endParaRPr/>
           </a:p>
@@ -2272,15 +1405,15 @@
 </file>
 
 <file path=ppt/slideLayouts/slideLayout11.xml><?xml version="1.0" encoding="utf-8"?>
-<p:sldLayout xmlns:a="http://schemas.openxmlformats.org/drawingml/2006/main" xmlns:r="http://schemas.openxmlformats.org/officeDocument/2006/relationships" xmlns:mc="http://schemas.openxmlformats.org/markup-compatibility/2006" xmlns:mv="urn:schemas-microsoft-com:mac:vml" xmlns:p="http://schemas.openxmlformats.org/presentationml/2006/main" xmlns:c="http://schemas.openxmlformats.org/drawingml/2006/chart" xmlns:dgm="http://schemas.openxmlformats.org/drawingml/2006/diagram" xmlns:o="urn:schemas-microsoft-com:office:office" xmlns:v="urn:schemas-microsoft-com:vml" xmlns:pvml="urn:schemas-microsoft-com:office:powerpoint" xmlns:com="http://schemas.openxmlformats.org/drawingml/2006/compatibility" xmlns:p14="http://schemas.microsoft.com/office/powerpoint/2010/main" xmlns:p15="http://schemas.microsoft.com/office/powerpoint/2012/main" xmlns:ahyp="http://schemas.microsoft.com/office/drawing/2018/hyperlinkcolor" matchingName="Blank" type="blank">
+<p:sldLayout xmlns:a="http://schemas.openxmlformats.org/drawingml/2006/main" xmlns:r="http://schemas.openxmlformats.org/officeDocument/2006/relationships" xmlns:p="http://schemas.openxmlformats.org/presentationml/2006/main" xmlns:m="http://schemas.openxmlformats.org/officeDocument/2006/math" xmlns:w="http://schemas.openxmlformats.org/wordprocessingml/2006/main" matchingName="Blank" preserve="0" showMasterPhAnim="0" type="blank" userDrawn="1">
   <p:cSld name="BLANK">
     <p:spTree>
       <p:nvGrpSpPr>
-        <p:cNvPr id="80" name="Shape 80"/>
+        <p:cNvPr id="1" name=""/>
         <p:cNvGrpSpPr/>
         <p:nvPr/>
       </p:nvGrpSpPr>
-      <p:grpSpPr>
+      <p:grpSpPr bwMode="auto">
         <a:xfrm>
           <a:off x="0" y="0"/>
           <a:ext cx="0" cy="0"/>
@@ -2293,10 +1426,10 @@
           <p:cNvPr id="81" name="Google Shape;81;p12"/>
           <p:cNvSpPr txBox="1"/>
           <p:nvPr>
-            <p:ph idx="12" type="sldNum"/>
+            <p:ph type="sldNum" idx="12"/>
           </p:nvPr>
         </p:nvSpPr>
-        <p:spPr>
+        <p:spPr bwMode="auto">
           <a:xfrm>
             <a:off x="8536302" y="4749851"/>
             <a:ext cx="548700" cy="393600"/>
@@ -2306,7 +1439,7 @@
           </a:prstGeom>
         </p:spPr>
         <p:txBody>
-          <a:bodyPr anchorCtr="0" anchor="ctr" bIns="91425" lIns="91425" spcFirstLastPara="1" rIns="91425" wrap="square" tIns="91425">
+          <a:bodyPr spcFirstLastPara="1" wrap="square" lIns="91425" tIns="91425" rIns="91425" bIns="91425" anchor="ctr" anchorCtr="0">
             <a:normAutofit/>
           </a:bodyPr>
           <a:lstStyle>
@@ -2348,18 +1481,19 @@
             </a:lvl9pPr>
           </a:lstStyle>
           <a:p>
-            <a:pPr indent="0" lvl="0" marL="0" rtl="0" algn="r">
-              <a:spcBef>
-                <a:spcPts val="0"/>
-              </a:spcBef>
-              <a:spcAft>
-                <a:spcPts val="0"/>
-              </a:spcAft>
-              <a:buNone/>
+            <a:pPr marL="0" lvl="0" indent="0" algn="r">
+              <a:spcBef>
+                <a:spcPts val="0"/>
+              </a:spcBef>
+              <a:spcAft>
+                <a:spcPts val="0"/>
+              </a:spcAft>
+              <a:buNone/>
+              <a:defRPr/>
             </a:pPr>
             <a:fld id="{00000000-1234-1234-1234-123412341234}" type="slidenum">
               <a:rPr lang="en"/>
-              <a:t>‹#›</a:t>
+              <a:t/>
             </a:fld>
             <a:endParaRPr/>
           </a:p>
@@ -2374,10 +1508,10 @@
 </file>
 
 <file path=ppt/slideLayouts/slideLayout2.xml><?xml version="1.0" encoding="utf-8"?>
-<p:sldLayout xmlns:a="http://schemas.openxmlformats.org/drawingml/2006/main" xmlns:r="http://schemas.openxmlformats.org/officeDocument/2006/relationships" xmlns:mc="http://schemas.openxmlformats.org/markup-compatibility/2006" xmlns:mv="urn:schemas-microsoft-com:mac:vml" xmlns:p="http://schemas.openxmlformats.org/presentationml/2006/main" xmlns:c="http://schemas.openxmlformats.org/drawingml/2006/chart" xmlns:dgm="http://schemas.openxmlformats.org/drawingml/2006/diagram" xmlns:o="urn:schemas-microsoft-com:office:office" xmlns:v="urn:schemas-microsoft-com:vml" xmlns:pvml="urn:schemas-microsoft-com:office:powerpoint" xmlns:com="http://schemas.openxmlformats.org/drawingml/2006/compatibility" xmlns:p14="http://schemas.microsoft.com/office/powerpoint/2010/main" xmlns:p15="http://schemas.microsoft.com/office/powerpoint/2012/main" xmlns:ahyp="http://schemas.microsoft.com/office/drawing/2018/hyperlinkcolor" matchingName="Section header" type="secHead">
+<p:sldLayout xmlns:a="http://schemas.openxmlformats.org/drawingml/2006/main" xmlns:r="http://schemas.openxmlformats.org/officeDocument/2006/relationships" xmlns:p="http://schemas.openxmlformats.org/presentationml/2006/main" xmlns:m="http://schemas.openxmlformats.org/officeDocument/2006/math" xmlns:w="http://schemas.openxmlformats.org/wordprocessingml/2006/main" matchingName="Section header" preserve="0" showMasterPhAnim="0" type="secHead" userDrawn="1">
   <p:cSld name="SECTION_HEADER">
     <p:bg>
-      <p:bgPr>
+      <p:bgPr shadeToTitle="0">
         <a:solidFill>
           <a:schemeClr val="dk1"/>
         </a:solidFill>
@@ -2385,11 +1519,11 @@
     </p:bg>
     <p:spTree>
       <p:nvGrpSpPr>
-        <p:cNvPr id="17" name="Shape 17"/>
+        <p:cNvPr id="1" name=""/>
         <p:cNvGrpSpPr/>
         <p:nvPr/>
       </p:nvGrpSpPr>
-      <p:grpSpPr>
+      <p:grpSpPr bwMode="auto">
         <a:xfrm>
           <a:off x="0" y="0"/>
           <a:ext cx="0" cy="0"/>
@@ -2403,9 +1537,9 @@
           <p:cNvGrpSpPr/>
           <p:nvPr/>
         </p:nvGrpSpPr>
-        <p:grpSpPr>
+        <p:grpSpPr bwMode="auto">
           <a:xfrm>
-            <a:off x="830392" y="1191256"/>
+            <a:off x="830391" y="1191256"/>
             <a:ext cx="745763" cy="45826"/>
             <a:chOff x="4580561" y="2589004"/>
             <a:chExt cx="1064464" cy="25200"/>
@@ -2417,7 +1551,7 @@
             <p:cNvSpPr/>
             <p:nvPr/>
           </p:nvSpPr>
-          <p:spPr>
+          <p:spPr bwMode="auto">
             <a:xfrm rot="-5400000">
               <a:off x="5366325" y="2335504"/>
               <a:ext cx="25200" cy="532200"/>
@@ -2433,12 +1567,12 @@
             </a:ln>
           </p:spPr>
           <p:txBody>
-            <a:bodyPr anchorCtr="0" anchor="ctr" bIns="91425" lIns="91425" spcFirstLastPara="1" rIns="91425" wrap="square" tIns="91425">
+            <a:bodyPr spcFirstLastPara="1" wrap="square" lIns="91425" tIns="91425" rIns="91425" bIns="91425" anchor="ctr" anchorCtr="0">
               <a:noAutofit/>
             </a:bodyPr>
             <a:lstStyle/>
             <a:p>
-              <a:pPr indent="0" lvl="0" marL="0" rtl="0" algn="l">
+              <a:pPr marL="0" lvl="0" indent="0" algn="l">
                 <a:spcBef>
                   <a:spcPts val="0"/>
                 </a:spcBef>
@@ -2446,10 +1580,8 @@
                   <a:spcPts val="0"/>
                 </a:spcAft>
                 <a:buNone/>
+                <a:defRPr/>
               </a:pPr>
-              <a:r>
-                <a:t/>
-              </a:r>
               <a:endParaRPr/>
             </a:p>
           </p:txBody>
@@ -2460,7 +1592,7 @@
             <p:cNvSpPr/>
             <p:nvPr/>
           </p:nvSpPr>
-          <p:spPr>
+          <p:spPr bwMode="auto">
             <a:xfrm rot="-5400000">
               <a:off x="4836311" y="2333254"/>
               <a:ext cx="25200" cy="536700"/>
@@ -2476,12 +1608,12 @@
             </a:ln>
           </p:spPr>
           <p:txBody>
-            <a:bodyPr anchorCtr="0" anchor="ctr" bIns="91425" lIns="91425" spcFirstLastPara="1" rIns="91425" wrap="square" tIns="91425">
+            <a:bodyPr spcFirstLastPara="1" wrap="square" lIns="91425" tIns="91425" rIns="91425" bIns="91425" anchor="ctr" anchorCtr="0">
               <a:noAutofit/>
             </a:bodyPr>
             <a:lstStyle/>
             <a:p>
-              <a:pPr indent="0" lvl="0" marL="0" rtl="0" algn="l">
+              <a:pPr marL="0" lvl="0" indent="0" algn="l">
                 <a:spcBef>
                   <a:spcPts val="0"/>
                 </a:spcBef>
@@ -2489,10 +1621,8 @@
                   <a:spcPts val="0"/>
                 </a:spcAft>
                 <a:buNone/>
+                <a:defRPr/>
               </a:pPr>
-              <a:r>
-                <a:t/>
-              </a:r>
               <a:endParaRPr/>
             </a:p>
           </p:txBody>
@@ -2506,17 +1636,17 @@
             <p:ph type="title"/>
           </p:nvPr>
         </p:nvSpPr>
-        <p:spPr>
+        <p:spPr bwMode="auto">
           <a:xfrm>
             <a:off x="729450" y="1322450"/>
-            <a:ext cx="7688400" cy="1518600"/>
+            <a:ext cx="7688400" cy="1518599"/>
           </a:xfrm>
           <a:prstGeom prst="rect">
             <a:avLst/>
           </a:prstGeom>
         </p:spPr>
         <p:txBody>
-          <a:bodyPr anchorCtr="0" anchor="t" bIns="91425" lIns="91425" spcFirstLastPara="1" rIns="91425" wrap="square" tIns="91425">
+          <a:bodyPr spcFirstLastPara="1" wrap="square" lIns="91425" tIns="91425" rIns="91425" bIns="91425" anchor="t" anchorCtr="0">
             <a:normAutofit/>
           </a:bodyPr>
           <a:lstStyle>
@@ -2683,7 +1813,12 @@
               </a:defRPr>
             </a:lvl9pPr>
           </a:lstStyle>
-          <a:p/>
+          <a:p>
+            <a:pPr>
+              <a:defRPr/>
+            </a:pPr>
+            <a:endParaRPr/>
+          </a:p>
         </p:txBody>
       </p:sp>
       <p:sp>
@@ -2691,10 +1826,10 @@
           <p:cNvPr id="22" name="Google Shape;22;p3"/>
           <p:cNvSpPr txBox="1"/>
           <p:nvPr>
-            <p:ph idx="12" type="sldNum"/>
+            <p:ph type="sldNum" idx="12"/>
           </p:nvPr>
         </p:nvSpPr>
-        <p:spPr>
+        <p:spPr bwMode="auto">
           <a:xfrm>
             <a:off x="8536302" y="4749851"/>
             <a:ext cx="548700" cy="393600"/>
@@ -2704,7 +1839,7 @@
           </a:prstGeom>
         </p:spPr>
         <p:txBody>
-          <a:bodyPr anchorCtr="0" anchor="ctr" bIns="91425" lIns="91425" spcFirstLastPara="1" rIns="91425" wrap="square" tIns="91425">
+          <a:bodyPr spcFirstLastPara="1" wrap="square" lIns="91425" tIns="91425" rIns="91425" bIns="91425" anchor="ctr" anchorCtr="0">
             <a:normAutofit/>
           </a:bodyPr>
           <a:lstStyle>
@@ -2782,18 +1917,19 @@
             </a:lvl9pPr>
           </a:lstStyle>
           <a:p>
-            <a:pPr indent="0" lvl="0" marL="0" rtl="0" algn="r">
-              <a:spcBef>
-                <a:spcPts val="0"/>
-              </a:spcBef>
-              <a:spcAft>
-                <a:spcPts val="0"/>
-              </a:spcAft>
-              <a:buNone/>
+            <a:pPr marL="0" lvl="0" indent="0" algn="r">
+              <a:spcBef>
+                <a:spcPts val="0"/>
+              </a:spcBef>
+              <a:spcAft>
+                <a:spcPts val="0"/>
+              </a:spcAft>
+              <a:buNone/>
+              <a:defRPr/>
             </a:pPr>
             <a:fld id="{00000000-1234-1234-1234-123412341234}" type="slidenum">
               <a:rPr lang="en"/>
-              <a:t>‹#›</a:t>
+              <a:t/>
             </a:fld>
             <a:endParaRPr/>
           </a:p>
@@ -2808,15 +1944,15 @@
 </file>
 
 <file path=ppt/slideLayouts/slideLayout3.xml><?xml version="1.0" encoding="utf-8"?>
-<p:sldLayout xmlns:a="http://schemas.openxmlformats.org/drawingml/2006/main" xmlns:r="http://schemas.openxmlformats.org/officeDocument/2006/relationships" xmlns:mc="http://schemas.openxmlformats.org/markup-compatibility/2006" xmlns:mv="urn:schemas-microsoft-com:mac:vml" xmlns:p="http://schemas.openxmlformats.org/presentationml/2006/main" xmlns:c="http://schemas.openxmlformats.org/drawingml/2006/chart" xmlns:dgm="http://schemas.openxmlformats.org/drawingml/2006/diagram" xmlns:o="urn:schemas-microsoft-com:office:office" xmlns:v="urn:schemas-microsoft-com:vml" xmlns:pvml="urn:schemas-microsoft-com:office:powerpoint" xmlns:com="http://schemas.openxmlformats.org/drawingml/2006/compatibility" xmlns:p14="http://schemas.microsoft.com/office/powerpoint/2010/main" xmlns:p15="http://schemas.microsoft.com/office/powerpoint/2012/main" xmlns:ahyp="http://schemas.microsoft.com/office/drawing/2018/hyperlinkcolor" matchingName="Title and body" type="tx">
+<p:sldLayout xmlns:a="http://schemas.openxmlformats.org/drawingml/2006/main" xmlns:r="http://schemas.openxmlformats.org/officeDocument/2006/relationships" xmlns:p="http://schemas.openxmlformats.org/presentationml/2006/main" xmlns:m="http://schemas.openxmlformats.org/officeDocument/2006/math" xmlns:w="http://schemas.openxmlformats.org/wordprocessingml/2006/main" matchingName="Title and body" preserve="0" showMasterPhAnim="0" type="tx" userDrawn="1">
   <p:cSld name="TITLE_AND_BODY">
     <p:spTree>
       <p:nvGrpSpPr>
-        <p:cNvPr id="23" name="Shape 23"/>
+        <p:cNvPr id="1" name=""/>
         <p:cNvGrpSpPr/>
         <p:nvPr/>
       </p:nvGrpSpPr>
-      <p:grpSpPr>
+      <p:grpSpPr bwMode="auto">
         <a:xfrm>
           <a:off x="0" y="0"/>
           <a:ext cx="0" cy="0"/>
@@ -2830,7 +1966,7 @@
           <p:cNvSpPr/>
           <p:nvPr/>
         </p:nvSpPr>
-        <p:spPr>
+        <p:spPr bwMode="auto">
           <a:xfrm>
             <a:off x="0" y="0"/>
             <a:ext cx="9144000" cy="487800"/>
@@ -2846,23 +1982,21 @@
           </a:ln>
         </p:spPr>
         <p:txBody>
-          <a:bodyPr anchorCtr="0" anchor="ctr" bIns="91425" lIns="91425" spcFirstLastPara="1" rIns="91425" wrap="square" tIns="91425">
+          <a:bodyPr spcFirstLastPara="1" wrap="square" lIns="91425" tIns="91425" rIns="91425" bIns="91425" anchor="ctr" anchorCtr="0">
             <a:noAutofit/>
           </a:bodyPr>
           <a:lstStyle/>
           <a:p>
-            <a:pPr indent="0" lvl="0" marL="0" rtl="0" algn="l">
-              <a:spcBef>
-                <a:spcPts val="0"/>
-              </a:spcBef>
-              <a:spcAft>
-                <a:spcPts val="0"/>
-              </a:spcAft>
-              <a:buNone/>
+            <a:pPr marL="0" lvl="0" indent="0" algn="l">
+              <a:spcBef>
+                <a:spcPts val="0"/>
+              </a:spcBef>
+              <a:spcAft>
+                <a:spcPts val="0"/>
+              </a:spcAft>
+              <a:buNone/>
+              <a:defRPr/>
             </a:pPr>
-            <a:r>
-              <a:t/>
-            </a:r>
             <a:endParaRPr/>
           </a:p>
         </p:txBody>
@@ -2873,9 +2007,9 @@
           <p:cNvGrpSpPr/>
           <p:nvPr/>
         </p:nvGrpSpPr>
-        <p:grpSpPr>
+        <p:grpSpPr bwMode="auto">
           <a:xfrm>
-            <a:off x="830392" y="1191256"/>
+            <a:off x="830391" y="1191256"/>
             <a:ext cx="745763" cy="45826"/>
             <a:chOff x="4580561" y="2589004"/>
             <a:chExt cx="1064464" cy="25200"/>
@@ -2887,7 +2021,7 @@
             <p:cNvSpPr/>
             <p:nvPr/>
           </p:nvSpPr>
-          <p:spPr>
+          <p:spPr bwMode="auto">
             <a:xfrm rot="-5400000">
               <a:off x="5366325" y="2335504"/>
               <a:ext cx="25200" cy="532200"/>
@@ -2903,12 +2037,12 @@
             </a:ln>
           </p:spPr>
           <p:txBody>
-            <a:bodyPr anchorCtr="0" anchor="ctr" bIns="91425" lIns="91425" spcFirstLastPara="1" rIns="91425" wrap="square" tIns="91425">
+            <a:bodyPr spcFirstLastPara="1" wrap="square" lIns="91425" tIns="91425" rIns="91425" bIns="91425" anchor="ctr" anchorCtr="0">
               <a:noAutofit/>
             </a:bodyPr>
             <a:lstStyle/>
             <a:p>
-              <a:pPr indent="0" lvl="0" marL="0" rtl="0" algn="l">
+              <a:pPr marL="0" lvl="0" indent="0" algn="l">
                 <a:spcBef>
                   <a:spcPts val="0"/>
                 </a:spcBef>
@@ -2916,10 +2050,8 @@
                   <a:spcPts val="0"/>
                 </a:spcAft>
                 <a:buNone/>
+                <a:defRPr/>
               </a:pPr>
-              <a:r>
-                <a:t/>
-              </a:r>
               <a:endParaRPr/>
             </a:p>
           </p:txBody>
@@ -2930,7 +2062,7 @@
             <p:cNvSpPr/>
             <p:nvPr/>
           </p:nvSpPr>
-          <p:spPr>
+          <p:spPr bwMode="auto">
             <a:xfrm rot="-5400000">
               <a:off x="4836311" y="2333254"/>
               <a:ext cx="25200" cy="536700"/>
@@ -2946,12 +2078,12 @@
             </a:ln>
           </p:spPr>
           <p:txBody>
-            <a:bodyPr anchorCtr="0" anchor="ctr" bIns="91425" lIns="91425" spcFirstLastPara="1" rIns="91425" wrap="square" tIns="91425">
+            <a:bodyPr spcFirstLastPara="1" wrap="square" lIns="91425" tIns="91425" rIns="91425" bIns="91425" anchor="ctr" anchorCtr="0">
               <a:noAutofit/>
             </a:bodyPr>
             <a:lstStyle/>
             <a:p>
-              <a:pPr indent="0" lvl="0" marL="0" rtl="0" algn="l">
+              <a:pPr marL="0" lvl="0" indent="0" algn="l">
                 <a:spcBef>
                   <a:spcPts val="0"/>
                 </a:spcBef>
@@ -2959,10 +2091,8 @@
                   <a:spcPts val="0"/>
                 </a:spcAft>
                 <a:buNone/>
+                <a:defRPr/>
               </a:pPr>
-              <a:r>
-                <a:t/>
-              </a:r>
               <a:endParaRPr/>
             </a:p>
           </p:txBody>
@@ -2976,7 +2106,7 @@
             <p:ph type="title"/>
           </p:nvPr>
         </p:nvSpPr>
-        <p:spPr>
+        <p:spPr bwMode="auto">
           <a:xfrm>
             <a:off x="729450" y="1318650"/>
             <a:ext cx="7688700" cy="535200"/>
@@ -2986,7 +2116,7 @@
           </a:prstGeom>
         </p:spPr>
         <p:txBody>
-          <a:bodyPr anchorCtr="0" anchor="t" bIns="91425" lIns="91425" spcFirstLastPara="1" rIns="91425" wrap="square" tIns="91425">
+          <a:bodyPr spcFirstLastPara="1" wrap="square" lIns="91425" tIns="91425" rIns="91425" bIns="91425" anchor="t" anchorCtr="0">
             <a:normAutofit/>
           </a:bodyPr>
           <a:lstStyle>
@@ -3090,7 +2220,12 @@
               <a:defRPr sz="2600"/>
             </a:lvl9pPr>
           </a:lstStyle>
-          <a:p/>
+          <a:p>
+            <a:pPr>
+              <a:defRPr/>
+            </a:pPr>
+            <a:endParaRPr/>
+          </a:p>
         </p:txBody>
       </p:sp>
       <p:sp>
@@ -3098,10 +2233,10 @@
           <p:cNvPr id="29" name="Google Shape;29;p4"/>
           <p:cNvSpPr txBox="1"/>
           <p:nvPr>
-            <p:ph idx="1" type="body"/>
+            <p:ph type="body" idx="1"/>
           </p:nvPr>
         </p:nvSpPr>
-        <p:spPr>
+        <p:spPr bwMode="auto">
           <a:xfrm>
             <a:off x="729450" y="2078875"/>
             <a:ext cx="7688700" cy="2261100"/>
@@ -3111,11 +2246,11 @@
           </a:prstGeom>
         </p:spPr>
         <p:txBody>
-          <a:bodyPr anchorCtr="0" anchor="t" bIns="91425" lIns="91425" spcFirstLastPara="1" rIns="91425" wrap="square" tIns="91425">
+          <a:bodyPr spcFirstLastPara="1" wrap="square" lIns="91425" tIns="91425" rIns="91425" bIns="91425" anchor="t" anchorCtr="0">
             <a:normAutofit/>
           </a:bodyPr>
           <a:lstStyle>
-            <a:lvl1pPr indent="-311150" lvl="0" marL="457200">
+            <a:lvl1pPr marL="457200" lvl="0" indent="-311150">
               <a:spcBef>
                 <a:spcPts val="0"/>
               </a:spcBef>
@@ -3126,7 +2261,7 @@
               <a:buChar char="●"/>
               <a:defRPr/>
             </a:lvl1pPr>
-            <a:lvl2pPr indent="-298450" lvl="1" marL="914400">
+            <a:lvl2pPr marL="914400" lvl="1" indent="-298450">
               <a:spcBef>
                 <a:spcPts val="0"/>
               </a:spcBef>
@@ -3137,7 +2272,7 @@
               <a:buChar char="○"/>
               <a:defRPr/>
             </a:lvl2pPr>
-            <a:lvl3pPr indent="-298450" lvl="2" marL="1371600">
+            <a:lvl3pPr marL="1371600" lvl="2" indent="-298450">
               <a:spcBef>
                 <a:spcPts val="0"/>
               </a:spcBef>
@@ -3148,7 +2283,7 @@
               <a:buChar char="■"/>
               <a:defRPr/>
             </a:lvl3pPr>
-            <a:lvl4pPr indent="-298450" lvl="3" marL="1828800">
+            <a:lvl4pPr marL="1828800" lvl="3" indent="-298450">
               <a:spcBef>
                 <a:spcPts val="0"/>
               </a:spcBef>
@@ -3159,7 +2294,7 @@
               <a:buChar char="●"/>
               <a:defRPr/>
             </a:lvl4pPr>
-            <a:lvl5pPr indent="-298450" lvl="4" marL="2286000">
+            <a:lvl5pPr marL="2286000" lvl="4" indent="-298450">
               <a:spcBef>
                 <a:spcPts val="0"/>
               </a:spcBef>
@@ -3170,7 +2305,7 @@
               <a:buChar char="○"/>
               <a:defRPr/>
             </a:lvl5pPr>
-            <a:lvl6pPr indent="-298450" lvl="5" marL="2743200">
+            <a:lvl6pPr marL="2743200" lvl="5" indent="-298450">
               <a:spcBef>
                 <a:spcPts val="0"/>
               </a:spcBef>
@@ -3181,7 +2316,7 @@
               <a:buChar char="■"/>
               <a:defRPr/>
             </a:lvl6pPr>
-            <a:lvl7pPr indent="-298450" lvl="6" marL="3200400">
+            <a:lvl7pPr marL="3200400" lvl="6" indent="-298450">
               <a:spcBef>
                 <a:spcPts val="0"/>
               </a:spcBef>
@@ -3192,7 +2327,7 @@
               <a:buChar char="●"/>
               <a:defRPr/>
             </a:lvl7pPr>
-            <a:lvl8pPr indent="-298450" lvl="7" marL="3657600">
+            <a:lvl8pPr marL="3657600" lvl="7" indent="-298450">
               <a:spcBef>
                 <a:spcPts val="0"/>
               </a:spcBef>
@@ -3203,7 +2338,7 @@
               <a:buChar char="○"/>
               <a:defRPr/>
             </a:lvl8pPr>
-            <a:lvl9pPr indent="-298450" lvl="8" marL="4114800">
+            <a:lvl9pPr marL="4114800" lvl="8" indent="-298450">
               <a:spcBef>
                 <a:spcPts val="0"/>
               </a:spcBef>
@@ -3215,7 +2350,12 @@
               <a:defRPr/>
             </a:lvl9pPr>
           </a:lstStyle>
-          <a:p/>
+          <a:p>
+            <a:pPr>
+              <a:defRPr/>
+            </a:pPr>
+            <a:endParaRPr/>
+          </a:p>
         </p:txBody>
       </p:sp>
       <p:sp>
@@ -3223,10 +2363,10 @@
           <p:cNvPr id="30" name="Google Shape;30;p4"/>
           <p:cNvSpPr txBox="1"/>
           <p:nvPr>
-            <p:ph idx="12" type="sldNum"/>
+            <p:ph type="sldNum" idx="12"/>
           </p:nvPr>
         </p:nvSpPr>
-        <p:spPr>
+        <p:spPr bwMode="auto">
           <a:xfrm>
             <a:off x="8536302" y="4749851"/>
             <a:ext cx="548700" cy="393600"/>
@@ -3236,7 +2376,7 @@
           </a:prstGeom>
         </p:spPr>
         <p:txBody>
-          <a:bodyPr anchorCtr="0" anchor="ctr" bIns="91425" lIns="91425" spcFirstLastPara="1" rIns="91425" wrap="square" tIns="91425">
+          <a:bodyPr spcFirstLastPara="1" wrap="square" lIns="91425" tIns="91425" rIns="91425" bIns="91425" anchor="ctr" anchorCtr="0">
             <a:normAutofit/>
           </a:bodyPr>
           <a:lstStyle>
@@ -3278,18 +2418,19 @@
             </a:lvl9pPr>
           </a:lstStyle>
           <a:p>
-            <a:pPr indent="0" lvl="0" marL="0" rtl="0" algn="r">
-              <a:spcBef>
-                <a:spcPts val="0"/>
-              </a:spcBef>
-              <a:spcAft>
-                <a:spcPts val="0"/>
-              </a:spcAft>
-              <a:buNone/>
+            <a:pPr marL="0" lvl="0" indent="0" algn="r">
+              <a:spcBef>
+                <a:spcPts val="0"/>
+              </a:spcBef>
+              <a:spcAft>
+                <a:spcPts val="0"/>
+              </a:spcAft>
+              <a:buNone/>
+              <a:defRPr/>
             </a:pPr>
             <a:fld id="{00000000-1234-1234-1234-123412341234}" type="slidenum">
               <a:rPr lang="en"/>
-              <a:t>‹#›</a:t>
+              <a:t/>
             </a:fld>
             <a:endParaRPr/>
           </a:p>
@@ -3304,15 +2445,15 @@
 </file>
 
 <file path=ppt/slideLayouts/slideLayout4.xml><?xml version="1.0" encoding="utf-8"?>
-<p:sldLayout xmlns:a="http://schemas.openxmlformats.org/drawingml/2006/main" xmlns:r="http://schemas.openxmlformats.org/officeDocument/2006/relationships" xmlns:mc="http://schemas.openxmlformats.org/markup-compatibility/2006" xmlns:mv="urn:schemas-microsoft-com:mac:vml" xmlns:p="http://schemas.openxmlformats.org/presentationml/2006/main" xmlns:c="http://schemas.openxmlformats.org/drawingml/2006/chart" xmlns:dgm="http://schemas.openxmlformats.org/drawingml/2006/diagram" xmlns:o="urn:schemas-microsoft-com:office:office" xmlns:v="urn:schemas-microsoft-com:vml" xmlns:pvml="urn:schemas-microsoft-com:office:powerpoint" xmlns:com="http://schemas.openxmlformats.org/drawingml/2006/compatibility" xmlns:p14="http://schemas.microsoft.com/office/powerpoint/2010/main" xmlns:p15="http://schemas.microsoft.com/office/powerpoint/2012/main" xmlns:ahyp="http://schemas.microsoft.com/office/drawing/2018/hyperlinkcolor" matchingName="Title and two columns" type="twoColTx">
+<p:sldLayout xmlns:a="http://schemas.openxmlformats.org/drawingml/2006/main" xmlns:r="http://schemas.openxmlformats.org/officeDocument/2006/relationships" xmlns:p="http://schemas.openxmlformats.org/presentationml/2006/main" xmlns:m="http://schemas.openxmlformats.org/officeDocument/2006/math" xmlns:w="http://schemas.openxmlformats.org/wordprocessingml/2006/main" matchingName="Title and two columns" preserve="0" showMasterPhAnim="0" type="twoColTx" userDrawn="1">
   <p:cSld name="TITLE_AND_TWO_COLUMNS">
     <p:spTree>
       <p:nvGrpSpPr>
-        <p:cNvPr id="31" name="Shape 31"/>
+        <p:cNvPr id="1" name=""/>
         <p:cNvGrpSpPr/>
         <p:nvPr/>
       </p:nvGrpSpPr>
-      <p:grpSpPr>
+      <p:grpSpPr bwMode="auto">
         <a:xfrm>
           <a:off x="0" y="0"/>
           <a:ext cx="0" cy="0"/>
@@ -3326,7 +2467,7 @@
           <p:cNvSpPr/>
           <p:nvPr/>
         </p:nvSpPr>
-        <p:spPr>
+        <p:spPr bwMode="auto">
           <a:xfrm>
             <a:off x="0" y="0"/>
             <a:ext cx="9144000" cy="487800"/>
@@ -3342,23 +2483,21 @@
           </a:ln>
         </p:spPr>
         <p:txBody>
-          <a:bodyPr anchorCtr="0" anchor="ctr" bIns="91425" lIns="91425" spcFirstLastPara="1" rIns="91425" wrap="square" tIns="91425">
+          <a:bodyPr spcFirstLastPara="1" wrap="square" lIns="91425" tIns="91425" rIns="91425" bIns="91425" anchor="ctr" anchorCtr="0">
             <a:noAutofit/>
           </a:bodyPr>
           <a:lstStyle/>
           <a:p>
-            <a:pPr indent="0" lvl="0" marL="0" rtl="0" algn="l">
-              <a:spcBef>
-                <a:spcPts val="0"/>
-              </a:spcBef>
-              <a:spcAft>
-                <a:spcPts val="0"/>
-              </a:spcAft>
-              <a:buNone/>
+            <a:pPr marL="0" lvl="0" indent="0" algn="l">
+              <a:spcBef>
+                <a:spcPts val="0"/>
+              </a:spcBef>
+              <a:spcAft>
+                <a:spcPts val="0"/>
+              </a:spcAft>
+              <a:buNone/>
+              <a:defRPr/>
             </a:pPr>
-            <a:r>
-              <a:t/>
-            </a:r>
             <a:endParaRPr/>
           </a:p>
         </p:txBody>
@@ -3369,9 +2508,9 @@
           <p:cNvGrpSpPr/>
           <p:nvPr/>
         </p:nvGrpSpPr>
-        <p:grpSpPr>
+        <p:grpSpPr bwMode="auto">
           <a:xfrm>
-            <a:off x="830392" y="1191256"/>
+            <a:off x="830391" y="1191256"/>
             <a:ext cx="745763" cy="45826"/>
             <a:chOff x="4580561" y="2589004"/>
             <a:chExt cx="1064464" cy="25200"/>
@@ -3383,7 +2522,7 @@
             <p:cNvSpPr/>
             <p:nvPr/>
           </p:nvSpPr>
-          <p:spPr>
+          <p:spPr bwMode="auto">
             <a:xfrm rot="-5400000">
               <a:off x="5366325" y="2335504"/>
               <a:ext cx="25200" cy="532200"/>
@@ -3399,12 +2538,12 @@
             </a:ln>
           </p:spPr>
           <p:txBody>
-            <a:bodyPr anchorCtr="0" anchor="ctr" bIns="91425" lIns="91425" spcFirstLastPara="1" rIns="91425" wrap="square" tIns="91425">
+            <a:bodyPr spcFirstLastPara="1" wrap="square" lIns="91425" tIns="91425" rIns="91425" bIns="91425" anchor="ctr" anchorCtr="0">
               <a:noAutofit/>
             </a:bodyPr>
             <a:lstStyle/>
             <a:p>
-              <a:pPr indent="0" lvl="0" marL="0" rtl="0" algn="l">
+              <a:pPr marL="0" lvl="0" indent="0" algn="l">
                 <a:spcBef>
                   <a:spcPts val="0"/>
                 </a:spcBef>
@@ -3412,10 +2551,8 @@
                   <a:spcPts val="0"/>
                 </a:spcAft>
                 <a:buNone/>
+                <a:defRPr/>
               </a:pPr>
-              <a:r>
-                <a:t/>
-              </a:r>
               <a:endParaRPr/>
             </a:p>
           </p:txBody>
@@ -3426,7 +2563,7 @@
             <p:cNvSpPr/>
             <p:nvPr/>
           </p:nvSpPr>
-          <p:spPr>
+          <p:spPr bwMode="auto">
             <a:xfrm rot="-5400000">
               <a:off x="4836311" y="2333254"/>
               <a:ext cx="25200" cy="536700"/>
@@ -3442,12 +2579,12 @@
             </a:ln>
           </p:spPr>
           <p:txBody>
-            <a:bodyPr anchorCtr="0" anchor="ctr" bIns="91425" lIns="91425" spcFirstLastPara="1" rIns="91425" wrap="square" tIns="91425">
+            <a:bodyPr spcFirstLastPara="1" wrap="square" lIns="91425" tIns="91425" rIns="91425" bIns="91425" anchor="ctr" anchorCtr="0">
               <a:noAutofit/>
             </a:bodyPr>
             <a:lstStyle/>
             <a:p>
-              <a:pPr indent="0" lvl="0" marL="0" rtl="0" algn="l">
+              <a:pPr marL="0" lvl="0" indent="0" algn="l">
                 <a:spcBef>
                   <a:spcPts val="0"/>
                 </a:spcBef>
@@ -3455,10 +2592,8 @@
                   <a:spcPts val="0"/>
                 </a:spcAft>
                 <a:buNone/>
+                <a:defRPr/>
               </a:pPr>
-              <a:r>
-                <a:t/>
-              </a:r>
               <a:endParaRPr/>
             </a:p>
           </p:txBody>
@@ -3472,7 +2607,7 @@
             <p:ph type="title"/>
           </p:nvPr>
         </p:nvSpPr>
-        <p:spPr>
+        <p:spPr bwMode="auto">
           <a:xfrm>
             <a:off x="729450" y="1318650"/>
             <a:ext cx="7688400" cy="535200"/>
@@ -3482,7 +2617,7 @@
           </a:prstGeom>
         </p:spPr>
         <p:txBody>
-          <a:bodyPr anchorCtr="0" anchor="t" bIns="91425" lIns="91425" spcFirstLastPara="1" rIns="91425" wrap="square" tIns="91425">
+          <a:bodyPr spcFirstLastPara="1" wrap="square" lIns="91425" tIns="91425" rIns="91425" bIns="91425" anchor="t" anchorCtr="0">
             <a:normAutofit/>
           </a:bodyPr>
           <a:lstStyle>
@@ -3586,7 +2721,12 @@
               <a:defRPr sz="2600"/>
             </a:lvl9pPr>
           </a:lstStyle>
-          <a:p/>
+          <a:p>
+            <a:pPr>
+              <a:defRPr/>
+            </a:pPr>
+            <a:endParaRPr/>
+          </a:p>
         </p:txBody>
       </p:sp>
       <p:sp>
@@ -3594,10 +2734,10 @@
           <p:cNvPr id="37" name="Google Shape;37;p5"/>
           <p:cNvSpPr txBox="1"/>
           <p:nvPr>
-            <p:ph idx="1" type="body"/>
+            <p:ph type="body" idx="1"/>
           </p:nvPr>
         </p:nvSpPr>
-        <p:spPr>
+        <p:spPr bwMode="auto">
           <a:xfrm>
             <a:off x="729325" y="2078875"/>
             <a:ext cx="3774300" cy="2261100"/>
@@ -3607,11 +2747,11 @@
           </a:prstGeom>
         </p:spPr>
         <p:txBody>
-          <a:bodyPr anchorCtr="0" anchor="t" bIns="91425" lIns="91425" spcFirstLastPara="1" rIns="91425" wrap="square" tIns="91425">
+          <a:bodyPr spcFirstLastPara="1" wrap="square" lIns="91425" tIns="91425" rIns="91425" bIns="91425" anchor="t" anchorCtr="0">
             <a:normAutofit/>
           </a:bodyPr>
           <a:lstStyle>
-            <a:lvl1pPr indent="-311150" lvl="0" marL="457200">
+            <a:lvl1pPr marL="457200" lvl="0" indent="-311150">
               <a:spcBef>
                 <a:spcPts val="0"/>
               </a:spcBef>
@@ -3622,7 +2762,7 @@
               <a:buChar char="●"/>
               <a:defRPr/>
             </a:lvl1pPr>
-            <a:lvl2pPr indent="-298450" lvl="1" marL="914400">
+            <a:lvl2pPr marL="914400" lvl="1" indent="-298450">
               <a:spcBef>
                 <a:spcPts val="0"/>
               </a:spcBef>
@@ -3633,7 +2773,7 @@
               <a:buChar char="○"/>
               <a:defRPr/>
             </a:lvl2pPr>
-            <a:lvl3pPr indent="-298450" lvl="2" marL="1371600">
+            <a:lvl3pPr marL="1371600" lvl="2" indent="-298450">
               <a:spcBef>
                 <a:spcPts val="0"/>
               </a:spcBef>
@@ -3644,7 +2784,7 @@
               <a:buChar char="■"/>
               <a:defRPr/>
             </a:lvl3pPr>
-            <a:lvl4pPr indent="-298450" lvl="3" marL="1828800">
+            <a:lvl4pPr marL="1828800" lvl="3" indent="-298450">
               <a:spcBef>
                 <a:spcPts val="0"/>
               </a:spcBef>
@@ -3655,7 +2795,7 @@
               <a:buChar char="●"/>
               <a:defRPr/>
             </a:lvl4pPr>
-            <a:lvl5pPr indent="-298450" lvl="4" marL="2286000">
+            <a:lvl5pPr marL="2286000" lvl="4" indent="-298450">
               <a:spcBef>
                 <a:spcPts val="0"/>
               </a:spcBef>
@@ -3666,7 +2806,7 @@
               <a:buChar char="○"/>
               <a:defRPr/>
             </a:lvl5pPr>
-            <a:lvl6pPr indent="-298450" lvl="5" marL="2743200">
+            <a:lvl6pPr marL="2743200" lvl="5" indent="-298450">
               <a:spcBef>
                 <a:spcPts val="0"/>
               </a:spcBef>
@@ -3677,7 +2817,7 @@
               <a:buChar char="■"/>
               <a:defRPr/>
             </a:lvl6pPr>
-            <a:lvl7pPr indent="-298450" lvl="6" marL="3200400">
+            <a:lvl7pPr marL="3200400" lvl="6" indent="-298450">
               <a:spcBef>
                 <a:spcPts val="0"/>
               </a:spcBef>
@@ -3688,7 +2828,7 @@
               <a:buChar char="●"/>
               <a:defRPr/>
             </a:lvl7pPr>
-            <a:lvl8pPr indent="-298450" lvl="7" marL="3657600">
+            <a:lvl8pPr marL="3657600" lvl="7" indent="-298450">
               <a:spcBef>
                 <a:spcPts val="0"/>
               </a:spcBef>
@@ -3699,7 +2839,7 @@
               <a:buChar char="○"/>
               <a:defRPr/>
             </a:lvl8pPr>
-            <a:lvl9pPr indent="-298450" lvl="8" marL="4114800">
+            <a:lvl9pPr marL="4114800" lvl="8" indent="-298450">
               <a:spcBef>
                 <a:spcPts val="0"/>
               </a:spcBef>
@@ -3711,7 +2851,12 @@
               <a:defRPr/>
             </a:lvl9pPr>
           </a:lstStyle>
-          <a:p/>
+          <a:p>
+            <a:pPr>
+              <a:defRPr/>
+            </a:pPr>
+            <a:endParaRPr/>
+          </a:p>
         </p:txBody>
       </p:sp>
       <p:sp>
@@ -3719,10 +2864,10 @@
           <p:cNvPr id="38" name="Google Shape;38;p5"/>
           <p:cNvSpPr txBox="1"/>
           <p:nvPr>
-            <p:ph idx="2" type="body"/>
+            <p:ph type="body" idx="2"/>
           </p:nvPr>
         </p:nvSpPr>
-        <p:spPr>
+        <p:spPr bwMode="auto">
           <a:xfrm>
             <a:off x="4643604" y="2078875"/>
             <a:ext cx="3774300" cy="2261100"/>
@@ -3732,11 +2877,11 @@
           </a:prstGeom>
         </p:spPr>
         <p:txBody>
-          <a:bodyPr anchorCtr="0" anchor="t" bIns="91425" lIns="91425" spcFirstLastPara="1" rIns="91425" wrap="square" tIns="91425">
+          <a:bodyPr spcFirstLastPara="1" wrap="square" lIns="91425" tIns="91425" rIns="91425" bIns="91425" anchor="t" anchorCtr="0">
             <a:normAutofit/>
           </a:bodyPr>
           <a:lstStyle>
-            <a:lvl1pPr indent="-311150" lvl="0" marL="457200">
+            <a:lvl1pPr marL="457200" lvl="0" indent="-311150">
               <a:spcBef>
                 <a:spcPts val="0"/>
               </a:spcBef>
@@ -3747,7 +2892,7 @@
               <a:buChar char="●"/>
               <a:defRPr/>
             </a:lvl1pPr>
-            <a:lvl2pPr indent="-298450" lvl="1" marL="914400">
+            <a:lvl2pPr marL="914400" lvl="1" indent="-298450">
               <a:spcBef>
                 <a:spcPts val="0"/>
               </a:spcBef>
@@ -3758,7 +2903,7 @@
               <a:buChar char="○"/>
               <a:defRPr/>
             </a:lvl2pPr>
-            <a:lvl3pPr indent="-298450" lvl="2" marL="1371600">
+            <a:lvl3pPr marL="1371600" lvl="2" indent="-298450">
               <a:spcBef>
                 <a:spcPts val="0"/>
               </a:spcBef>
@@ -3769,7 +2914,7 @@
               <a:buChar char="■"/>
               <a:defRPr/>
             </a:lvl3pPr>
-            <a:lvl4pPr indent="-298450" lvl="3" marL="1828800">
+            <a:lvl4pPr marL="1828800" lvl="3" indent="-298450">
               <a:spcBef>
                 <a:spcPts val="0"/>
               </a:spcBef>
@@ -3780,7 +2925,7 @@
               <a:buChar char="●"/>
               <a:defRPr/>
             </a:lvl4pPr>
-            <a:lvl5pPr indent="-298450" lvl="4" marL="2286000">
+            <a:lvl5pPr marL="2286000" lvl="4" indent="-298450">
               <a:spcBef>
                 <a:spcPts val="0"/>
               </a:spcBef>
@@ -3791,7 +2936,7 @@
               <a:buChar char="○"/>
               <a:defRPr/>
             </a:lvl5pPr>
-            <a:lvl6pPr indent="-298450" lvl="5" marL="2743200">
+            <a:lvl6pPr marL="2743200" lvl="5" indent="-298450">
               <a:spcBef>
                 <a:spcPts val="0"/>
               </a:spcBef>
@@ -3802,7 +2947,7 @@
               <a:buChar char="■"/>
               <a:defRPr/>
             </a:lvl6pPr>
-            <a:lvl7pPr indent="-298450" lvl="6" marL="3200400">
+            <a:lvl7pPr marL="3200400" lvl="6" indent="-298450">
               <a:spcBef>
                 <a:spcPts val="0"/>
               </a:spcBef>
@@ -3813,7 +2958,7 @@
               <a:buChar char="●"/>
               <a:defRPr/>
             </a:lvl7pPr>
-            <a:lvl8pPr indent="-298450" lvl="7" marL="3657600">
+            <a:lvl8pPr marL="3657600" lvl="7" indent="-298450">
               <a:spcBef>
                 <a:spcPts val="0"/>
               </a:spcBef>
@@ -3824,7 +2969,7 @@
               <a:buChar char="○"/>
               <a:defRPr/>
             </a:lvl8pPr>
-            <a:lvl9pPr indent="-298450" lvl="8" marL="4114800">
+            <a:lvl9pPr marL="4114800" lvl="8" indent="-298450">
               <a:spcBef>
                 <a:spcPts val="0"/>
               </a:spcBef>
@@ -3836,7 +2981,12 @@
               <a:defRPr/>
             </a:lvl9pPr>
           </a:lstStyle>
-          <a:p/>
+          <a:p>
+            <a:pPr>
+              <a:defRPr/>
+            </a:pPr>
+            <a:endParaRPr/>
+          </a:p>
         </p:txBody>
       </p:sp>
       <p:sp>
@@ -3844,10 +2994,10 @@
           <p:cNvPr id="39" name="Google Shape;39;p5"/>
           <p:cNvSpPr txBox="1"/>
           <p:nvPr>
-            <p:ph idx="12" type="sldNum"/>
+            <p:ph type="sldNum" idx="12"/>
           </p:nvPr>
         </p:nvSpPr>
-        <p:spPr>
+        <p:spPr bwMode="auto">
           <a:xfrm>
             <a:off x="8536302" y="4749851"/>
             <a:ext cx="548700" cy="393600"/>
@@ -3857,7 +3007,7 @@
           </a:prstGeom>
         </p:spPr>
         <p:txBody>
-          <a:bodyPr anchorCtr="0" anchor="ctr" bIns="91425" lIns="91425" spcFirstLastPara="1" rIns="91425" wrap="square" tIns="91425">
+          <a:bodyPr spcFirstLastPara="1" wrap="square" lIns="91425" tIns="91425" rIns="91425" bIns="91425" anchor="ctr" anchorCtr="0">
             <a:normAutofit/>
           </a:bodyPr>
           <a:lstStyle>
@@ -3899,18 +3049,19 @@
             </a:lvl9pPr>
           </a:lstStyle>
           <a:p>
-            <a:pPr indent="0" lvl="0" marL="0" rtl="0" algn="r">
-              <a:spcBef>
-                <a:spcPts val="0"/>
-              </a:spcBef>
-              <a:spcAft>
-                <a:spcPts val="0"/>
-              </a:spcAft>
-              <a:buNone/>
+            <a:pPr marL="0" lvl="0" indent="0" algn="r">
+              <a:spcBef>
+                <a:spcPts val="0"/>
+              </a:spcBef>
+              <a:spcAft>
+                <a:spcPts val="0"/>
+              </a:spcAft>
+              <a:buNone/>
+              <a:defRPr/>
             </a:pPr>
             <a:fld id="{00000000-1234-1234-1234-123412341234}" type="slidenum">
               <a:rPr lang="en"/>
-              <a:t>‹#›</a:t>
+              <a:t/>
             </a:fld>
             <a:endParaRPr/>
           </a:p>
@@ -3925,15 +3076,15 @@
 </file>
 
 <file path=ppt/slideLayouts/slideLayout5.xml><?xml version="1.0" encoding="utf-8"?>
-<p:sldLayout xmlns:a="http://schemas.openxmlformats.org/drawingml/2006/main" xmlns:r="http://schemas.openxmlformats.org/officeDocument/2006/relationships" xmlns:mc="http://schemas.openxmlformats.org/markup-compatibility/2006" xmlns:mv="urn:schemas-microsoft-com:mac:vml" xmlns:p="http://schemas.openxmlformats.org/presentationml/2006/main" xmlns:c="http://schemas.openxmlformats.org/drawingml/2006/chart" xmlns:dgm="http://schemas.openxmlformats.org/drawingml/2006/diagram" xmlns:o="urn:schemas-microsoft-com:office:office" xmlns:v="urn:schemas-microsoft-com:vml" xmlns:pvml="urn:schemas-microsoft-com:office:powerpoint" xmlns:com="http://schemas.openxmlformats.org/drawingml/2006/compatibility" xmlns:p14="http://schemas.microsoft.com/office/powerpoint/2010/main" xmlns:p15="http://schemas.microsoft.com/office/powerpoint/2012/main" xmlns:ahyp="http://schemas.microsoft.com/office/drawing/2018/hyperlinkcolor" matchingName="Title only" type="titleOnly">
+<p:sldLayout xmlns:a="http://schemas.openxmlformats.org/drawingml/2006/main" xmlns:r="http://schemas.openxmlformats.org/officeDocument/2006/relationships" xmlns:p="http://schemas.openxmlformats.org/presentationml/2006/main" xmlns:m="http://schemas.openxmlformats.org/officeDocument/2006/math" xmlns:w="http://schemas.openxmlformats.org/wordprocessingml/2006/main" matchingName="Title only" preserve="0" showMasterPhAnim="0" type="titleOnly" userDrawn="1">
   <p:cSld name="TITLE_ONLY">
     <p:spTree>
       <p:nvGrpSpPr>
-        <p:cNvPr id="40" name="Shape 40"/>
+        <p:cNvPr id="1" name=""/>
         <p:cNvGrpSpPr/>
         <p:nvPr/>
       </p:nvGrpSpPr>
-      <p:grpSpPr>
+      <p:grpSpPr bwMode="auto">
         <a:xfrm>
           <a:off x="0" y="0"/>
           <a:ext cx="0" cy="0"/>
@@ -3947,7 +3098,7 @@
           <p:cNvSpPr/>
           <p:nvPr/>
         </p:nvSpPr>
-        <p:spPr>
+        <p:spPr bwMode="auto">
           <a:xfrm>
             <a:off x="0" y="0"/>
             <a:ext cx="9144000" cy="487800"/>
@@ -3963,23 +3114,21 @@
           </a:ln>
         </p:spPr>
         <p:txBody>
-          <a:bodyPr anchorCtr="0" anchor="ctr" bIns="91425" lIns="91425" spcFirstLastPara="1" rIns="91425" wrap="square" tIns="91425">
+          <a:bodyPr spcFirstLastPara="1" wrap="square" lIns="91425" tIns="91425" rIns="91425" bIns="91425" anchor="ctr" anchorCtr="0">
             <a:noAutofit/>
           </a:bodyPr>
           <a:lstStyle/>
           <a:p>
-            <a:pPr indent="0" lvl="0" marL="0" rtl="0" algn="l">
-              <a:spcBef>
-                <a:spcPts val="0"/>
-              </a:spcBef>
-              <a:spcAft>
-                <a:spcPts val="0"/>
-              </a:spcAft>
-              <a:buNone/>
+            <a:pPr marL="0" lvl="0" indent="0" algn="l">
+              <a:spcBef>
+                <a:spcPts val="0"/>
+              </a:spcBef>
+              <a:spcAft>
+                <a:spcPts val="0"/>
+              </a:spcAft>
+              <a:buNone/>
+              <a:defRPr/>
             </a:pPr>
-            <a:r>
-              <a:t/>
-            </a:r>
             <a:endParaRPr/>
           </a:p>
         </p:txBody>
@@ -3990,9 +3139,9 @@
           <p:cNvGrpSpPr/>
           <p:nvPr/>
         </p:nvGrpSpPr>
-        <p:grpSpPr>
+        <p:grpSpPr bwMode="auto">
           <a:xfrm>
-            <a:off x="830392" y="1191256"/>
+            <a:off x="830391" y="1191256"/>
             <a:ext cx="745763" cy="45826"/>
             <a:chOff x="4580561" y="2589004"/>
             <a:chExt cx="1064464" cy="25200"/>
@@ -4004,7 +3153,7 @@
             <p:cNvSpPr/>
             <p:nvPr/>
           </p:nvSpPr>
-          <p:spPr>
+          <p:spPr bwMode="auto">
             <a:xfrm rot="-5400000">
               <a:off x="5366325" y="2335504"/>
               <a:ext cx="25200" cy="532200"/>
@@ -4020,12 +3169,12 @@
             </a:ln>
           </p:spPr>
           <p:txBody>
-            <a:bodyPr anchorCtr="0" anchor="ctr" bIns="91425" lIns="91425" spcFirstLastPara="1" rIns="91425" wrap="square" tIns="91425">
+            <a:bodyPr spcFirstLastPara="1" wrap="square" lIns="91425" tIns="91425" rIns="91425" bIns="91425" anchor="ctr" anchorCtr="0">
               <a:noAutofit/>
             </a:bodyPr>
             <a:lstStyle/>
             <a:p>
-              <a:pPr indent="0" lvl="0" marL="0" rtl="0" algn="l">
+              <a:pPr marL="0" lvl="0" indent="0" algn="l">
                 <a:spcBef>
                   <a:spcPts val="0"/>
                 </a:spcBef>
@@ -4033,10 +3182,8 @@
                   <a:spcPts val="0"/>
                 </a:spcAft>
                 <a:buNone/>
+                <a:defRPr/>
               </a:pPr>
-              <a:r>
-                <a:t/>
-              </a:r>
               <a:endParaRPr/>
             </a:p>
           </p:txBody>
@@ -4047,7 +3194,7 @@
             <p:cNvSpPr/>
             <p:nvPr/>
           </p:nvSpPr>
-          <p:spPr>
+          <p:spPr bwMode="auto">
             <a:xfrm rot="-5400000">
               <a:off x="4836311" y="2333254"/>
               <a:ext cx="25200" cy="536700"/>
@@ -4063,12 +3210,12 @@
             </a:ln>
           </p:spPr>
           <p:txBody>
-            <a:bodyPr anchorCtr="0" anchor="ctr" bIns="91425" lIns="91425" spcFirstLastPara="1" rIns="91425" wrap="square" tIns="91425">
+            <a:bodyPr spcFirstLastPara="1" wrap="square" lIns="91425" tIns="91425" rIns="91425" bIns="91425" anchor="ctr" anchorCtr="0">
               <a:noAutofit/>
             </a:bodyPr>
             <a:lstStyle/>
             <a:p>
-              <a:pPr indent="0" lvl="0" marL="0" rtl="0" algn="l">
+              <a:pPr marL="0" lvl="0" indent="0" algn="l">
                 <a:spcBef>
                   <a:spcPts val="0"/>
                 </a:spcBef>
@@ -4076,10 +3223,8 @@
                   <a:spcPts val="0"/>
                 </a:spcAft>
                 <a:buNone/>
+                <a:defRPr/>
               </a:pPr>
-              <a:r>
-                <a:t/>
-              </a:r>
               <a:endParaRPr/>
             </a:p>
           </p:txBody>
@@ -4093,7 +3238,7 @@
             <p:ph type="title"/>
           </p:nvPr>
         </p:nvSpPr>
-        <p:spPr>
+        <p:spPr bwMode="auto">
           <a:xfrm>
             <a:off x="729450" y="1318650"/>
             <a:ext cx="7688400" cy="535200"/>
@@ -4103,7 +3248,7 @@
           </a:prstGeom>
         </p:spPr>
         <p:txBody>
-          <a:bodyPr anchorCtr="0" anchor="t" bIns="91425" lIns="91425" spcFirstLastPara="1" rIns="91425" wrap="square" tIns="91425">
+          <a:bodyPr spcFirstLastPara="1" wrap="square" lIns="91425" tIns="91425" rIns="91425" bIns="91425" anchor="t" anchorCtr="0">
             <a:normAutofit/>
           </a:bodyPr>
           <a:lstStyle>
@@ -4207,7 +3352,12 @@
               <a:defRPr sz="2600"/>
             </a:lvl9pPr>
           </a:lstStyle>
-          <a:p/>
+          <a:p>
+            <a:pPr>
+              <a:defRPr/>
+            </a:pPr>
+            <a:endParaRPr/>
+          </a:p>
         </p:txBody>
       </p:sp>
       <p:sp>
@@ -4215,10 +3365,10 @@
           <p:cNvPr id="46" name="Google Shape;46;p6"/>
           <p:cNvSpPr txBox="1"/>
           <p:nvPr>
-            <p:ph idx="12" type="sldNum"/>
+            <p:ph type="sldNum" idx="12"/>
           </p:nvPr>
         </p:nvSpPr>
-        <p:spPr>
+        <p:spPr bwMode="auto">
           <a:xfrm>
             <a:off x="8536302" y="4749851"/>
             <a:ext cx="548700" cy="393600"/>
@@ -4228,7 +3378,7 @@
           </a:prstGeom>
         </p:spPr>
         <p:txBody>
-          <a:bodyPr anchorCtr="0" anchor="ctr" bIns="91425" lIns="91425" spcFirstLastPara="1" rIns="91425" wrap="square" tIns="91425">
+          <a:bodyPr spcFirstLastPara="1" wrap="square" lIns="91425" tIns="91425" rIns="91425" bIns="91425" anchor="ctr" anchorCtr="0">
             <a:normAutofit/>
           </a:bodyPr>
           <a:lstStyle>
@@ -4270,18 +3420,19 @@
             </a:lvl9pPr>
           </a:lstStyle>
           <a:p>
-            <a:pPr indent="0" lvl="0" marL="0" rtl="0" algn="r">
-              <a:spcBef>
-                <a:spcPts val="0"/>
-              </a:spcBef>
-              <a:spcAft>
-                <a:spcPts val="0"/>
-              </a:spcAft>
-              <a:buNone/>
+            <a:pPr marL="0" lvl="0" indent="0" algn="r">
+              <a:spcBef>
+                <a:spcPts val="0"/>
+              </a:spcBef>
+              <a:spcAft>
+                <a:spcPts val="0"/>
+              </a:spcAft>
+              <a:buNone/>
+              <a:defRPr/>
             </a:pPr>
             <a:fld id="{00000000-1234-1234-1234-123412341234}" type="slidenum">
               <a:rPr lang="en"/>
-              <a:t>‹#›</a:t>
+              <a:t/>
             </a:fld>
             <a:endParaRPr/>
           </a:p>
@@ -4296,15 +3447,15 @@
 </file>
 
 <file path=ppt/slideLayouts/slideLayout6.xml><?xml version="1.0" encoding="utf-8"?>
-<p:sldLayout xmlns:a="http://schemas.openxmlformats.org/drawingml/2006/main" xmlns:r="http://schemas.openxmlformats.org/officeDocument/2006/relationships" xmlns:mc="http://schemas.openxmlformats.org/markup-compatibility/2006" xmlns:mv="urn:schemas-microsoft-com:mac:vml" xmlns:p="http://schemas.openxmlformats.org/presentationml/2006/main" xmlns:c="http://schemas.openxmlformats.org/drawingml/2006/chart" xmlns:dgm="http://schemas.openxmlformats.org/drawingml/2006/diagram" xmlns:o="urn:schemas-microsoft-com:office:office" xmlns:v="urn:schemas-microsoft-com:vml" xmlns:pvml="urn:schemas-microsoft-com:office:powerpoint" xmlns:com="http://schemas.openxmlformats.org/drawingml/2006/compatibility" xmlns:p14="http://schemas.microsoft.com/office/powerpoint/2010/main" xmlns:p15="http://schemas.microsoft.com/office/powerpoint/2012/main" xmlns:ahyp="http://schemas.microsoft.com/office/drawing/2018/hyperlinkcolor" matchingName="One column text">
+<p:sldLayout xmlns:a="http://schemas.openxmlformats.org/drawingml/2006/main" xmlns:r="http://schemas.openxmlformats.org/officeDocument/2006/relationships" xmlns:p="http://schemas.openxmlformats.org/presentationml/2006/main" xmlns:m="http://schemas.openxmlformats.org/officeDocument/2006/math" xmlns:w="http://schemas.openxmlformats.org/wordprocessingml/2006/main" matchingName="One column text" preserve="0" showMasterPhAnim="0" userDrawn="1">
   <p:cSld name="ONE_COLUMN_TEXT">
     <p:spTree>
       <p:nvGrpSpPr>
-        <p:cNvPr id="47" name="Shape 47"/>
+        <p:cNvPr id="1" name=""/>
         <p:cNvGrpSpPr/>
         <p:nvPr/>
       </p:nvGrpSpPr>
-      <p:grpSpPr>
+      <p:grpSpPr bwMode="auto">
         <a:xfrm>
           <a:off x="0" y="0"/>
           <a:ext cx="0" cy="0"/>
@@ -4318,7 +3469,7 @@
           <p:cNvSpPr/>
           <p:nvPr/>
         </p:nvSpPr>
-        <p:spPr>
+        <p:spPr bwMode="auto">
           <a:xfrm>
             <a:off x="0" y="0"/>
             <a:ext cx="9144000" cy="487800"/>
@@ -4334,23 +3485,21 @@
           </a:ln>
         </p:spPr>
         <p:txBody>
-          <a:bodyPr anchorCtr="0" anchor="ctr" bIns="91425" lIns="91425" spcFirstLastPara="1" rIns="91425" wrap="square" tIns="91425">
+          <a:bodyPr spcFirstLastPara="1" wrap="square" lIns="91425" tIns="91425" rIns="91425" bIns="91425" anchor="ctr" anchorCtr="0">
             <a:noAutofit/>
           </a:bodyPr>
           <a:lstStyle/>
           <a:p>
-            <a:pPr indent="0" lvl="0" marL="0" rtl="0" algn="l">
-              <a:spcBef>
-                <a:spcPts val="0"/>
-              </a:spcBef>
-              <a:spcAft>
-                <a:spcPts val="0"/>
-              </a:spcAft>
-              <a:buNone/>
+            <a:pPr marL="0" lvl="0" indent="0" algn="l">
+              <a:spcBef>
+                <a:spcPts val="0"/>
+              </a:spcBef>
+              <a:spcAft>
+                <a:spcPts val="0"/>
+              </a:spcAft>
+              <a:buNone/>
+              <a:defRPr/>
             </a:pPr>
-            <a:r>
-              <a:t/>
-            </a:r>
             <a:endParaRPr/>
           </a:p>
         </p:txBody>
@@ -4361,9 +3510,9 @@
           <p:cNvGrpSpPr/>
           <p:nvPr/>
         </p:nvGrpSpPr>
-        <p:grpSpPr>
+        <p:grpSpPr bwMode="auto">
           <a:xfrm>
-            <a:off x="830392" y="1191256"/>
+            <a:off x="830391" y="1191256"/>
             <a:ext cx="745763" cy="45826"/>
             <a:chOff x="4580561" y="2589004"/>
             <a:chExt cx="1064464" cy="25200"/>
@@ -4375,7 +3524,7 @@
             <p:cNvSpPr/>
             <p:nvPr/>
           </p:nvSpPr>
-          <p:spPr>
+          <p:spPr bwMode="auto">
             <a:xfrm rot="-5400000">
               <a:off x="5366325" y="2335504"/>
               <a:ext cx="25200" cy="532200"/>
@@ -4391,12 +3540,12 @@
             </a:ln>
           </p:spPr>
           <p:txBody>
-            <a:bodyPr anchorCtr="0" anchor="ctr" bIns="91425" lIns="91425" spcFirstLastPara="1" rIns="91425" wrap="square" tIns="91425">
+            <a:bodyPr spcFirstLastPara="1" wrap="square" lIns="91425" tIns="91425" rIns="91425" bIns="91425" anchor="ctr" anchorCtr="0">
               <a:noAutofit/>
             </a:bodyPr>
             <a:lstStyle/>
             <a:p>
-              <a:pPr indent="0" lvl="0" marL="0" rtl="0" algn="l">
+              <a:pPr marL="0" lvl="0" indent="0" algn="l">
                 <a:spcBef>
                   <a:spcPts val="0"/>
                 </a:spcBef>
@@ -4404,10 +3553,8 @@
                   <a:spcPts val="0"/>
                 </a:spcAft>
                 <a:buNone/>
+                <a:defRPr/>
               </a:pPr>
-              <a:r>
-                <a:t/>
-              </a:r>
               <a:endParaRPr/>
             </a:p>
           </p:txBody>
@@ -4418,7 +3565,7 @@
             <p:cNvSpPr/>
             <p:nvPr/>
           </p:nvSpPr>
-          <p:spPr>
+          <p:spPr bwMode="auto">
             <a:xfrm rot="-5400000">
               <a:off x="4836311" y="2333254"/>
               <a:ext cx="25200" cy="536700"/>
@@ -4434,12 +3581,12 @@
             </a:ln>
           </p:spPr>
           <p:txBody>
-            <a:bodyPr anchorCtr="0" anchor="ctr" bIns="91425" lIns="91425" spcFirstLastPara="1" rIns="91425" wrap="square" tIns="91425">
+            <a:bodyPr spcFirstLastPara="1" wrap="square" lIns="91425" tIns="91425" rIns="91425" bIns="91425" anchor="ctr" anchorCtr="0">
               <a:noAutofit/>
             </a:bodyPr>
             <a:lstStyle/>
             <a:p>
-              <a:pPr indent="0" lvl="0" marL="0" rtl="0" algn="l">
+              <a:pPr marL="0" lvl="0" indent="0" algn="l">
                 <a:spcBef>
                   <a:spcPts val="0"/>
                 </a:spcBef>
@@ -4447,10 +3594,8 @@
                   <a:spcPts val="0"/>
                 </a:spcAft>
                 <a:buNone/>
+                <a:defRPr/>
               </a:pPr>
-              <a:r>
-                <a:t/>
-              </a:r>
               <a:endParaRPr/>
             </a:p>
           </p:txBody>
@@ -4464,7 +3609,7 @@
             <p:ph type="title"/>
           </p:nvPr>
         </p:nvSpPr>
-        <p:spPr>
+        <p:spPr bwMode="auto">
           <a:xfrm>
             <a:off x="730000" y="1318650"/>
             <a:ext cx="3300900" cy="1381500"/>
@@ -4474,7 +3619,7 @@
           </a:prstGeom>
         </p:spPr>
         <p:txBody>
-          <a:bodyPr anchorCtr="0" anchor="t" bIns="91425" lIns="91425" spcFirstLastPara="1" rIns="91425" wrap="square" tIns="91425">
+          <a:bodyPr spcFirstLastPara="1" wrap="square" lIns="91425" tIns="91425" rIns="91425" bIns="91425" anchor="t" anchorCtr="0">
             <a:normAutofit/>
           </a:bodyPr>
           <a:lstStyle>
@@ -4578,7 +3723,12 @@
               <a:defRPr sz="2600"/>
             </a:lvl9pPr>
           </a:lstStyle>
-          <a:p/>
+          <a:p>
+            <a:pPr>
+              <a:defRPr/>
+            </a:pPr>
+            <a:endParaRPr/>
+          </a:p>
         </p:txBody>
       </p:sp>
       <p:sp>
@@ -4586,10 +3736,10 @@
           <p:cNvPr id="53" name="Google Shape;53;p7"/>
           <p:cNvSpPr txBox="1"/>
           <p:nvPr>
-            <p:ph idx="1" type="body"/>
+            <p:ph type="body" idx="1"/>
           </p:nvPr>
         </p:nvSpPr>
-        <p:spPr>
+        <p:spPr bwMode="auto">
           <a:xfrm>
             <a:off x="721225" y="2781725"/>
             <a:ext cx="3300900" cy="1597500"/>
@@ -4599,11 +3749,11 @@
           </a:prstGeom>
         </p:spPr>
         <p:txBody>
-          <a:bodyPr anchorCtr="0" anchor="t" bIns="91425" lIns="91425" spcFirstLastPara="1" rIns="91425" wrap="square" tIns="91425">
+          <a:bodyPr spcFirstLastPara="1" wrap="square" lIns="91425" tIns="91425" rIns="91425" bIns="91425" anchor="t" anchorCtr="0">
             <a:normAutofit/>
           </a:bodyPr>
           <a:lstStyle>
-            <a:lvl1pPr indent="-311150" lvl="0" marL="457200">
+            <a:lvl1pPr marL="457200" lvl="0" indent="-311150">
               <a:spcBef>
                 <a:spcPts val="0"/>
               </a:spcBef>
@@ -4614,7 +3764,7 @@
               <a:buChar char="●"/>
               <a:defRPr/>
             </a:lvl1pPr>
-            <a:lvl2pPr indent="-298450" lvl="1" marL="914400">
+            <a:lvl2pPr marL="914400" lvl="1" indent="-298450">
               <a:spcBef>
                 <a:spcPts val="0"/>
               </a:spcBef>
@@ -4625,7 +3775,7 @@
               <a:buChar char="○"/>
               <a:defRPr/>
             </a:lvl2pPr>
-            <a:lvl3pPr indent="-298450" lvl="2" marL="1371600">
+            <a:lvl3pPr marL="1371600" lvl="2" indent="-298450">
               <a:spcBef>
                 <a:spcPts val="0"/>
               </a:spcBef>
@@ -4636,7 +3786,7 @@
               <a:buChar char="■"/>
               <a:defRPr/>
             </a:lvl3pPr>
-            <a:lvl4pPr indent="-298450" lvl="3" marL="1828800">
+            <a:lvl4pPr marL="1828800" lvl="3" indent="-298450">
               <a:spcBef>
                 <a:spcPts val="0"/>
               </a:spcBef>
@@ -4647,7 +3797,7 @@
               <a:buChar char="●"/>
               <a:defRPr/>
             </a:lvl4pPr>
-            <a:lvl5pPr indent="-298450" lvl="4" marL="2286000">
+            <a:lvl5pPr marL="2286000" lvl="4" indent="-298450">
               <a:spcBef>
                 <a:spcPts val="0"/>
               </a:spcBef>
@@ -4658,7 +3808,7 @@
               <a:buChar char="○"/>
               <a:defRPr/>
             </a:lvl5pPr>
-            <a:lvl6pPr indent="-298450" lvl="5" marL="2743200">
+            <a:lvl6pPr marL="2743200" lvl="5" indent="-298450">
               <a:spcBef>
                 <a:spcPts val="0"/>
               </a:spcBef>
@@ -4669,7 +3819,7 @@
               <a:buChar char="■"/>
               <a:defRPr/>
             </a:lvl6pPr>
-            <a:lvl7pPr indent="-298450" lvl="6" marL="3200400">
+            <a:lvl7pPr marL="3200400" lvl="6" indent="-298450">
               <a:spcBef>
                 <a:spcPts val="0"/>
               </a:spcBef>
@@ -4680,7 +3830,7 @@
               <a:buChar char="●"/>
               <a:defRPr/>
             </a:lvl7pPr>
-            <a:lvl8pPr indent="-298450" lvl="7" marL="3657600">
+            <a:lvl8pPr marL="3657600" lvl="7" indent="-298450">
               <a:spcBef>
                 <a:spcPts val="0"/>
               </a:spcBef>
@@ -4691,7 +3841,7 @@
               <a:buChar char="○"/>
               <a:defRPr/>
             </a:lvl8pPr>
-            <a:lvl9pPr indent="-298450" lvl="8" marL="4114800">
+            <a:lvl9pPr marL="4114800" lvl="8" indent="-298450">
               <a:spcBef>
                 <a:spcPts val="0"/>
               </a:spcBef>
@@ -4703,7 +3853,12 @@
               <a:defRPr/>
             </a:lvl9pPr>
           </a:lstStyle>
-          <a:p/>
+          <a:p>
+            <a:pPr>
+              <a:defRPr/>
+            </a:pPr>
+            <a:endParaRPr/>
+          </a:p>
         </p:txBody>
       </p:sp>
       <p:sp>
@@ -4711,10 +3866,10 @@
           <p:cNvPr id="54" name="Google Shape;54;p7"/>
           <p:cNvSpPr txBox="1"/>
           <p:nvPr>
-            <p:ph idx="12" type="sldNum"/>
+            <p:ph type="sldNum" idx="12"/>
           </p:nvPr>
         </p:nvSpPr>
-        <p:spPr>
+        <p:spPr bwMode="auto">
           <a:xfrm>
             <a:off x="8536302" y="4749851"/>
             <a:ext cx="548700" cy="393600"/>
@@ -4724,7 +3879,7 @@
           </a:prstGeom>
         </p:spPr>
         <p:txBody>
-          <a:bodyPr anchorCtr="0" anchor="ctr" bIns="91425" lIns="91425" spcFirstLastPara="1" rIns="91425" wrap="square" tIns="91425">
+          <a:bodyPr spcFirstLastPara="1" wrap="square" lIns="91425" tIns="91425" rIns="91425" bIns="91425" anchor="ctr" anchorCtr="0">
             <a:normAutofit/>
           </a:bodyPr>
           <a:lstStyle>
@@ -4766,18 +3921,19 @@
             </a:lvl9pPr>
           </a:lstStyle>
           <a:p>
-            <a:pPr indent="0" lvl="0" marL="0" rtl="0" algn="r">
-              <a:spcBef>
-                <a:spcPts val="0"/>
-              </a:spcBef>
-              <a:spcAft>
-                <a:spcPts val="0"/>
-              </a:spcAft>
-              <a:buNone/>
+            <a:pPr marL="0" lvl="0" indent="0" algn="r">
+              <a:spcBef>
+                <a:spcPts val="0"/>
+              </a:spcBef>
+              <a:spcAft>
+                <a:spcPts val="0"/>
+              </a:spcAft>
+              <a:buNone/>
+              <a:defRPr/>
             </a:pPr>
             <a:fld id="{00000000-1234-1234-1234-123412341234}" type="slidenum">
               <a:rPr lang="en"/>
-              <a:t>‹#›</a:t>
+              <a:t/>
             </a:fld>
             <a:endParaRPr/>
           </a:p>
@@ -4792,10 +3948,10 @@
 </file>
 
 <file path=ppt/slideLayouts/slideLayout7.xml><?xml version="1.0" encoding="utf-8"?>
-<p:sldLayout xmlns:a="http://schemas.openxmlformats.org/drawingml/2006/main" xmlns:r="http://schemas.openxmlformats.org/officeDocument/2006/relationships" xmlns:mc="http://schemas.openxmlformats.org/markup-compatibility/2006" xmlns:mv="urn:schemas-microsoft-com:mac:vml" xmlns:p="http://schemas.openxmlformats.org/presentationml/2006/main" xmlns:c="http://schemas.openxmlformats.org/drawingml/2006/chart" xmlns:dgm="http://schemas.openxmlformats.org/drawingml/2006/diagram" xmlns:o="urn:schemas-microsoft-com:office:office" xmlns:v="urn:schemas-microsoft-com:vml" xmlns:pvml="urn:schemas-microsoft-com:office:powerpoint" xmlns:com="http://schemas.openxmlformats.org/drawingml/2006/compatibility" xmlns:p14="http://schemas.microsoft.com/office/powerpoint/2010/main" xmlns:p15="http://schemas.microsoft.com/office/powerpoint/2012/main" xmlns:ahyp="http://schemas.microsoft.com/office/drawing/2018/hyperlinkcolor" matchingName="Main point">
+<p:sldLayout xmlns:a="http://schemas.openxmlformats.org/drawingml/2006/main" xmlns:r="http://schemas.openxmlformats.org/officeDocument/2006/relationships" xmlns:p="http://schemas.openxmlformats.org/presentationml/2006/main" xmlns:m="http://schemas.openxmlformats.org/officeDocument/2006/math" xmlns:w="http://schemas.openxmlformats.org/wordprocessingml/2006/main" matchingName="Main point" preserve="0" showMasterPhAnim="0" userDrawn="1">
   <p:cSld name="MAIN_POINT">
     <p:bg>
-      <p:bgPr>
+      <p:bgPr shadeToTitle="0">
         <a:solidFill>
           <a:schemeClr val="accent3"/>
         </a:solidFill>
@@ -4803,11 +3959,11 @@
     </p:bg>
     <p:spTree>
       <p:nvGrpSpPr>
-        <p:cNvPr id="55" name="Shape 55"/>
+        <p:cNvPr id="1" name=""/>
         <p:cNvGrpSpPr/>
         <p:nvPr/>
       </p:nvGrpSpPr>
-      <p:grpSpPr>
+      <p:grpSpPr bwMode="auto">
         <a:xfrm>
           <a:off x="0" y="0"/>
           <a:ext cx="0" cy="0"/>
@@ -4821,9 +3977,9 @@
           <p:cNvGrpSpPr/>
           <p:nvPr/>
         </p:nvGrpSpPr>
-        <p:grpSpPr>
+        <p:grpSpPr bwMode="auto">
           <a:xfrm>
-            <a:off x="830392" y="4169130"/>
+            <a:off x="830391" y="4169130"/>
             <a:ext cx="745763" cy="45826"/>
             <a:chOff x="4580561" y="2589004"/>
             <a:chExt cx="1064464" cy="25200"/>
@@ -4835,7 +3991,7 @@
             <p:cNvSpPr/>
             <p:nvPr/>
           </p:nvSpPr>
-          <p:spPr>
+          <p:spPr bwMode="auto">
             <a:xfrm rot="-5400000">
               <a:off x="5366325" y="2335504"/>
               <a:ext cx="25200" cy="532200"/>
@@ -4851,12 +4007,12 @@
             </a:ln>
           </p:spPr>
           <p:txBody>
-            <a:bodyPr anchorCtr="0" anchor="ctr" bIns="91425" lIns="91425" spcFirstLastPara="1" rIns="91425" wrap="square" tIns="91425">
+            <a:bodyPr spcFirstLastPara="1" wrap="square" lIns="91425" tIns="91425" rIns="91425" bIns="91425" anchor="ctr" anchorCtr="0">
               <a:noAutofit/>
             </a:bodyPr>
             <a:lstStyle/>
             <a:p>
-              <a:pPr indent="0" lvl="0" marL="0" rtl="0" algn="l">
+              <a:pPr marL="0" lvl="0" indent="0" algn="l">
                 <a:spcBef>
                   <a:spcPts val="0"/>
                 </a:spcBef>
@@ -4864,10 +4020,8 @@
                   <a:spcPts val="0"/>
                 </a:spcAft>
                 <a:buNone/>
+                <a:defRPr/>
               </a:pPr>
-              <a:r>
-                <a:t/>
-              </a:r>
               <a:endParaRPr/>
             </a:p>
           </p:txBody>
@@ -4878,7 +4032,7 @@
             <p:cNvSpPr/>
             <p:nvPr/>
           </p:nvSpPr>
-          <p:spPr>
+          <p:spPr bwMode="auto">
             <a:xfrm rot="-5400000">
               <a:off x="4836311" y="2333254"/>
               <a:ext cx="25200" cy="536700"/>
@@ -4894,12 +4048,12 @@
             </a:ln>
           </p:spPr>
           <p:txBody>
-            <a:bodyPr anchorCtr="0" anchor="ctr" bIns="91425" lIns="91425" spcFirstLastPara="1" rIns="91425" wrap="square" tIns="91425">
+            <a:bodyPr spcFirstLastPara="1" wrap="square" lIns="91425" tIns="91425" rIns="91425" bIns="91425" anchor="ctr" anchorCtr="0">
               <a:noAutofit/>
             </a:bodyPr>
             <a:lstStyle/>
             <a:p>
-              <a:pPr indent="0" lvl="0" marL="0" rtl="0" algn="l">
+              <a:pPr marL="0" lvl="0" indent="0" algn="l">
                 <a:spcBef>
                   <a:spcPts val="0"/>
                 </a:spcBef>
@@ -4907,10 +4061,8 @@
                   <a:spcPts val="0"/>
                 </a:spcAft>
                 <a:buNone/>
+                <a:defRPr/>
               </a:pPr>
-              <a:r>
-                <a:t/>
-              </a:r>
               <a:endParaRPr/>
             </a:p>
           </p:txBody>
@@ -4924,7 +4076,7 @@
             <p:ph type="title"/>
           </p:nvPr>
         </p:nvSpPr>
-        <p:spPr>
+        <p:spPr bwMode="auto">
           <a:xfrm>
             <a:off x="729450" y="864300"/>
             <a:ext cx="7021200" cy="2985000"/>
@@ -4934,7 +4086,7 @@
           </a:prstGeom>
         </p:spPr>
         <p:txBody>
-          <a:bodyPr anchorCtr="0" anchor="ctr" bIns="91425" lIns="91425" spcFirstLastPara="1" rIns="91425" wrap="square" tIns="91425">
+          <a:bodyPr spcFirstLastPara="1" wrap="square" lIns="91425" tIns="91425" rIns="91425" bIns="91425" anchor="ctr" anchorCtr="0">
             <a:normAutofit/>
           </a:bodyPr>
           <a:lstStyle>
@@ -5101,7 +4253,12 @@
               </a:defRPr>
             </a:lvl9pPr>
           </a:lstStyle>
-          <a:p/>
+          <a:p>
+            <a:pPr>
+              <a:defRPr/>
+            </a:pPr>
+            <a:endParaRPr/>
+          </a:p>
         </p:txBody>
       </p:sp>
       <p:sp>
@@ -5109,10 +4266,10 @@
           <p:cNvPr id="60" name="Google Shape;60;p8"/>
           <p:cNvSpPr txBox="1"/>
           <p:nvPr>
-            <p:ph idx="12" type="sldNum"/>
+            <p:ph type="sldNum" idx="12"/>
           </p:nvPr>
         </p:nvSpPr>
-        <p:spPr>
+        <p:spPr bwMode="auto">
           <a:xfrm>
             <a:off x="8536302" y="4749851"/>
             <a:ext cx="548700" cy="393600"/>
@@ -5122,7 +4279,7 @@
           </a:prstGeom>
         </p:spPr>
         <p:txBody>
-          <a:bodyPr anchorCtr="0" anchor="ctr" bIns="91425" lIns="91425" spcFirstLastPara="1" rIns="91425" wrap="square" tIns="91425">
+          <a:bodyPr spcFirstLastPara="1" wrap="square" lIns="91425" tIns="91425" rIns="91425" bIns="91425" anchor="ctr" anchorCtr="0">
             <a:normAutofit/>
           </a:bodyPr>
           <a:lstStyle>
@@ -5200,18 +4357,19 @@
             </a:lvl9pPr>
           </a:lstStyle>
           <a:p>
-            <a:pPr indent="0" lvl="0" marL="0" rtl="0" algn="r">
-              <a:spcBef>
-                <a:spcPts val="0"/>
-              </a:spcBef>
-              <a:spcAft>
-                <a:spcPts val="0"/>
-              </a:spcAft>
-              <a:buNone/>
+            <a:pPr marL="0" lvl="0" indent="0" algn="r">
+              <a:spcBef>
+                <a:spcPts val="0"/>
+              </a:spcBef>
+              <a:spcAft>
+                <a:spcPts val="0"/>
+              </a:spcAft>
+              <a:buNone/>
+              <a:defRPr/>
             </a:pPr>
             <a:fld id="{00000000-1234-1234-1234-123412341234}" type="slidenum">
               <a:rPr lang="en"/>
-              <a:t>‹#›</a:t>
+              <a:t/>
             </a:fld>
             <a:endParaRPr/>
           </a:p>
@@ -5226,15 +4384,15 @@
 </file>
 
 <file path=ppt/slideLayouts/slideLayout8.xml><?xml version="1.0" encoding="utf-8"?>
-<p:sldLayout xmlns:a="http://schemas.openxmlformats.org/drawingml/2006/main" xmlns:r="http://schemas.openxmlformats.org/officeDocument/2006/relationships" xmlns:mc="http://schemas.openxmlformats.org/markup-compatibility/2006" xmlns:mv="urn:schemas-microsoft-com:mac:vml" xmlns:p="http://schemas.openxmlformats.org/presentationml/2006/main" xmlns:c="http://schemas.openxmlformats.org/drawingml/2006/chart" xmlns:dgm="http://schemas.openxmlformats.org/drawingml/2006/diagram" xmlns:o="urn:schemas-microsoft-com:office:office" xmlns:v="urn:schemas-microsoft-com:vml" xmlns:pvml="urn:schemas-microsoft-com:office:powerpoint" xmlns:com="http://schemas.openxmlformats.org/drawingml/2006/compatibility" xmlns:p14="http://schemas.microsoft.com/office/powerpoint/2010/main" xmlns:p15="http://schemas.microsoft.com/office/powerpoint/2012/main" xmlns:ahyp="http://schemas.microsoft.com/office/drawing/2018/hyperlinkcolor" matchingName="Section title and description">
+<p:sldLayout xmlns:a="http://schemas.openxmlformats.org/drawingml/2006/main" xmlns:r="http://schemas.openxmlformats.org/officeDocument/2006/relationships" xmlns:p="http://schemas.openxmlformats.org/presentationml/2006/main" xmlns:m="http://schemas.openxmlformats.org/officeDocument/2006/math" xmlns:w="http://schemas.openxmlformats.org/wordprocessingml/2006/main" matchingName="Section title and description" preserve="0" showMasterPhAnim="0" userDrawn="1">
   <p:cSld name="SECTION_TITLE_AND_DESCRIPTION">
     <p:spTree>
       <p:nvGrpSpPr>
-        <p:cNvPr id="61" name="Shape 61"/>
+        <p:cNvPr id="1" name=""/>
         <p:cNvGrpSpPr/>
         <p:nvPr/>
       </p:nvGrpSpPr>
-      <p:grpSpPr>
+      <p:grpSpPr bwMode="auto">
         <a:xfrm>
           <a:off x="0" y="0"/>
           <a:ext cx="0" cy="0"/>
@@ -5248,7 +4406,7 @@
           <p:cNvSpPr/>
           <p:nvPr/>
         </p:nvSpPr>
-        <p:spPr>
+        <p:spPr bwMode="auto">
           <a:xfrm>
             <a:off x="0" y="0"/>
             <a:ext cx="4572000" cy="5143500"/>
@@ -5264,23 +4422,21 @@
           </a:ln>
         </p:spPr>
         <p:txBody>
-          <a:bodyPr anchorCtr="0" anchor="ctr" bIns="91425" lIns="91425" spcFirstLastPara="1" rIns="91425" wrap="square" tIns="91425">
+          <a:bodyPr spcFirstLastPara="1" wrap="square" lIns="91425" tIns="91425" rIns="91425" bIns="91425" anchor="ctr" anchorCtr="0">
             <a:noAutofit/>
           </a:bodyPr>
           <a:lstStyle/>
           <a:p>
-            <a:pPr indent="0" lvl="0" marL="0" rtl="0" algn="l">
-              <a:spcBef>
-                <a:spcPts val="0"/>
-              </a:spcBef>
-              <a:spcAft>
-                <a:spcPts val="0"/>
-              </a:spcAft>
-              <a:buNone/>
+            <a:pPr marL="0" lvl="0" indent="0" algn="l">
+              <a:spcBef>
+                <a:spcPts val="0"/>
+              </a:spcBef>
+              <a:spcAft>
+                <a:spcPts val="0"/>
+              </a:spcAft>
+              <a:buNone/>
+              <a:defRPr/>
             </a:pPr>
-            <a:r>
-              <a:t/>
-            </a:r>
             <a:endParaRPr/>
           </a:p>
         </p:txBody>
@@ -5291,9 +4447,9 @@
           <p:cNvGrpSpPr/>
           <p:nvPr/>
         </p:nvGrpSpPr>
-        <p:grpSpPr>
+        <p:grpSpPr bwMode="auto">
           <a:xfrm>
-            <a:off x="830392" y="1191256"/>
+            <a:off x="830391" y="1191256"/>
             <a:ext cx="745763" cy="45826"/>
             <a:chOff x="4580561" y="2589004"/>
             <a:chExt cx="1064464" cy="25200"/>
@@ -5305,7 +4461,7 @@
             <p:cNvSpPr/>
             <p:nvPr/>
           </p:nvSpPr>
-          <p:spPr>
+          <p:spPr bwMode="auto">
             <a:xfrm rot="-5400000">
               <a:off x="5366325" y="2335504"/>
               <a:ext cx="25200" cy="532200"/>
@@ -5321,12 +4477,12 @@
             </a:ln>
           </p:spPr>
           <p:txBody>
-            <a:bodyPr anchorCtr="0" anchor="ctr" bIns="91425" lIns="91425" spcFirstLastPara="1" rIns="91425" wrap="square" tIns="91425">
+            <a:bodyPr spcFirstLastPara="1" wrap="square" lIns="91425" tIns="91425" rIns="91425" bIns="91425" anchor="ctr" anchorCtr="0">
               <a:noAutofit/>
             </a:bodyPr>
             <a:lstStyle/>
             <a:p>
-              <a:pPr indent="0" lvl="0" marL="0" rtl="0" algn="l">
+              <a:pPr marL="0" lvl="0" indent="0" algn="l">
                 <a:spcBef>
                   <a:spcPts val="0"/>
                 </a:spcBef>
@@ -5334,10 +4490,8 @@
                   <a:spcPts val="0"/>
                 </a:spcAft>
                 <a:buNone/>
+                <a:defRPr/>
               </a:pPr>
-              <a:r>
-                <a:t/>
-              </a:r>
               <a:endParaRPr/>
             </a:p>
           </p:txBody>
@@ -5348,7 +4502,7 @@
             <p:cNvSpPr/>
             <p:nvPr/>
           </p:nvSpPr>
-          <p:spPr>
+          <p:spPr bwMode="auto">
             <a:xfrm rot="-5400000">
               <a:off x="4836311" y="2333254"/>
               <a:ext cx="25200" cy="536700"/>
@@ -5364,12 +4518,12 @@
             </a:ln>
           </p:spPr>
           <p:txBody>
-            <a:bodyPr anchorCtr="0" anchor="ctr" bIns="91425" lIns="91425" spcFirstLastPara="1" rIns="91425" wrap="square" tIns="91425">
+            <a:bodyPr spcFirstLastPara="1" wrap="square" lIns="91425" tIns="91425" rIns="91425" bIns="91425" anchor="ctr" anchorCtr="0">
               <a:noAutofit/>
             </a:bodyPr>
             <a:lstStyle/>
             <a:p>
-              <a:pPr indent="0" lvl="0" marL="0" rtl="0" algn="l">
+              <a:pPr marL="0" lvl="0" indent="0" algn="l">
                 <a:spcBef>
                   <a:spcPts val="0"/>
                 </a:spcBef>
@@ -5377,10 +4531,8 @@
                   <a:spcPts val="0"/>
                 </a:spcAft>
                 <a:buNone/>
+                <a:defRPr/>
               </a:pPr>
-              <a:r>
-                <a:t/>
-              </a:r>
               <a:endParaRPr/>
             </a:p>
           </p:txBody>
@@ -5394,7 +4546,7 @@
             <p:ph type="title"/>
           </p:nvPr>
         </p:nvSpPr>
-        <p:spPr>
+        <p:spPr bwMode="auto">
           <a:xfrm>
             <a:off x="730000" y="1318650"/>
             <a:ext cx="3300900" cy="1687200"/>
@@ -5404,7 +4556,7 @@
           </a:prstGeom>
         </p:spPr>
         <p:txBody>
-          <a:bodyPr anchorCtr="0" anchor="t" bIns="91425" lIns="91425" spcFirstLastPara="1" rIns="91425" wrap="square" tIns="91425">
+          <a:bodyPr spcFirstLastPara="1" wrap="square" lIns="91425" tIns="91425" rIns="91425" bIns="91425" anchor="t" anchorCtr="0">
             <a:normAutofit/>
           </a:bodyPr>
           <a:lstStyle>
@@ -5508,7 +4660,12 @@
               <a:defRPr sz="2600"/>
             </a:lvl9pPr>
           </a:lstStyle>
-          <a:p/>
+          <a:p>
+            <a:pPr>
+              <a:defRPr/>
+            </a:pPr>
+            <a:endParaRPr/>
+          </a:p>
         </p:txBody>
       </p:sp>
       <p:sp>
@@ -5516,10 +4673,10 @@
           <p:cNvPr id="67" name="Google Shape;67;p9"/>
           <p:cNvSpPr txBox="1"/>
           <p:nvPr>
-            <p:ph idx="1" type="subTitle"/>
+            <p:ph type="subTitle" idx="1"/>
           </p:nvPr>
         </p:nvSpPr>
-        <p:spPr>
+        <p:spPr bwMode="auto">
           <a:xfrm>
             <a:off x="724950" y="3161525"/>
             <a:ext cx="3300900" cy="759000"/>
@@ -5529,7 +4686,7 @@
           </a:prstGeom>
         </p:spPr>
         <p:txBody>
-          <a:bodyPr anchorCtr="0" anchor="t" bIns="91425" lIns="91425" spcFirstLastPara="1" rIns="91425" wrap="square" tIns="91425">
+          <a:bodyPr spcFirstLastPara="1" wrap="square" lIns="91425" tIns="91425" rIns="91425" bIns="91425" anchor="t" anchorCtr="0">
             <a:normAutofit/>
           </a:bodyPr>
           <a:lstStyle>
@@ -5660,7 +4817,12 @@
               <a:defRPr sz="1600"/>
             </a:lvl9pPr>
           </a:lstStyle>
-          <a:p/>
+          <a:p>
+            <a:pPr>
+              <a:defRPr/>
+            </a:pPr>
+            <a:endParaRPr/>
+          </a:p>
         </p:txBody>
       </p:sp>
       <p:sp>
@@ -5668,10 +4830,10 @@
           <p:cNvPr id="68" name="Google Shape;68;p9"/>
           <p:cNvSpPr txBox="1"/>
           <p:nvPr>
-            <p:ph idx="2" type="body"/>
+            <p:ph type="body" idx="2"/>
           </p:nvPr>
         </p:nvSpPr>
-        <p:spPr>
+        <p:spPr bwMode="auto">
           <a:xfrm>
             <a:off x="5174225" y="1352625"/>
             <a:ext cx="3374400" cy="3025500"/>
@@ -5681,11 +4843,11 @@
           </a:prstGeom>
         </p:spPr>
         <p:txBody>
-          <a:bodyPr anchorCtr="0" anchor="t" bIns="91425" lIns="91425" spcFirstLastPara="1" rIns="91425" wrap="square" tIns="91425">
+          <a:bodyPr spcFirstLastPara="1" wrap="square" lIns="91425" tIns="91425" rIns="91425" bIns="91425" anchor="t" anchorCtr="0">
             <a:normAutofit/>
           </a:bodyPr>
           <a:lstStyle>
-            <a:lvl1pPr indent="-311150" lvl="0" marL="457200">
+            <a:lvl1pPr marL="457200" lvl="0" indent="-311150">
               <a:spcBef>
                 <a:spcPts val="0"/>
               </a:spcBef>
@@ -5696,7 +4858,7 @@
               <a:buChar char="●"/>
               <a:defRPr/>
             </a:lvl1pPr>
-            <a:lvl2pPr indent="-298450" lvl="1" marL="914400">
+            <a:lvl2pPr marL="914400" lvl="1" indent="-298450">
               <a:spcBef>
                 <a:spcPts val="0"/>
               </a:spcBef>
@@ -5707,7 +4869,7 @@
               <a:buChar char="○"/>
               <a:defRPr/>
             </a:lvl2pPr>
-            <a:lvl3pPr indent="-298450" lvl="2" marL="1371600">
+            <a:lvl3pPr marL="1371600" lvl="2" indent="-298450">
               <a:spcBef>
                 <a:spcPts val="0"/>
               </a:spcBef>
@@ -5718,7 +4880,7 @@
               <a:buChar char="■"/>
               <a:defRPr/>
             </a:lvl3pPr>
-            <a:lvl4pPr indent="-298450" lvl="3" marL="1828800">
+            <a:lvl4pPr marL="1828800" lvl="3" indent="-298450">
               <a:spcBef>
                 <a:spcPts val="0"/>
               </a:spcBef>
@@ -5729,7 +4891,7 @@
               <a:buChar char="●"/>
               <a:defRPr/>
             </a:lvl4pPr>
-            <a:lvl5pPr indent="-298450" lvl="4" marL="2286000">
+            <a:lvl5pPr marL="2286000" lvl="4" indent="-298450">
               <a:spcBef>
                 <a:spcPts val="0"/>
               </a:spcBef>
@@ -5740,7 +4902,7 @@
               <a:buChar char="○"/>
               <a:defRPr/>
             </a:lvl5pPr>
-            <a:lvl6pPr indent="-298450" lvl="5" marL="2743200">
+            <a:lvl6pPr marL="2743200" lvl="5" indent="-298450">
               <a:spcBef>
                 <a:spcPts val="0"/>
               </a:spcBef>
@@ -5751,7 +4913,7 @@
               <a:buChar char="■"/>
               <a:defRPr/>
             </a:lvl6pPr>
-            <a:lvl7pPr indent="-298450" lvl="6" marL="3200400">
+            <a:lvl7pPr marL="3200400" lvl="6" indent="-298450">
               <a:spcBef>
                 <a:spcPts val="0"/>
               </a:spcBef>
@@ -5762,7 +4924,7 @@
               <a:buChar char="●"/>
               <a:defRPr/>
             </a:lvl7pPr>
-            <a:lvl8pPr indent="-298450" lvl="7" marL="3657600">
+            <a:lvl8pPr marL="3657600" lvl="7" indent="-298450">
               <a:spcBef>
                 <a:spcPts val="0"/>
               </a:spcBef>
@@ -5773,7 +4935,7 @@
               <a:buChar char="○"/>
               <a:defRPr/>
             </a:lvl8pPr>
-            <a:lvl9pPr indent="-298450" lvl="8" marL="4114800">
+            <a:lvl9pPr marL="4114800" lvl="8" indent="-298450">
               <a:spcBef>
                 <a:spcPts val="0"/>
               </a:spcBef>
@@ -5785,7 +4947,12 @@
               <a:defRPr/>
             </a:lvl9pPr>
           </a:lstStyle>
-          <a:p/>
+          <a:p>
+            <a:pPr>
+              <a:defRPr/>
+            </a:pPr>
+            <a:endParaRPr/>
+          </a:p>
         </p:txBody>
       </p:sp>
       <p:sp>
@@ -5793,10 +4960,10 @@
           <p:cNvPr id="69" name="Google Shape;69;p9"/>
           <p:cNvSpPr txBox="1"/>
           <p:nvPr>
-            <p:ph idx="12" type="sldNum"/>
+            <p:ph type="sldNum" idx="12"/>
           </p:nvPr>
         </p:nvSpPr>
-        <p:spPr>
+        <p:spPr bwMode="auto">
           <a:xfrm>
             <a:off x="8536302" y="4749851"/>
             <a:ext cx="548700" cy="393600"/>
@@ -5806,7 +4973,7 @@
           </a:prstGeom>
         </p:spPr>
         <p:txBody>
-          <a:bodyPr anchorCtr="0" anchor="ctr" bIns="91425" lIns="91425" spcFirstLastPara="1" rIns="91425" wrap="square" tIns="91425">
+          <a:bodyPr spcFirstLastPara="1" wrap="square" lIns="91425" tIns="91425" rIns="91425" bIns="91425" anchor="ctr" anchorCtr="0">
             <a:normAutofit/>
           </a:bodyPr>
           <a:lstStyle>
@@ -5848,18 +5015,19 @@
             </a:lvl9pPr>
           </a:lstStyle>
           <a:p>
-            <a:pPr indent="0" lvl="0" marL="0" rtl="0" algn="r">
-              <a:spcBef>
-                <a:spcPts val="0"/>
-              </a:spcBef>
-              <a:spcAft>
-                <a:spcPts val="0"/>
-              </a:spcAft>
-              <a:buNone/>
+            <a:pPr marL="0" lvl="0" indent="0" algn="r">
+              <a:spcBef>
+                <a:spcPts val="0"/>
+              </a:spcBef>
+              <a:spcAft>
+                <a:spcPts val="0"/>
+              </a:spcAft>
+              <a:buNone/>
+              <a:defRPr/>
             </a:pPr>
             <a:fld id="{00000000-1234-1234-1234-123412341234}" type="slidenum">
               <a:rPr lang="en"/>
-              <a:t>‹#›</a:t>
+              <a:t/>
             </a:fld>
             <a:endParaRPr/>
           </a:p>
@@ -5874,15 +5042,15 @@
 </file>
 
 <file path=ppt/slideLayouts/slideLayout9.xml><?xml version="1.0" encoding="utf-8"?>
-<p:sldLayout xmlns:a="http://schemas.openxmlformats.org/drawingml/2006/main" xmlns:r="http://schemas.openxmlformats.org/officeDocument/2006/relationships" xmlns:mc="http://schemas.openxmlformats.org/markup-compatibility/2006" xmlns:mv="urn:schemas-microsoft-com:mac:vml" xmlns:p="http://schemas.openxmlformats.org/presentationml/2006/main" xmlns:c="http://schemas.openxmlformats.org/drawingml/2006/chart" xmlns:dgm="http://schemas.openxmlformats.org/drawingml/2006/diagram" xmlns:o="urn:schemas-microsoft-com:office:office" xmlns:v="urn:schemas-microsoft-com:vml" xmlns:pvml="urn:schemas-microsoft-com:office:powerpoint" xmlns:com="http://schemas.openxmlformats.org/drawingml/2006/compatibility" xmlns:p14="http://schemas.microsoft.com/office/powerpoint/2010/main" xmlns:p15="http://schemas.microsoft.com/office/powerpoint/2012/main" xmlns:ahyp="http://schemas.microsoft.com/office/drawing/2018/hyperlinkcolor" matchingName="Caption">
+<p:sldLayout xmlns:a="http://schemas.openxmlformats.org/drawingml/2006/main" xmlns:r="http://schemas.openxmlformats.org/officeDocument/2006/relationships" xmlns:p="http://schemas.openxmlformats.org/presentationml/2006/main" xmlns:m="http://schemas.openxmlformats.org/officeDocument/2006/math" xmlns:w="http://schemas.openxmlformats.org/wordprocessingml/2006/main" matchingName="Caption" preserve="0" showMasterPhAnim="0" userDrawn="1">
   <p:cSld name="CAPTION_ONLY">
     <p:spTree>
       <p:nvGrpSpPr>
-        <p:cNvPr id="70" name="Shape 70"/>
+        <p:cNvPr id="1" name=""/>
         <p:cNvGrpSpPr/>
         <p:nvPr/>
       </p:nvGrpSpPr>
-      <p:grpSpPr>
+      <p:grpSpPr bwMode="auto">
         <a:xfrm>
           <a:off x="0" y="0"/>
           <a:ext cx="0" cy="0"/>
@@ -5895,10 +5063,10 @@
           <p:cNvPr id="71" name="Google Shape;71;p10"/>
           <p:cNvSpPr txBox="1"/>
           <p:nvPr>
-            <p:ph idx="1" type="body"/>
+            <p:ph type="body" idx="1"/>
           </p:nvPr>
         </p:nvSpPr>
-        <p:spPr>
+        <p:spPr bwMode="auto">
           <a:xfrm>
             <a:off x="724950" y="4372551"/>
             <a:ext cx="7697400" cy="460500"/>
@@ -5908,11 +5076,11 @@
           </a:prstGeom>
         </p:spPr>
         <p:txBody>
-          <a:bodyPr anchorCtr="0" anchor="ctr" bIns="91425" lIns="91425" spcFirstLastPara="1" rIns="91425" wrap="square" tIns="91425">
+          <a:bodyPr spcFirstLastPara="1" wrap="square" lIns="91425" tIns="91425" rIns="91425" bIns="91425" anchor="ctr" anchorCtr="0">
             <a:normAutofit/>
           </a:bodyPr>
           <a:lstStyle>
-            <a:lvl1pPr indent="-228600" lvl="0" marL="457200">
+            <a:lvl1pPr marL="457200" lvl="0" indent="-228600">
               <a:lnSpc>
                 <a:spcPct val="100000"/>
               </a:lnSpc>
@@ -5927,7 +5095,12 @@
               <a:defRPr/>
             </a:lvl1pPr>
           </a:lstStyle>
-          <a:p/>
+          <a:p>
+            <a:pPr>
+              <a:defRPr/>
+            </a:pPr>
+            <a:endParaRPr/>
+          </a:p>
         </p:txBody>
       </p:sp>
       <p:sp>
@@ -5935,10 +5108,10 @@
           <p:cNvPr id="72" name="Google Shape;72;p10"/>
           <p:cNvSpPr txBox="1"/>
           <p:nvPr>
-            <p:ph idx="12" type="sldNum"/>
+            <p:ph type="sldNum" idx="12"/>
           </p:nvPr>
         </p:nvSpPr>
-        <p:spPr>
+        <p:spPr bwMode="auto">
           <a:xfrm>
             <a:off x="8536302" y="4749851"/>
             <a:ext cx="548700" cy="393600"/>
@@ -5948,7 +5121,7 @@
           </a:prstGeom>
         </p:spPr>
         <p:txBody>
-          <a:bodyPr anchorCtr="0" anchor="ctr" bIns="91425" lIns="91425" spcFirstLastPara="1" rIns="91425" wrap="square" tIns="91425">
+          <a:bodyPr spcFirstLastPara="1" wrap="square" lIns="91425" tIns="91425" rIns="91425" bIns="91425" anchor="ctr" anchorCtr="0">
             <a:normAutofit/>
           </a:bodyPr>
           <a:lstStyle>
@@ -5990,18 +5163,19 @@
             </a:lvl9pPr>
           </a:lstStyle>
           <a:p>
-            <a:pPr indent="0" lvl="0" marL="0" rtl="0" algn="r">
-              <a:spcBef>
-                <a:spcPts val="0"/>
-              </a:spcBef>
-              <a:spcAft>
-                <a:spcPts val="0"/>
-              </a:spcAft>
-              <a:buNone/>
+            <a:pPr marL="0" lvl="0" indent="0" algn="r">
+              <a:spcBef>
+                <a:spcPts val="0"/>
+              </a:spcBef>
+              <a:spcAft>
+                <a:spcPts val="0"/>
+              </a:spcAft>
+              <a:buNone/>
+              <a:defRPr/>
             </a:pPr>
             <a:fld id="{00000000-1234-1234-1234-123412341234}" type="slidenum">
               <a:rPr lang="en"/>
-              <a:t>‹#›</a:t>
+              <a:t/>
             </a:fld>
             <a:endParaRPr/>
           </a:p>
@@ -6016,10 +5190,10 @@
 </file>
 
 <file path=ppt/slideMasters/slideMaster1.xml><?xml version="1.0" encoding="utf-8"?>
-<p:sldMaster xmlns:a="http://schemas.openxmlformats.org/drawingml/2006/main" xmlns:r="http://schemas.openxmlformats.org/officeDocument/2006/relationships" xmlns:mc="http://schemas.openxmlformats.org/markup-compatibility/2006" xmlns:mv="urn:schemas-microsoft-com:mac:vml" xmlns:p="http://schemas.openxmlformats.org/presentationml/2006/main" xmlns:c="http://schemas.openxmlformats.org/drawingml/2006/chart" xmlns:dgm="http://schemas.openxmlformats.org/drawingml/2006/diagram" xmlns:o="urn:schemas-microsoft-com:office:office" xmlns:v="urn:schemas-microsoft-com:vml" xmlns:pvml="urn:schemas-microsoft-com:office:powerpoint" xmlns:com="http://schemas.openxmlformats.org/drawingml/2006/compatibility" xmlns:p14="http://schemas.microsoft.com/office/powerpoint/2010/main" xmlns:p15="http://schemas.microsoft.com/office/powerpoint/2012/main" xmlns:ahyp="http://schemas.microsoft.com/office/drawing/2018/hyperlinkcolor">
+<p:sldMaster xmlns:a="http://schemas.openxmlformats.org/drawingml/2006/main" xmlns:r="http://schemas.openxmlformats.org/officeDocument/2006/relationships" xmlns:p="http://schemas.openxmlformats.org/presentationml/2006/main" xmlns:m="http://schemas.openxmlformats.org/officeDocument/2006/math" xmlns:w="http://schemas.openxmlformats.org/wordprocessingml/2006/main" preserve="0">
   <p:cSld name="streamline">
     <p:bg>
-      <p:bgPr>
+      <p:bgPr shadeToTitle="0">
         <a:solidFill>
           <a:schemeClr val="lt1"/>
         </a:solidFill>
@@ -6027,11 +5201,11 @@
     </p:bg>
     <p:spTree>
       <p:nvGrpSpPr>
-        <p:cNvPr id="5" name="Shape 5"/>
+        <p:cNvPr id="1" name=""/>
         <p:cNvGrpSpPr/>
         <p:nvPr/>
       </p:nvGrpSpPr>
-      <p:grpSpPr>
+      <p:grpSpPr bwMode="auto">
         <a:xfrm>
           <a:off x="0" y="0"/>
           <a:ext cx="0" cy="0"/>
@@ -6047,7 +5221,7 @@
             <p:ph type="title"/>
           </p:nvPr>
         </p:nvSpPr>
-        <p:spPr>
+        <p:spPr bwMode="auto">
           <a:xfrm>
             <a:off x="311700" y="445025"/>
             <a:ext cx="8520600" cy="572700"/>
@@ -6061,7 +5235,7 @@
           </a:ln>
         </p:spPr>
         <p:txBody>
-          <a:bodyPr anchorCtr="0" anchor="t" bIns="91425" lIns="91425" spcFirstLastPara="1" rIns="91425" wrap="square" tIns="91425">
+          <a:bodyPr spcFirstLastPara="1" wrap="square" lIns="91425" tIns="91425" rIns="91425" bIns="91425" anchor="t" anchorCtr="0">
             <a:normAutofit/>
           </a:bodyPr>
           <a:lstStyle>
@@ -6078,14 +5252,13 @@
               <a:buSzPts val="2800"/>
               <a:buFont typeface="Raleway"/>
               <a:buNone/>
-              <a:defRPr b="1" sz="2800">
+              <a:defRPr sz="2800" b="1">
                 <a:solidFill>
                   <a:schemeClr val="dk2"/>
                 </a:solidFill>
                 <a:latin typeface="Raleway"/>
                 <a:ea typeface="Raleway"/>
                 <a:cs typeface="Raleway"/>
-                <a:sym typeface="Raleway"/>
               </a:defRPr>
             </a:lvl1pPr>
             <a:lvl2pPr lvl="1">
@@ -6101,14 +5274,13 @@
               <a:buSzPts val="2800"/>
               <a:buFont typeface="Raleway"/>
               <a:buNone/>
-              <a:defRPr b="1" sz="2800">
+              <a:defRPr sz="2800" b="1">
                 <a:solidFill>
                   <a:schemeClr val="dk2"/>
                 </a:solidFill>
                 <a:latin typeface="Raleway"/>
                 <a:ea typeface="Raleway"/>
                 <a:cs typeface="Raleway"/>
-                <a:sym typeface="Raleway"/>
               </a:defRPr>
             </a:lvl2pPr>
             <a:lvl3pPr lvl="2">
@@ -6124,14 +5296,13 @@
               <a:buSzPts val="2800"/>
               <a:buFont typeface="Raleway"/>
               <a:buNone/>
-              <a:defRPr b="1" sz="2800">
+              <a:defRPr sz="2800" b="1">
                 <a:solidFill>
                   <a:schemeClr val="dk2"/>
                 </a:solidFill>
                 <a:latin typeface="Raleway"/>
                 <a:ea typeface="Raleway"/>
                 <a:cs typeface="Raleway"/>
-                <a:sym typeface="Raleway"/>
               </a:defRPr>
             </a:lvl3pPr>
             <a:lvl4pPr lvl="3">
@@ -6147,14 +5318,13 @@
               <a:buSzPts val="2800"/>
               <a:buFont typeface="Raleway"/>
               <a:buNone/>
-              <a:defRPr b="1" sz="2800">
+              <a:defRPr sz="2800" b="1">
                 <a:solidFill>
                   <a:schemeClr val="dk2"/>
                 </a:solidFill>
                 <a:latin typeface="Raleway"/>
                 <a:ea typeface="Raleway"/>
                 <a:cs typeface="Raleway"/>
-                <a:sym typeface="Raleway"/>
               </a:defRPr>
             </a:lvl4pPr>
             <a:lvl5pPr lvl="4">
@@ -6170,14 +5340,13 @@
               <a:buSzPts val="2800"/>
               <a:buFont typeface="Raleway"/>
               <a:buNone/>
-              <a:defRPr b="1" sz="2800">
+              <a:defRPr sz="2800" b="1">
                 <a:solidFill>
                   <a:schemeClr val="dk2"/>
                 </a:solidFill>
                 <a:latin typeface="Raleway"/>
                 <a:ea typeface="Raleway"/>
                 <a:cs typeface="Raleway"/>
-                <a:sym typeface="Raleway"/>
               </a:defRPr>
             </a:lvl5pPr>
             <a:lvl6pPr lvl="5">
@@ -6193,14 +5362,13 @@
               <a:buSzPts val="2800"/>
               <a:buFont typeface="Raleway"/>
               <a:buNone/>
-              <a:defRPr b="1" sz="2800">
+              <a:defRPr sz="2800" b="1">
                 <a:solidFill>
                   <a:schemeClr val="dk2"/>
                 </a:solidFill>
                 <a:latin typeface="Raleway"/>
                 <a:ea typeface="Raleway"/>
                 <a:cs typeface="Raleway"/>
-                <a:sym typeface="Raleway"/>
               </a:defRPr>
             </a:lvl6pPr>
             <a:lvl7pPr lvl="6">
@@ -6216,14 +5384,13 @@
               <a:buSzPts val="2800"/>
               <a:buFont typeface="Raleway"/>
               <a:buNone/>
-              <a:defRPr b="1" sz="2800">
+              <a:defRPr sz="2800" b="1">
                 <a:solidFill>
                   <a:schemeClr val="dk2"/>
                 </a:solidFill>
                 <a:latin typeface="Raleway"/>
                 <a:ea typeface="Raleway"/>
                 <a:cs typeface="Raleway"/>
-                <a:sym typeface="Raleway"/>
               </a:defRPr>
             </a:lvl7pPr>
             <a:lvl8pPr lvl="7">
@@ -6239,14 +5406,13 @@
               <a:buSzPts val="2800"/>
               <a:buFont typeface="Raleway"/>
               <a:buNone/>
-              <a:defRPr b="1" sz="2800">
+              <a:defRPr sz="2800" b="1">
                 <a:solidFill>
                   <a:schemeClr val="dk2"/>
                 </a:solidFill>
                 <a:latin typeface="Raleway"/>
                 <a:ea typeface="Raleway"/>
                 <a:cs typeface="Raleway"/>
-                <a:sym typeface="Raleway"/>
               </a:defRPr>
             </a:lvl8pPr>
             <a:lvl9pPr lvl="8">
@@ -6262,18 +5428,22 @@
               <a:buSzPts val="2800"/>
               <a:buFont typeface="Raleway"/>
               <a:buNone/>
-              <a:defRPr b="1" sz="2800">
+              <a:defRPr sz="2800" b="1">
                 <a:solidFill>
                   <a:schemeClr val="dk2"/>
                 </a:solidFill>
                 <a:latin typeface="Raleway"/>
                 <a:ea typeface="Raleway"/>
                 <a:cs typeface="Raleway"/>
-                <a:sym typeface="Raleway"/>
               </a:defRPr>
             </a:lvl9pPr>
           </a:lstStyle>
-          <a:p/>
+          <a:p>
+            <a:pPr>
+              <a:defRPr/>
+            </a:pPr>
+            <a:endParaRPr/>
+          </a:p>
         </p:txBody>
       </p:sp>
       <p:sp>
@@ -6281,10 +5451,10 @@
           <p:cNvPr id="7" name="Google Shape;7;p1"/>
           <p:cNvSpPr txBox="1"/>
           <p:nvPr>
-            <p:ph idx="1" type="body"/>
+            <p:ph type="body" idx="1"/>
           </p:nvPr>
         </p:nvSpPr>
-        <p:spPr>
+        <p:spPr bwMode="auto">
           <a:xfrm>
             <a:off x="311700" y="1152475"/>
             <a:ext cx="8520600" cy="3416400"/>
@@ -6298,13 +5468,13 @@
           </a:ln>
         </p:spPr>
         <p:txBody>
-          <a:bodyPr anchorCtr="0" anchor="t" bIns="91425" lIns="91425" spcFirstLastPara="1" rIns="91425" wrap="square" tIns="91425">
+          <a:bodyPr spcFirstLastPara="1" wrap="square" lIns="91425" tIns="91425" rIns="91425" bIns="91425" anchor="t" anchorCtr="0">
             <a:normAutofit/>
           </a:bodyPr>
           <a:lstStyle>
-            <a:lvl1pPr indent="-311150" lvl="0" marL="457200">
+            <a:lvl1pPr marL="457200" lvl="0" indent="-311150">
               <a:lnSpc>
-                <a:spcPct val="115000"/>
+                <a:spcPct val="114999"/>
               </a:lnSpc>
               <a:spcBef>
                 <a:spcPts val="0"/>
@@ -6325,12 +5495,11 @@
                 <a:latin typeface="Lato"/>
                 <a:ea typeface="Lato"/>
                 <a:cs typeface="Lato"/>
-                <a:sym typeface="Lato"/>
               </a:defRPr>
             </a:lvl1pPr>
-            <a:lvl2pPr indent="-298450" lvl="1" marL="914400">
+            <a:lvl2pPr marL="914400" lvl="1" indent="-298450">
               <a:lnSpc>
-                <a:spcPct val="115000"/>
+                <a:spcPct val="114999"/>
               </a:lnSpc>
               <a:spcBef>
                 <a:spcPts val="0"/>
@@ -6351,12 +5520,11 @@
                 <a:latin typeface="Lato"/>
                 <a:ea typeface="Lato"/>
                 <a:cs typeface="Lato"/>
-                <a:sym typeface="Lato"/>
               </a:defRPr>
             </a:lvl2pPr>
-            <a:lvl3pPr indent="-298450" lvl="2" marL="1371600">
+            <a:lvl3pPr marL="1371600" lvl="2" indent="-298450">
               <a:lnSpc>
-                <a:spcPct val="115000"/>
+                <a:spcPct val="114999"/>
               </a:lnSpc>
               <a:spcBef>
                 <a:spcPts val="0"/>
@@ -6377,12 +5545,11 @@
                 <a:latin typeface="Lato"/>
                 <a:ea typeface="Lato"/>
                 <a:cs typeface="Lato"/>
-                <a:sym typeface="Lato"/>
               </a:defRPr>
             </a:lvl3pPr>
-            <a:lvl4pPr indent="-298450" lvl="3" marL="1828800">
+            <a:lvl4pPr marL="1828800" lvl="3" indent="-298450">
               <a:lnSpc>
-                <a:spcPct val="115000"/>
+                <a:spcPct val="114999"/>
               </a:lnSpc>
               <a:spcBef>
                 <a:spcPts val="0"/>
@@ -6403,12 +5570,11 @@
                 <a:latin typeface="Lato"/>
                 <a:ea typeface="Lato"/>
                 <a:cs typeface="Lato"/>
-                <a:sym typeface="Lato"/>
               </a:defRPr>
             </a:lvl4pPr>
-            <a:lvl5pPr indent="-298450" lvl="4" marL="2286000">
+            <a:lvl5pPr marL="2286000" lvl="4" indent="-298450">
               <a:lnSpc>
-                <a:spcPct val="115000"/>
+                <a:spcPct val="114999"/>
               </a:lnSpc>
               <a:spcBef>
                 <a:spcPts val="0"/>
@@ -6429,12 +5595,11 @@
                 <a:latin typeface="Lato"/>
                 <a:ea typeface="Lato"/>
                 <a:cs typeface="Lato"/>
-                <a:sym typeface="Lato"/>
               </a:defRPr>
             </a:lvl5pPr>
-            <a:lvl6pPr indent="-298450" lvl="5" marL="2743200">
+            <a:lvl6pPr marL="2743200" lvl="5" indent="-298450">
               <a:lnSpc>
-                <a:spcPct val="115000"/>
+                <a:spcPct val="114999"/>
               </a:lnSpc>
               <a:spcBef>
                 <a:spcPts val="0"/>
@@ -6455,12 +5620,11 @@
                 <a:latin typeface="Lato"/>
                 <a:ea typeface="Lato"/>
                 <a:cs typeface="Lato"/>
-                <a:sym typeface="Lato"/>
               </a:defRPr>
             </a:lvl6pPr>
-            <a:lvl7pPr indent="-298450" lvl="6" marL="3200400">
+            <a:lvl7pPr marL="3200400" lvl="6" indent="-298450">
               <a:lnSpc>
-                <a:spcPct val="115000"/>
+                <a:spcPct val="114999"/>
               </a:lnSpc>
               <a:spcBef>
                 <a:spcPts val="0"/>
@@ -6481,12 +5645,11 @@
                 <a:latin typeface="Lato"/>
                 <a:ea typeface="Lato"/>
                 <a:cs typeface="Lato"/>
-                <a:sym typeface="Lato"/>
               </a:defRPr>
             </a:lvl7pPr>
-            <a:lvl8pPr indent="-298450" lvl="7" marL="3657600">
+            <a:lvl8pPr marL="3657600" lvl="7" indent="-298450">
               <a:lnSpc>
-                <a:spcPct val="115000"/>
+                <a:spcPct val="114999"/>
               </a:lnSpc>
               <a:spcBef>
                 <a:spcPts val="0"/>
@@ -6507,12 +5670,11 @@
                 <a:latin typeface="Lato"/>
                 <a:ea typeface="Lato"/>
                 <a:cs typeface="Lato"/>
-                <a:sym typeface="Lato"/>
               </a:defRPr>
             </a:lvl8pPr>
-            <a:lvl9pPr indent="-298450" lvl="8" marL="4114800">
+            <a:lvl9pPr marL="4114800" lvl="8" indent="-298450">
               <a:lnSpc>
-                <a:spcPct val="115000"/>
+                <a:spcPct val="114999"/>
               </a:lnSpc>
               <a:spcBef>
                 <a:spcPts val="0"/>
@@ -6533,11 +5695,15 @@
                 <a:latin typeface="Lato"/>
                 <a:ea typeface="Lato"/>
                 <a:cs typeface="Lato"/>
-                <a:sym typeface="Lato"/>
               </a:defRPr>
             </a:lvl9pPr>
           </a:lstStyle>
-          <a:p/>
+          <a:p>
+            <a:pPr>
+              <a:defRPr/>
+            </a:pPr>
+            <a:endParaRPr/>
+          </a:p>
         </p:txBody>
       </p:sp>
       <p:sp>
@@ -6545,10 +5711,10 @@
           <p:cNvPr id="8" name="Google Shape;8;p1"/>
           <p:cNvSpPr txBox="1"/>
           <p:nvPr>
-            <p:ph idx="12" type="sldNum"/>
+            <p:ph type="sldNum" idx="12"/>
           </p:nvPr>
         </p:nvSpPr>
-        <p:spPr>
+        <p:spPr bwMode="auto">
           <a:xfrm>
             <a:off x="8536302" y="4749851"/>
             <a:ext cx="548700" cy="393600"/>
@@ -6562,7 +5728,7 @@
           </a:ln>
         </p:spPr>
         <p:txBody>
-          <a:bodyPr anchorCtr="0" anchor="ctr" bIns="91425" lIns="91425" spcFirstLastPara="1" rIns="91425" wrap="square" tIns="91425">
+          <a:bodyPr spcFirstLastPara="1" wrap="square" lIns="91425" tIns="91425" rIns="91425" bIns="91425" anchor="ctr" anchorCtr="0">
             <a:normAutofit/>
           </a:bodyPr>
           <a:lstStyle>
@@ -6575,7 +5741,6 @@
                 <a:latin typeface="Lato"/>
                 <a:ea typeface="Lato"/>
                 <a:cs typeface="Lato"/>
-                <a:sym typeface="Lato"/>
               </a:defRPr>
             </a:lvl1pPr>
             <a:lvl2pPr lvl="1" algn="r">
@@ -6587,7 +5752,6 @@
                 <a:latin typeface="Lato"/>
                 <a:ea typeface="Lato"/>
                 <a:cs typeface="Lato"/>
-                <a:sym typeface="Lato"/>
               </a:defRPr>
             </a:lvl2pPr>
             <a:lvl3pPr lvl="2" algn="r">
@@ -6599,7 +5763,6 @@
                 <a:latin typeface="Lato"/>
                 <a:ea typeface="Lato"/>
                 <a:cs typeface="Lato"/>
-                <a:sym typeface="Lato"/>
               </a:defRPr>
             </a:lvl3pPr>
             <a:lvl4pPr lvl="3" algn="r">
@@ -6611,7 +5774,6 @@
                 <a:latin typeface="Lato"/>
                 <a:ea typeface="Lato"/>
                 <a:cs typeface="Lato"/>
-                <a:sym typeface="Lato"/>
               </a:defRPr>
             </a:lvl4pPr>
             <a:lvl5pPr lvl="4" algn="r">
@@ -6623,7 +5785,6 @@
                 <a:latin typeface="Lato"/>
                 <a:ea typeface="Lato"/>
                 <a:cs typeface="Lato"/>
-                <a:sym typeface="Lato"/>
               </a:defRPr>
             </a:lvl5pPr>
             <a:lvl6pPr lvl="5" algn="r">
@@ -6635,7 +5796,6 @@
                 <a:latin typeface="Lato"/>
                 <a:ea typeface="Lato"/>
                 <a:cs typeface="Lato"/>
-                <a:sym typeface="Lato"/>
               </a:defRPr>
             </a:lvl6pPr>
             <a:lvl7pPr lvl="6" algn="r">
@@ -6647,7 +5807,6 @@
                 <a:latin typeface="Lato"/>
                 <a:ea typeface="Lato"/>
                 <a:cs typeface="Lato"/>
-                <a:sym typeface="Lato"/>
               </a:defRPr>
             </a:lvl7pPr>
             <a:lvl8pPr lvl="7" algn="r">
@@ -6659,7 +5818,6 @@
                 <a:latin typeface="Lato"/>
                 <a:ea typeface="Lato"/>
                 <a:cs typeface="Lato"/>
-                <a:sym typeface="Lato"/>
               </a:defRPr>
             </a:lvl8pPr>
             <a:lvl9pPr lvl="8" algn="r">
@@ -6671,23 +5829,23 @@
                 <a:latin typeface="Lato"/>
                 <a:ea typeface="Lato"/>
                 <a:cs typeface="Lato"/>
-                <a:sym typeface="Lato"/>
               </a:defRPr>
             </a:lvl9pPr>
           </a:lstStyle>
           <a:p>
-            <a:pPr indent="0" lvl="0" marL="0" rtl="0" algn="r">
-              <a:spcBef>
-                <a:spcPts val="0"/>
-              </a:spcBef>
-              <a:spcAft>
-                <a:spcPts val="0"/>
-              </a:spcAft>
-              <a:buNone/>
+            <a:pPr marL="0" lvl="0" indent="0" algn="r">
+              <a:spcBef>
+                <a:spcPts val="0"/>
+              </a:spcBef>
+              <a:spcAft>
+                <a:spcPts val="0"/>
+              </a:spcAft>
+              <a:buNone/>
+              <a:defRPr/>
             </a:pPr>
             <a:fld id="{00000000-1234-1234-1234-123412341234}" type="slidenum">
               <a:rPr lang="en"/>
-              <a:t>‹#›</a:t>
+              <a:t/>
             </a:fld>
             <a:endParaRPr/>
           </a:p>
@@ -6695,24 +5853,24 @@
       </p:sp>
     </p:spTree>
   </p:cSld>
-  <p:clrMap accent1="accent1" accent2="accent2" accent3="accent3" accent4="accent4" accent5="accent5" accent6="accent6" bg1="lt1" bg2="dk2" tx1="dk1" tx2="lt2" folHlink="folHlink" hlink="hlink"/>
+  <p:clrMap bg1="lt1" tx1="dk1" bg2="dk2" tx2="lt2" accent1="accent1" accent2="accent2" accent3="accent3" accent4="accent4" accent5="accent5" accent6="accent6" hlink="hlink" folHlink="folHlink"/>
   <p:sldLayoutIdLst>
-    <p:sldLayoutId id="2147483648" r:id="rId1"/>
-    <p:sldLayoutId id="2147483649" r:id="rId2"/>
-    <p:sldLayoutId id="2147483650" r:id="rId3"/>
-    <p:sldLayoutId id="2147483651" r:id="rId4"/>
-    <p:sldLayoutId id="2147483652" r:id="rId5"/>
-    <p:sldLayoutId id="2147483653" r:id="rId6"/>
-    <p:sldLayoutId id="2147483654" r:id="rId7"/>
-    <p:sldLayoutId id="2147483655" r:id="rId8"/>
-    <p:sldLayoutId id="2147483656" r:id="rId9"/>
-    <p:sldLayoutId id="2147483657" r:id="rId10"/>
-    <p:sldLayoutId id="2147483658" r:id="rId11"/>
+    <p:sldLayoutId id="2147483649" r:id="rId1"/>
+    <p:sldLayoutId id="2147483650" r:id="rId2"/>
+    <p:sldLayoutId id="2147483651" r:id="rId3"/>
+    <p:sldLayoutId id="2147483652" r:id="rId4"/>
+    <p:sldLayoutId id="2147483653" r:id="rId5"/>
+    <p:sldLayoutId id="2147483654" r:id="rId6"/>
+    <p:sldLayoutId id="2147483655" r:id="rId7"/>
+    <p:sldLayoutId id="2147483656" r:id="rId8"/>
+    <p:sldLayoutId id="2147483657" r:id="rId9"/>
+    <p:sldLayoutId id="2147483658" r:id="rId10"/>
+    <p:sldLayoutId id="2147483659" r:id="rId11"/>
   </p:sldLayoutIdLst>
   <p:hf dt="0" ftr="0" hdr="0" sldNum="0"/>
   <p:txStyles>
     <p:titleStyle>
-      <a:defPPr lvl="0" marR="0" rtl="0" algn="l">
+      <a:defPPr marR="0" lvl="0" algn="l">
         <a:lnSpc>
           <a:spcPct val="100000"/>
         </a:lnSpc>
@@ -6723,7 +5881,7 @@
           <a:spcPts val="0"/>
         </a:spcAft>
       </a:defPPr>
-      <a:lvl1pPr lvl="0" marR="0" rtl="0" algn="l">
+      <a:lvl1pPr marR="0" lvl="0" algn="l">
         <a:lnSpc>
           <a:spcPct val="100000"/>
         </a:lnSpc>
@@ -6737,17 +5895,16 @@
           <a:srgbClr val="000000"/>
         </a:buClr>
         <a:buFont typeface="Arial"/>
-        <a:defRPr b="0" i="0" sz="1400" u="none" cap="none" strike="noStrike">
+        <a:defRPr sz="1400" b="0" i="0" u="none" strike="noStrike" cap="none">
           <a:solidFill>
             <a:srgbClr val="000000"/>
           </a:solidFill>
           <a:latin typeface="Arial"/>
           <a:ea typeface="Arial"/>
           <a:cs typeface="Arial"/>
-          <a:sym typeface="Arial"/>
         </a:defRPr>
       </a:lvl1pPr>
-      <a:lvl2pPr lvl="1" marR="0" rtl="0" algn="l">
+      <a:lvl2pPr marR="0" lvl="1" algn="l">
         <a:lnSpc>
           <a:spcPct val="100000"/>
         </a:lnSpc>
@@ -6761,17 +5918,16 @@
           <a:srgbClr val="000000"/>
         </a:buClr>
         <a:buFont typeface="Arial"/>
-        <a:defRPr b="0" i="0" sz="1400" u="none" cap="none" strike="noStrike">
+        <a:defRPr sz="1400" b="0" i="0" u="none" strike="noStrike" cap="none">
           <a:solidFill>
             <a:srgbClr val="000000"/>
           </a:solidFill>
           <a:latin typeface="Arial"/>
           <a:ea typeface="Arial"/>
           <a:cs typeface="Arial"/>
-          <a:sym typeface="Arial"/>
         </a:defRPr>
       </a:lvl2pPr>
-      <a:lvl3pPr lvl="2" marR="0" rtl="0" algn="l">
+      <a:lvl3pPr marR="0" lvl="2" algn="l">
         <a:lnSpc>
           <a:spcPct val="100000"/>
         </a:lnSpc>
@@ -6785,17 +5941,16 @@
           <a:srgbClr val="000000"/>
         </a:buClr>
         <a:buFont typeface="Arial"/>
-        <a:defRPr b="0" i="0" sz="1400" u="none" cap="none" strike="noStrike">
+        <a:defRPr sz="1400" b="0" i="0" u="none" strike="noStrike" cap="none">
           <a:solidFill>
             <a:srgbClr val="000000"/>
           </a:solidFill>
           <a:latin typeface="Arial"/>
           <a:ea typeface="Arial"/>
           <a:cs typeface="Arial"/>
-          <a:sym typeface="Arial"/>
         </a:defRPr>
       </a:lvl3pPr>
-      <a:lvl4pPr lvl="3" marR="0" rtl="0" algn="l">
+      <a:lvl4pPr marR="0" lvl="3" algn="l">
         <a:lnSpc>
           <a:spcPct val="100000"/>
         </a:lnSpc>
@@ -6809,17 +5964,16 @@
           <a:srgbClr val="000000"/>
         </a:buClr>
         <a:buFont typeface="Arial"/>
-        <a:defRPr b="0" i="0" sz="1400" u="none" cap="none" strike="noStrike">
+        <a:defRPr sz="1400" b="0" i="0" u="none" strike="noStrike" cap="none">
           <a:solidFill>
             <a:srgbClr val="000000"/>
           </a:solidFill>
           <a:latin typeface="Arial"/>
           <a:ea typeface="Arial"/>
           <a:cs typeface="Arial"/>
-          <a:sym typeface="Arial"/>
         </a:defRPr>
       </a:lvl4pPr>
-      <a:lvl5pPr lvl="4" marR="0" rtl="0" algn="l">
+      <a:lvl5pPr marR="0" lvl="4" algn="l">
         <a:lnSpc>
           <a:spcPct val="100000"/>
         </a:lnSpc>
@@ -6833,17 +5987,16 @@
           <a:srgbClr val="000000"/>
         </a:buClr>
         <a:buFont typeface="Arial"/>
-        <a:defRPr b="0" i="0" sz="1400" u="none" cap="none" strike="noStrike">
+        <a:defRPr sz="1400" b="0" i="0" u="none" strike="noStrike" cap="none">
           <a:solidFill>
             <a:srgbClr val="000000"/>
           </a:solidFill>
           <a:latin typeface="Arial"/>
           <a:ea typeface="Arial"/>
           <a:cs typeface="Arial"/>
-          <a:sym typeface="Arial"/>
         </a:defRPr>
       </a:lvl5pPr>
-      <a:lvl6pPr lvl="5" marR="0" rtl="0" algn="l">
+      <a:lvl6pPr marR="0" lvl="5" algn="l">
         <a:lnSpc>
           <a:spcPct val="100000"/>
         </a:lnSpc>
@@ -6857,17 +6010,16 @@
           <a:srgbClr val="000000"/>
         </a:buClr>
         <a:buFont typeface="Arial"/>
-        <a:defRPr b="0" i="0" sz="1400" u="none" cap="none" strike="noStrike">
+        <a:defRPr sz="1400" b="0" i="0" u="none" strike="noStrike" cap="none">
           <a:solidFill>
             <a:srgbClr val="000000"/>
           </a:solidFill>
           <a:latin typeface="Arial"/>
           <a:ea typeface="Arial"/>
           <a:cs typeface="Arial"/>
-          <a:sym typeface="Arial"/>
         </a:defRPr>
       </a:lvl6pPr>
-      <a:lvl7pPr lvl="6" marR="0" rtl="0" algn="l">
+      <a:lvl7pPr marR="0" lvl="6" algn="l">
         <a:lnSpc>
           <a:spcPct val="100000"/>
         </a:lnSpc>
@@ -6881,17 +6033,16 @@
           <a:srgbClr val="000000"/>
         </a:buClr>
         <a:buFont typeface="Arial"/>
-        <a:defRPr b="0" i="0" sz="1400" u="none" cap="none" strike="noStrike">
+        <a:defRPr sz="1400" b="0" i="0" u="none" strike="noStrike" cap="none">
           <a:solidFill>
             <a:srgbClr val="000000"/>
           </a:solidFill>
           <a:latin typeface="Arial"/>
           <a:ea typeface="Arial"/>
           <a:cs typeface="Arial"/>
-          <a:sym typeface="Arial"/>
         </a:defRPr>
       </a:lvl7pPr>
-      <a:lvl8pPr lvl="7" marR="0" rtl="0" algn="l">
+      <a:lvl8pPr marR="0" lvl="7" algn="l">
         <a:lnSpc>
           <a:spcPct val="100000"/>
         </a:lnSpc>
@@ -6905,17 +6056,16 @@
           <a:srgbClr val="000000"/>
         </a:buClr>
         <a:buFont typeface="Arial"/>
-        <a:defRPr b="0" i="0" sz="1400" u="none" cap="none" strike="noStrike">
+        <a:defRPr sz="1400" b="0" i="0" u="none" strike="noStrike" cap="none">
           <a:solidFill>
             <a:srgbClr val="000000"/>
           </a:solidFill>
           <a:latin typeface="Arial"/>
           <a:ea typeface="Arial"/>
           <a:cs typeface="Arial"/>
-          <a:sym typeface="Arial"/>
         </a:defRPr>
       </a:lvl8pPr>
-      <a:lvl9pPr lvl="8" marR="0" rtl="0" algn="l">
+      <a:lvl9pPr marR="0" lvl="8" algn="l">
         <a:lnSpc>
           <a:spcPct val="100000"/>
         </a:lnSpc>
@@ -6929,19 +6079,18 @@
           <a:srgbClr val="000000"/>
         </a:buClr>
         <a:buFont typeface="Arial"/>
-        <a:defRPr b="0" i="0" sz="1400" u="none" cap="none" strike="noStrike">
+        <a:defRPr sz="1400" b="0" i="0" u="none" strike="noStrike" cap="none">
           <a:solidFill>
             <a:srgbClr val="000000"/>
           </a:solidFill>
           <a:latin typeface="Arial"/>
           <a:ea typeface="Arial"/>
           <a:cs typeface="Arial"/>
-          <a:sym typeface="Arial"/>
         </a:defRPr>
       </a:lvl9pPr>
     </p:titleStyle>
     <p:bodyStyle>
-      <a:defPPr lvl="0" marR="0" rtl="0" algn="l">
+      <a:defPPr marR="0" lvl="0" algn="l">
         <a:lnSpc>
           <a:spcPct val="100000"/>
         </a:lnSpc>
@@ -6952,7 +6101,7 @@
           <a:spcPts val="0"/>
         </a:spcAft>
       </a:defPPr>
-      <a:lvl1pPr lvl="0" marR="0" rtl="0" algn="l">
+      <a:lvl1pPr marR="0" lvl="0" algn="l">
         <a:lnSpc>
           <a:spcPct val="100000"/>
         </a:lnSpc>
@@ -6966,17 +6115,16 @@
           <a:srgbClr val="000000"/>
         </a:buClr>
         <a:buFont typeface="Arial"/>
-        <a:defRPr b="0" i="0" sz="1400" u="none" cap="none" strike="noStrike">
+        <a:defRPr sz="1400" b="0" i="0" u="none" strike="noStrike" cap="none">
           <a:solidFill>
             <a:srgbClr val="000000"/>
           </a:solidFill>
           <a:latin typeface="Arial"/>
           <a:ea typeface="Arial"/>
           <a:cs typeface="Arial"/>
-          <a:sym typeface="Arial"/>
         </a:defRPr>
       </a:lvl1pPr>
-      <a:lvl2pPr lvl="1" marR="0" rtl="0" algn="l">
+      <a:lvl2pPr marR="0" lvl="1" algn="l">
         <a:lnSpc>
           <a:spcPct val="100000"/>
         </a:lnSpc>
@@ -6990,17 +6138,16 @@
           <a:srgbClr val="000000"/>
         </a:buClr>
         <a:buFont typeface="Arial"/>
-        <a:defRPr b="0" i="0" sz="1400" u="none" cap="none" strike="noStrike">
+        <a:defRPr sz="1400" b="0" i="0" u="none" strike="noStrike" cap="none">
           <a:solidFill>
             <a:srgbClr val="000000"/>
           </a:solidFill>
           <a:latin typeface="Arial"/>
           <a:ea typeface="Arial"/>
           <a:cs typeface="Arial"/>
-          <a:sym typeface="Arial"/>
         </a:defRPr>
       </a:lvl2pPr>
-      <a:lvl3pPr lvl="2" marR="0" rtl="0" algn="l">
+      <a:lvl3pPr marR="0" lvl="2" algn="l">
         <a:lnSpc>
           <a:spcPct val="100000"/>
         </a:lnSpc>
@@ -7014,17 +6161,16 @@
           <a:srgbClr val="000000"/>
         </a:buClr>
         <a:buFont typeface="Arial"/>
-        <a:defRPr b="0" i="0" sz="1400" u="none" cap="none" strike="noStrike">
+        <a:defRPr sz="1400" b="0" i="0" u="none" strike="noStrike" cap="none">
           <a:solidFill>
             <a:srgbClr val="000000"/>
           </a:solidFill>
           <a:latin typeface="Arial"/>
           <a:ea typeface="Arial"/>
           <a:cs typeface="Arial"/>
-          <a:sym typeface="Arial"/>
         </a:defRPr>
       </a:lvl3pPr>
-      <a:lvl4pPr lvl="3" marR="0" rtl="0" algn="l">
+      <a:lvl4pPr marR="0" lvl="3" algn="l">
         <a:lnSpc>
           <a:spcPct val="100000"/>
         </a:lnSpc>
@@ -7038,17 +6184,16 @@
           <a:srgbClr val="000000"/>
         </a:buClr>
         <a:buFont typeface="Arial"/>
-        <a:defRPr b="0" i="0" sz="1400" u="none" cap="none" strike="noStrike">
+        <a:defRPr sz="1400" b="0" i="0" u="none" strike="noStrike" cap="none">
           <a:solidFill>
             <a:srgbClr val="000000"/>
           </a:solidFill>
           <a:latin typeface="Arial"/>
           <a:ea typeface="Arial"/>
           <a:cs typeface="Arial"/>
-          <a:sym typeface="Arial"/>
         </a:defRPr>
       </a:lvl4pPr>
-      <a:lvl5pPr lvl="4" marR="0" rtl="0" algn="l">
+      <a:lvl5pPr marR="0" lvl="4" algn="l">
         <a:lnSpc>
           <a:spcPct val="100000"/>
         </a:lnSpc>
@@ -7062,17 +6207,16 @@
           <a:srgbClr val="000000"/>
         </a:buClr>
         <a:buFont typeface="Arial"/>
-        <a:defRPr b="0" i="0" sz="1400" u="none" cap="none" strike="noStrike">
+        <a:defRPr sz="1400" b="0" i="0" u="none" strike="noStrike" cap="none">
           <a:solidFill>
             <a:srgbClr val="000000"/>
           </a:solidFill>
           <a:latin typeface="Arial"/>
           <a:ea typeface="Arial"/>
           <a:cs typeface="Arial"/>
-          <a:sym typeface="Arial"/>
         </a:defRPr>
       </a:lvl5pPr>
-      <a:lvl6pPr lvl="5" marR="0" rtl="0" algn="l">
+      <a:lvl6pPr marR="0" lvl="5" algn="l">
         <a:lnSpc>
           <a:spcPct val="100000"/>
         </a:lnSpc>
@@ -7086,17 +6230,16 @@
           <a:srgbClr val="000000"/>
         </a:buClr>
         <a:buFont typeface="Arial"/>
-        <a:defRPr b="0" i="0" sz="1400" u="none" cap="none" strike="noStrike">
+        <a:defRPr sz="1400" b="0" i="0" u="none" strike="noStrike" cap="none">
           <a:solidFill>
             <a:srgbClr val="000000"/>
           </a:solidFill>
           <a:latin typeface="Arial"/>
           <a:ea typeface="Arial"/>
           <a:cs typeface="Arial"/>
-          <a:sym typeface="Arial"/>
         </a:defRPr>
       </a:lvl6pPr>
-      <a:lvl7pPr lvl="6" marR="0" rtl="0" algn="l">
+      <a:lvl7pPr marR="0" lvl="6" algn="l">
         <a:lnSpc>
           <a:spcPct val="100000"/>
         </a:lnSpc>
@@ -7110,17 +6253,16 @@
           <a:srgbClr val="000000"/>
         </a:buClr>
         <a:buFont typeface="Arial"/>
-        <a:defRPr b="0" i="0" sz="1400" u="none" cap="none" strike="noStrike">
+        <a:defRPr sz="1400" b="0" i="0" u="none" strike="noStrike" cap="none">
           <a:solidFill>
             <a:srgbClr val="000000"/>
           </a:solidFill>
           <a:latin typeface="Arial"/>
           <a:ea typeface="Arial"/>
           <a:cs typeface="Arial"/>
-          <a:sym typeface="Arial"/>
         </a:defRPr>
       </a:lvl7pPr>
-      <a:lvl8pPr lvl="7" marR="0" rtl="0" algn="l">
+      <a:lvl8pPr marR="0" lvl="7" algn="l">
         <a:lnSpc>
           <a:spcPct val="100000"/>
         </a:lnSpc>
@@ -7134,17 +6276,16 @@
           <a:srgbClr val="000000"/>
         </a:buClr>
         <a:buFont typeface="Arial"/>
-        <a:defRPr b="0" i="0" sz="1400" u="none" cap="none" strike="noStrike">
+        <a:defRPr sz="1400" b="0" i="0" u="none" strike="noStrike" cap="none">
           <a:solidFill>
             <a:srgbClr val="000000"/>
           </a:solidFill>
           <a:latin typeface="Arial"/>
           <a:ea typeface="Arial"/>
           <a:cs typeface="Arial"/>
-          <a:sym typeface="Arial"/>
         </a:defRPr>
       </a:lvl8pPr>
-      <a:lvl9pPr lvl="8" marR="0" rtl="0" algn="l">
+      <a:lvl9pPr marR="0" lvl="8" algn="l">
         <a:lnSpc>
           <a:spcPct val="100000"/>
         </a:lnSpc>
@@ -7158,19 +6299,18 @@
           <a:srgbClr val="000000"/>
         </a:buClr>
         <a:buFont typeface="Arial"/>
-        <a:defRPr b="0" i="0" sz="1400" u="none" cap="none" strike="noStrike">
+        <a:defRPr sz="1400" b="0" i="0" u="none" strike="noStrike" cap="none">
           <a:solidFill>
             <a:srgbClr val="000000"/>
           </a:solidFill>
           <a:latin typeface="Arial"/>
           <a:ea typeface="Arial"/>
           <a:cs typeface="Arial"/>
-          <a:sym typeface="Arial"/>
         </a:defRPr>
       </a:lvl9pPr>
     </p:bodyStyle>
     <p:otherStyle>
-      <a:defPPr lvl="0" marR="0" rtl="0" algn="l">
+      <a:defPPr marR="0" lvl="0" algn="l">
         <a:lnSpc>
           <a:spcPct val="100000"/>
         </a:lnSpc>
@@ -7181,7 +6321,7 @@
           <a:spcPts val="0"/>
         </a:spcAft>
       </a:defPPr>
-      <a:lvl1pPr lvl="0" marR="0" rtl="0" algn="l">
+      <a:lvl1pPr marR="0" lvl="0" algn="l">
         <a:lnSpc>
           <a:spcPct val="100000"/>
         </a:lnSpc>
@@ -7195,17 +6335,16 @@
           <a:srgbClr val="000000"/>
         </a:buClr>
         <a:buFont typeface="Arial"/>
-        <a:defRPr b="0" i="0" sz="1400" u="none" cap="none" strike="noStrike">
+        <a:defRPr sz="1400" b="0" i="0" u="none" strike="noStrike" cap="none">
           <a:solidFill>
             <a:srgbClr val="000000"/>
           </a:solidFill>
           <a:latin typeface="Arial"/>
           <a:ea typeface="Arial"/>
           <a:cs typeface="Arial"/>
-          <a:sym typeface="Arial"/>
         </a:defRPr>
       </a:lvl1pPr>
-      <a:lvl2pPr lvl="1" marR="0" rtl="0" algn="l">
+      <a:lvl2pPr marR="0" lvl="1" algn="l">
         <a:lnSpc>
           <a:spcPct val="100000"/>
         </a:lnSpc>
@@ -7219,17 +6358,16 @@
           <a:srgbClr val="000000"/>
         </a:buClr>
         <a:buFont typeface="Arial"/>
-        <a:defRPr b="0" i="0" sz="1400" u="none" cap="none" strike="noStrike">
+        <a:defRPr sz="1400" b="0" i="0" u="none" strike="noStrike" cap="none">
           <a:solidFill>
             <a:srgbClr val="000000"/>
           </a:solidFill>
           <a:latin typeface="Arial"/>
           <a:ea typeface="Arial"/>
           <a:cs typeface="Arial"/>
-          <a:sym typeface="Arial"/>
         </a:defRPr>
       </a:lvl2pPr>
-      <a:lvl3pPr lvl="2" marR="0" rtl="0" algn="l">
+      <a:lvl3pPr marR="0" lvl="2" algn="l">
         <a:lnSpc>
           <a:spcPct val="100000"/>
         </a:lnSpc>
@@ -7243,17 +6381,16 @@
           <a:srgbClr val="000000"/>
         </a:buClr>
         <a:buFont typeface="Arial"/>
-        <a:defRPr b="0" i="0" sz="1400" u="none" cap="none" strike="noStrike">
+        <a:defRPr sz="1400" b="0" i="0" u="none" strike="noStrike" cap="none">
           <a:solidFill>
             <a:srgbClr val="000000"/>
           </a:solidFill>
           <a:latin typeface="Arial"/>
           <a:ea typeface="Arial"/>
           <a:cs typeface="Arial"/>
-          <a:sym typeface="Arial"/>
         </a:defRPr>
       </a:lvl3pPr>
-      <a:lvl4pPr lvl="3" marR="0" rtl="0" algn="l">
+      <a:lvl4pPr marR="0" lvl="3" algn="l">
         <a:lnSpc>
           <a:spcPct val="100000"/>
         </a:lnSpc>
@@ -7267,17 +6404,16 @@
           <a:srgbClr val="000000"/>
         </a:buClr>
         <a:buFont typeface="Arial"/>
-        <a:defRPr b="0" i="0" sz="1400" u="none" cap="none" strike="noStrike">
+        <a:defRPr sz="1400" b="0" i="0" u="none" strike="noStrike" cap="none">
           <a:solidFill>
             <a:srgbClr val="000000"/>
           </a:solidFill>
           <a:latin typeface="Arial"/>
           <a:ea typeface="Arial"/>
           <a:cs typeface="Arial"/>
-          <a:sym typeface="Arial"/>
         </a:defRPr>
       </a:lvl4pPr>
-      <a:lvl5pPr lvl="4" marR="0" rtl="0" algn="l">
+      <a:lvl5pPr marR="0" lvl="4" algn="l">
         <a:lnSpc>
           <a:spcPct val="100000"/>
         </a:lnSpc>
@@ -7291,17 +6427,16 @@
           <a:srgbClr val="000000"/>
         </a:buClr>
         <a:buFont typeface="Arial"/>
-        <a:defRPr b="0" i="0" sz="1400" u="none" cap="none" strike="noStrike">
+        <a:defRPr sz="1400" b="0" i="0" u="none" strike="noStrike" cap="none">
           <a:solidFill>
             <a:srgbClr val="000000"/>
           </a:solidFill>
           <a:latin typeface="Arial"/>
           <a:ea typeface="Arial"/>
           <a:cs typeface="Arial"/>
-          <a:sym typeface="Arial"/>
         </a:defRPr>
       </a:lvl5pPr>
-      <a:lvl6pPr lvl="5" marR="0" rtl="0" algn="l">
+      <a:lvl6pPr marR="0" lvl="5" algn="l">
         <a:lnSpc>
           <a:spcPct val="100000"/>
         </a:lnSpc>
@@ -7315,17 +6450,16 @@
           <a:srgbClr val="000000"/>
         </a:buClr>
         <a:buFont typeface="Arial"/>
-        <a:defRPr b="0" i="0" sz="1400" u="none" cap="none" strike="noStrike">
+        <a:defRPr sz="1400" b="0" i="0" u="none" strike="noStrike" cap="none">
           <a:solidFill>
             <a:srgbClr val="000000"/>
           </a:solidFill>
           <a:latin typeface="Arial"/>
           <a:ea typeface="Arial"/>
           <a:cs typeface="Arial"/>
-          <a:sym typeface="Arial"/>
         </a:defRPr>
       </a:lvl6pPr>
-      <a:lvl7pPr lvl="6" marR="0" rtl="0" algn="l">
+      <a:lvl7pPr marR="0" lvl="6" algn="l">
         <a:lnSpc>
           <a:spcPct val="100000"/>
         </a:lnSpc>
@@ -7339,17 +6473,16 @@
           <a:srgbClr val="000000"/>
         </a:buClr>
         <a:buFont typeface="Arial"/>
-        <a:defRPr b="0" i="0" sz="1400" u="none" cap="none" strike="noStrike">
+        <a:defRPr sz="1400" b="0" i="0" u="none" strike="noStrike" cap="none">
           <a:solidFill>
             <a:srgbClr val="000000"/>
           </a:solidFill>
           <a:latin typeface="Arial"/>
           <a:ea typeface="Arial"/>
           <a:cs typeface="Arial"/>
-          <a:sym typeface="Arial"/>
         </a:defRPr>
       </a:lvl7pPr>
-      <a:lvl8pPr lvl="7" marR="0" rtl="0" algn="l">
+      <a:lvl8pPr marR="0" lvl="7" algn="l">
         <a:lnSpc>
           <a:spcPct val="100000"/>
         </a:lnSpc>
@@ -7363,17 +6496,16 @@
           <a:srgbClr val="000000"/>
         </a:buClr>
         <a:buFont typeface="Arial"/>
-        <a:defRPr b="0" i="0" sz="1400" u="none" cap="none" strike="noStrike">
+        <a:defRPr sz="1400" b="0" i="0" u="none" strike="noStrike" cap="none">
           <a:solidFill>
             <a:srgbClr val="000000"/>
           </a:solidFill>
           <a:latin typeface="Arial"/>
           <a:ea typeface="Arial"/>
           <a:cs typeface="Arial"/>
-          <a:sym typeface="Arial"/>
         </a:defRPr>
       </a:lvl8pPr>
-      <a:lvl9pPr lvl="8" marR="0" rtl="0" algn="l">
+      <a:lvl9pPr marR="0" lvl="8" algn="l">
         <a:lnSpc>
           <a:spcPct val="100000"/>
         </a:lnSpc>
@@ -7387,14 +6519,13 @@
           <a:srgbClr val="000000"/>
         </a:buClr>
         <a:buFont typeface="Arial"/>
-        <a:defRPr b="0" i="0" sz="1400" u="none" cap="none" strike="noStrike">
+        <a:defRPr sz="1400" b="0" i="0" u="none" strike="noStrike" cap="none">
           <a:solidFill>
             <a:srgbClr val="000000"/>
           </a:solidFill>
           <a:latin typeface="Arial"/>
           <a:ea typeface="Arial"/>
           <a:cs typeface="Arial"/>
-          <a:sym typeface="Arial"/>
         </a:defRPr>
       </a:lvl9pPr>
     </p:otherStyle>
@@ -7403,15 +6534,15 @@
 </file>
 
 <file path=ppt/slides/slide1.xml><?xml version="1.0" encoding="utf-8"?>
-<p:sld xmlns:a="http://schemas.openxmlformats.org/drawingml/2006/main" xmlns:r="http://schemas.openxmlformats.org/officeDocument/2006/relationships" xmlns:mc="http://schemas.openxmlformats.org/markup-compatibility/2006" xmlns:mv="urn:schemas-microsoft-com:mac:vml" xmlns:p="http://schemas.openxmlformats.org/presentationml/2006/main" xmlns:c="http://schemas.openxmlformats.org/drawingml/2006/chart" xmlns:dgm="http://schemas.openxmlformats.org/drawingml/2006/diagram" xmlns:o="urn:schemas-microsoft-com:office:office" xmlns:v="urn:schemas-microsoft-com:vml" xmlns:pvml="urn:schemas-microsoft-com:office:powerpoint" xmlns:com="http://schemas.openxmlformats.org/drawingml/2006/compatibility" xmlns:p14="http://schemas.microsoft.com/office/powerpoint/2010/main" xmlns:p15="http://schemas.microsoft.com/office/powerpoint/2012/main" xmlns:ahyp="http://schemas.microsoft.com/office/drawing/2018/hyperlinkcolor">
-  <p:cSld>
+<p:sld xmlns:a="http://schemas.openxmlformats.org/drawingml/2006/main" xmlns:r="http://schemas.openxmlformats.org/officeDocument/2006/relationships" xmlns:p="http://schemas.openxmlformats.org/presentationml/2006/main" xmlns:m="http://schemas.openxmlformats.org/officeDocument/2006/math" xmlns:w="http://schemas.openxmlformats.org/wordprocessingml/2006/main" showMasterPhAnim="0" show="1">
+  <p:cSld name="">
     <p:spTree>
       <p:nvGrpSpPr>
-        <p:cNvPr id="85" name="Shape 85"/>
+        <p:cNvPr id="1" name=""/>
         <p:cNvGrpSpPr/>
         <p:nvPr/>
       </p:nvGrpSpPr>
-      <p:grpSpPr>
+      <p:grpSpPr bwMode="auto">
         <a:xfrm>
           <a:off x="0" y="0"/>
           <a:ext cx="0" cy="0"/>
@@ -7427,7 +6558,7 @@
             <p:ph type="ctrTitle"/>
           </p:nvPr>
         </p:nvSpPr>
-        <p:spPr>
+        <p:spPr bwMode="auto">
           <a:xfrm>
             <a:off x="729450" y="1322450"/>
             <a:ext cx="7688100" cy="1664700"/>
@@ -7437,19 +6568,20 @@
           </a:prstGeom>
         </p:spPr>
         <p:txBody>
-          <a:bodyPr anchorCtr="0" anchor="t" bIns="91425" lIns="91425" spcFirstLastPara="1" rIns="91425" wrap="square" tIns="91425">
+          <a:bodyPr spcFirstLastPara="1" wrap="square" lIns="91425" tIns="91425" rIns="91425" bIns="91425" anchor="t" anchorCtr="0">
             <a:normAutofit/>
           </a:bodyPr>
           <a:lstStyle/>
           <a:p>
-            <a:pPr indent="0" lvl="0" marL="0" rtl="0" algn="l">
-              <a:spcBef>
-                <a:spcPts val="0"/>
-              </a:spcBef>
-              <a:spcAft>
-                <a:spcPts val="0"/>
-              </a:spcAft>
-              <a:buNone/>
+            <a:pPr marL="0" lvl="0" indent="0" algn="l">
+              <a:spcBef>
+                <a:spcPts val="0"/>
+              </a:spcBef>
+              <a:spcAft>
+                <a:spcPts val="0"/>
+              </a:spcAft>
+              <a:buNone/>
+              <a:defRPr/>
             </a:pPr>
             <a:r>
               <a:rPr lang="en"/>
@@ -7464,10 +6596,10 @@
           <p:cNvPr id="87" name="Google Shape;87;p13"/>
           <p:cNvSpPr txBox="1"/>
           <p:nvPr>
-            <p:ph idx="1" type="subTitle"/>
+            <p:ph type="subTitle" idx="1"/>
           </p:nvPr>
         </p:nvSpPr>
-        <p:spPr>
+        <p:spPr bwMode="auto">
           <a:xfrm>
             <a:off x="729627" y="3172900"/>
             <a:ext cx="7688100" cy="541200"/>
@@ -7477,26 +6609,26 @@
           </a:prstGeom>
         </p:spPr>
         <p:txBody>
-          <a:bodyPr anchorCtr="0" anchor="t" bIns="91425" lIns="91425" spcFirstLastPara="1" rIns="91425" wrap="square" tIns="91425">
+          <a:bodyPr spcFirstLastPara="1" wrap="square" lIns="91425" tIns="91425" rIns="91425" bIns="91425" anchor="t" anchorCtr="0">
             <a:normAutofit/>
           </a:bodyPr>
           <a:lstStyle/>
           <a:p>
-            <a:pPr indent="0" lvl="0" marL="0" rtl="0" algn="l">
-              <a:spcBef>
-                <a:spcPts val="0"/>
-              </a:spcBef>
-              <a:spcAft>
-                <a:spcPts val="0"/>
-              </a:spcAft>
-              <a:buNone/>
+            <a:pPr marL="0" lvl="0" indent="0" algn="l">
+              <a:spcBef>
+                <a:spcPts val="0"/>
+              </a:spcBef>
+              <a:spcAft>
+                <a:spcPts val="0"/>
+              </a:spcAft>
+              <a:buNone/>
+              <a:defRPr/>
             </a:pPr>
             <a:r>
               <a:rPr lang="en">
                 <a:latin typeface="Raleway Medium"/>
                 <a:ea typeface="Raleway Medium"/>
                 <a:cs typeface="Raleway Medium"/>
-                <a:sym typeface="Raleway Medium"/>
               </a:rPr>
               <a:t>Колеров Роман</a:t>
             </a:r>
@@ -7504,7 +6636,6 @@
               <a:latin typeface="Raleway Medium"/>
               <a:ea typeface="Raleway Medium"/>
               <a:cs typeface="Raleway Medium"/>
-              <a:sym typeface="Raleway Medium"/>
             </a:endParaRPr>
           </a:p>
         </p:txBody>
@@ -7514,19 +6645,27 @@
   <p:clrMapOvr>
     <a:masterClrMapping/>
   </p:clrMapOvr>
+  <mc:AlternateContent xmlns:mc="http://schemas.openxmlformats.org/markup-compatibility/2006">
+    <mc:Choice xmlns:p14="http://schemas.microsoft.com/office/powerpoint/2010/main" Requires="p14">
+      <p:transition p14:dur="2000" advClick="1"/>
+    </mc:Choice>
+    <mc:Fallback>
+      <p:transition advClick="1"/>
+    </mc:Fallback>
+  </mc:AlternateContent>
 </p:sld>
 </file>
 
 <file path=ppt/slides/slide2.xml><?xml version="1.0" encoding="utf-8"?>
-<p:sld xmlns:a="http://schemas.openxmlformats.org/drawingml/2006/main" xmlns:r="http://schemas.openxmlformats.org/officeDocument/2006/relationships" xmlns:mc="http://schemas.openxmlformats.org/markup-compatibility/2006" xmlns:mv="urn:schemas-microsoft-com:mac:vml" xmlns:p="http://schemas.openxmlformats.org/presentationml/2006/main" xmlns:c="http://schemas.openxmlformats.org/drawingml/2006/chart" xmlns:dgm="http://schemas.openxmlformats.org/drawingml/2006/diagram" xmlns:o="urn:schemas-microsoft-com:office:office" xmlns:v="urn:schemas-microsoft-com:vml" xmlns:pvml="urn:schemas-microsoft-com:office:powerpoint" xmlns:com="http://schemas.openxmlformats.org/drawingml/2006/compatibility" xmlns:p14="http://schemas.microsoft.com/office/powerpoint/2010/main" xmlns:p15="http://schemas.microsoft.com/office/powerpoint/2012/main" xmlns:ahyp="http://schemas.microsoft.com/office/drawing/2018/hyperlinkcolor">
-  <p:cSld>
+<p:sld xmlns:a="http://schemas.openxmlformats.org/drawingml/2006/main" xmlns:r="http://schemas.openxmlformats.org/officeDocument/2006/relationships" xmlns:p="http://schemas.openxmlformats.org/presentationml/2006/main" xmlns:m="http://schemas.openxmlformats.org/officeDocument/2006/math" xmlns:w="http://schemas.openxmlformats.org/wordprocessingml/2006/main" showMasterPhAnim="0" show="1">
+  <p:cSld name="">
     <p:spTree>
       <p:nvGrpSpPr>
-        <p:cNvPr id="91" name="Shape 91"/>
+        <p:cNvPr id="1" name=""/>
         <p:cNvGrpSpPr/>
         <p:nvPr/>
       </p:nvGrpSpPr>
-      <p:grpSpPr>
+      <p:grpSpPr bwMode="auto">
         <a:xfrm>
           <a:off x="0" y="0"/>
           <a:ext cx="0" cy="0"/>
@@ -7542,7 +6681,7 @@
             <p:ph type="title"/>
           </p:nvPr>
         </p:nvSpPr>
-        <p:spPr>
+        <p:spPr bwMode="auto">
           <a:xfrm>
             <a:off x="729450" y="1318650"/>
             <a:ext cx="7688700" cy="535200"/>
@@ -7552,19 +6691,20 @@
           </a:prstGeom>
         </p:spPr>
         <p:txBody>
-          <a:bodyPr anchorCtr="0" anchor="t" bIns="91425" lIns="91425" spcFirstLastPara="1" rIns="91425" wrap="square" tIns="91425">
+          <a:bodyPr spcFirstLastPara="1" wrap="square" lIns="91425" tIns="91425" rIns="91425" bIns="91425" anchor="t" anchorCtr="0">
             <a:normAutofit fontScale="90000"/>
           </a:bodyPr>
           <a:lstStyle/>
           <a:p>
-            <a:pPr indent="0" lvl="0" marL="0" rtl="0" algn="l">
-              <a:spcBef>
-                <a:spcPts val="0"/>
-              </a:spcBef>
-              <a:spcAft>
-                <a:spcPts val="0"/>
-              </a:spcAft>
-              <a:buNone/>
+            <a:pPr marL="0" lvl="0" indent="0" algn="l">
+              <a:spcBef>
+                <a:spcPts val="0"/>
+              </a:spcBef>
+              <a:spcAft>
+                <a:spcPts val="0"/>
+              </a:spcAft>
+              <a:buNone/>
+              <a:defRPr/>
             </a:pPr>
             <a:r>
               <a:rPr lang="en"/>
@@ -7579,10 +6719,10 @@
           <p:cNvPr id="93" name="Google Shape;93;p14"/>
           <p:cNvSpPr txBox="1"/>
           <p:nvPr>
-            <p:ph idx="1" type="body"/>
+            <p:ph type="body" idx="1"/>
           </p:nvPr>
         </p:nvSpPr>
-        <p:spPr>
+        <p:spPr bwMode="auto">
           <a:xfrm>
             <a:off x="729450" y="2078875"/>
             <a:ext cx="7688700" cy="2261100"/>
@@ -7592,12 +6732,12 @@
           </a:prstGeom>
         </p:spPr>
         <p:txBody>
-          <a:bodyPr anchorCtr="0" anchor="ctr" bIns="91425" lIns="91425" spcFirstLastPara="1" rIns="91425" wrap="square" tIns="91425">
+          <a:bodyPr spcFirstLastPara="1" wrap="square" lIns="91425" tIns="91425" rIns="91425" bIns="91425" anchor="ctr" anchorCtr="0">
             <a:normAutofit/>
           </a:bodyPr>
           <a:lstStyle/>
           <a:p>
-            <a:pPr indent="0" lvl="0" marL="0" rtl="0" algn="l">
+            <a:pPr marL="0" lvl="0" indent="0" algn="l">
               <a:spcBef>
                 <a:spcPts val="0"/>
               </a:spcBef>
@@ -7605,13 +6745,13 @@
                 <a:spcPts val="1200"/>
               </a:spcAft>
               <a:buNone/>
+              <a:defRPr/>
             </a:pPr>
             <a:r>
               <a:rPr lang="en">
                 <a:latin typeface="Roboto"/>
                 <a:ea typeface="Roboto"/>
                 <a:cs typeface="Roboto"/>
-                <a:sym typeface="Roboto"/>
               </a:rPr>
               <a:t>Люди теряют вещи. Для возвращения предметов созданы комнаты забытых вещей. Их работа часто неудобно организована. Программа "терминал забытых вещей" создана в помощь администраторам гардеробов и комнат забытых вещей.</a:t>
             </a:r>
@@ -7619,7 +6759,6 @@
               <a:latin typeface="Roboto"/>
               <a:ea typeface="Roboto"/>
               <a:cs typeface="Roboto"/>
-              <a:sym typeface="Roboto"/>
             </a:endParaRPr>
           </a:p>
         </p:txBody>
@@ -7629,19 +6768,485 @@
   <p:clrMapOvr>
     <a:masterClrMapping/>
   </p:clrMapOvr>
+  <mc:AlternateContent xmlns:mc="http://schemas.openxmlformats.org/markup-compatibility/2006">
+    <mc:Choice xmlns:p14="http://schemas.microsoft.com/office/powerpoint/2010/main" Requires="p14">
+      <p:transition p14:dur="2000" advClick="1"/>
+    </mc:Choice>
+    <mc:Fallback>
+      <p:transition advClick="1"/>
+    </mc:Fallback>
+  </mc:AlternateContent>
 </p:sld>
 </file>
 
 <file path=ppt/slides/slide3.xml><?xml version="1.0" encoding="utf-8"?>
-<p:sld xmlns:a="http://schemas.openxmlformats.org/drawingml/2006/main" xmlns:r="http://schemas.openxmlformats.org/officeDocument/2006/relationships" xmlns:mc="http://schemas.openxmlformats.org/markup-compatibility/2006" xmlns:mv="urn:schemas-microsoft-com:mac:vml" xmlns:p="http://schemas.openxmlformats.org/presentationml/2006/main" xmlns:c="http://schemas.openxmlformats.org/drawingml/2006/chart" xmlns:dgm="http://schemas.openxmlformats.org/drawingml/2006/diagram" xmlns:o="urn:schemas-microsoft-com:office:office" xmlns:v="urn:schemas-microsoft-com:vml" xmlns:pvml="urn:schemas-microsoft-com:office:powerpoint" xmlns:com="http://schemas.openxmlformats.org/drawingml/2006/compatibility" xmlns:p14="http://schemas.microsoft.com/office/powerpoint/2010/main" xmlns:p15="http://schemas.microsoft.com/office/powerpoint/2012/main" xmlns:ahyp="http://schemas.microsoft.com/office/drawing/2018/hyperlinkcolor">
-  <p:cSld>
+<p:sld xmlns:a="http://schemas.openxmlformats.org/drawingml/2006/main" xmlns:r="http://schemas.openxmlformats.org/officeDocument/2006/relationships" xmlns:p="http://schemas.openxmlformats.org/presentationml/2006/main" xmlns:m="http://schemas.openxmlformats.org/officeDocument/2006/math" xmlns:w="http://schemas.openxmlformats.org/wordprocessingml/2006/main" showMasterPhAnim="0" show="1">
+  <p:cSld name="">
     <p:spTree>
       <p:nvGrpSpPr>
-        <p:cNvPr id="97" name="Shape 97"/>
+        <p:cNvPr id="1" name=""/>
         <p:cNvGrpSpPr/>
         <p:nvPr/>
       </p:nvGrpSpPr>
-      <p:grpSpPr>
+      <p:grpSpPr bwMode="auto">
+        <a:xfrm>
+          <a:off x="0" y="0"/>
+          <a:ext cx="0" cy="0"/>
+          <a:chOff x="0" y="0"/>
+          <a:chExt cx="0" cy="0"/>
+        </a:xfrm>
+      </p:grpSpPr>
+      <p:sp>
+        <p:nvSpPr>
+          <p:cNvPr id="1555748091" name="Google Shape;28;p4"/>
+          <p:cNvSpPr txBox="1"/>
+          <p:nvPr>
+            <p:ph type="title"/>
+          </p:nvPr>
+        </p:nvSpPr>
+        <p:spPr bwMode="auto">
+          <a:xfrm>
+            <a:off x="729450" y="1318649"/>
+            <a:ext cx="7688700" cy="535199"/>
+          </a:xfrm>
+          <a:prstGeom prst="rect">
+            <a:avLst/>
+          </a:prstGeom>
+        </p:spPr>
+        <p:txBody>
+          <a:bodyPr spcFirstLastPara="1" wrap="square" lIns="91424" tIns="91424" rIns="91424" bIns="91424" anchor="t" anchorCtr="0">
+            <a:normAutofit/>
+          </a:bodyPr>
+          <a:lstStyle>
+            <a:lvl1pPr lvl="0">
+              <a:spcBef>
+                <a:spcPts val="0"/>
+              </a:spcBef>
+              <a:spcAft>
+                <a:spcPts val="0"/>
+              </a:spcAft>
+              <a:buSzPts val="2600"/>
+              <a:buNone/>
+              <a:defRPr sz="2600"/>
+            </a:lvl1pPr>
+            <a:lvl2pPr lvl="1">
+              <a:spcBef>
+                <a:spcPts val="0"/>
+              </a:spcBef>
+              <a:spcAft>
+                <a:spcPts val="0"/>
+              </a:spcAft>
+              <a:buSzPts val="2600"/>
+              <a:buNone/>
+              <a:defRPr sz="2600"/>
+            </a:lvl2pPr>
+            <a:lvl3pPr lvl="2">
+              <a:spcBef>
+                <a:spcPts val="0"/>
+              </a:spcBef>
+              <a:spcAft>
+                <a:spcPts val="0"/>
+              </a:spcAft>
+              <a:buSzPts val="2600"/>
+              <a:buNone/>
+              <a:defRPr sz="2600"/>
+            </a:lvl3pPr>
+            <a:lvl4pPr lvl="3">
+              <a:spcBef>
+                <a:spcPts val="0"/>
+              </a:spcBef>
+              <a:spcAft>
+                <a:spcPts val="0"/>
+              </a:spcAft>
+              <a:buSzPts val="2600"/>
+              <a:buNone/>
+              <a:defRPr sz="2600"/>
+            </a:lvl4pPr>
+            <a:lvl5pPr lvl="4">
+              <a:spcBef>
+                <a:spcPts val="0"/>
+              </a:spcBef>
+              <a:spcAft>
+                <a:spcPts val="0"/>
+              </a:spcAft>
+              <a:buSzPts val="2600"/>
+              <a:buNone/>
+              <a:defRPr sz="2600"/>
+            </a:lvl5pPr>
+            <a:lvl6pPr lvl="5">
+              <a:spcBef>
+                <a:spcPts val="0"/>
+              </a:spcBef>
+              <a:spcAft>
+                <a:spcPts val="0"/>
+              </a:spcAft>
+              <a:buSzPts val="2600"/>
+              <a:buNone/>
+              <a:defRPr sz="2600"/>
+            </a:lvl6pPr>
+            <a:lvl7pPr lvl="6">
+              <a:spcBef>
+                <a:spcPts val="0"/>
+              </a:spcBef>
+              <a:spcAft>
+                <a:spcPts val="0"/>
+              </a:spcAft>
+              <a:buSzPts val="2600"/>
+              <a:buNone/>
+              <a:defRPr sz="2600"/>
+            </a:lvl7pPr>
+            <a:lvl8pPr lvl="7">
+              <a:spcBef>
+                <a:spcPts val="0"/>
+              </a:spcBef>
+              <a:spcAft>
+                <a:spcPts val="0"/>
+              </a:spcAft>
+              <a:buSzPts val="2600"/>
+              <a:buNone/>
+              <a:defRPr sz="2600"/>
+            </a:lvl8pPr>
+            <a:lvl9pPr lvl="8">
+              <a:spcBef>
+                <a:spcPts val="0"/>
+              </a:spcBef>
+              <a:spcAft>
+                <a:spcPts val="0"/>
+              </a:spcAft>
+              <a:buSzPts val="2600"/>
+              <a:buNone/>
+              <a:defRPr sz="2600"/>
+            </a:lvl9pPr>
+          </a:lstStyle>
+          <a:p>
+            <a:pPr>
+              <a:defRPr/>
+            </a:pPr>
+            <a:r>
+              <a:rPr/>
+              <a:t>Используемые пакеты</a:t>
+            </a:r>
+            <a:endParaRPr/>
+          </a:p>
+        </p:txBody>
+      </p:sp>
+      <p:sp>
+        <p:nvSpPr>
+          <p:cNvPr id="199859202" name="Google Shape;29;p4"/>
+          <p:cNvSpPr txBox="1"/>
+          <p:nvPr>
+            <p:ph type="body" idx="1"/>
+          </p:nvPr>
+        </p:nvSpPr>
+        <p:spPr bwMode="auto">
+          <a:xfrm>
+            <a:off x="729450" y="2078874"/>
+            <a:ext cx="7688700" cy="2261099"/>
+          </a:xfrm>
+          <a:prstGeom prst="rect">
+            <a:avLst/>
+          </a:prstGeom>
+        </p:spPr>
+        <p:txBody>
+          <a:bodyPr spcFirstLastPara="1" wrap="square" lIns="91424" tIns="91424" rIns="91424" bIns="91424" anchor="t" anchorCtr="0">
+            <a:normAutofit/>
+          </a:bodyPr>
+          <a:lstStyle>
+            <a:lvl1pPr marL="457200" lvl="0" indent="-311149">
+              <a:spcBef>
+                <a:spcPts val="0"/>
+              </a:spcBef>
+              <a:spcAft>
+                <a:spcPts val="0"/>
+              </a:spcAft>
+              <a:buSzPts val="1300"/>
+              <a:buChar char="●"/>
+              <a:defRPr/>
+            </a:lvl1pPr>
+            <a:lvl2pPr marL="914400" lvl="1" indent="-298449">
+              <a:spcBef>
+                <a:spcPts val="0"/>
+              </a:spcBef>
+              <a:spcAft>
+                <a:spcPts val="0"/>
+              </a:spcAft>
+              <a:buSzPts val="1100"/>
+              <a:buChar char="○"/>
+              <a:defRPr/>
+            </a:lvl2pPr>
+            <a:lvl3pPr marL="1371600" lvl="2" indent="-298449">
+              <a:spcBef>
+                <a:spcPts val="0"/>
+              </a:spcBef>
+              <a:spcAft>
+                <a:spcPts val="0"/>
+              </a:spcAft>
+              <a:buSzPts val="1100"/>
+              <a:buChar char="■"/>
+              <a:defRPr/>
+            </a:lvl3pPr>
+            <a:lvl4pPr marL="1828800" lvl="3" indent="-298449">
+              <a:spcBef>
+                <a:spcPts val="0"/>
+              </a:spcBef>
+              <a:spcAft>
+                <a:spcPts val="0"/>
+              </a:spcAft>
+              <a:buSzPts val="1100"/>
+              <a:buChar char="●"/>
+              <a:defRPr/>
+            </a:lvl4pPr>
+            <a:lvl5pPr marL="2286000" lvl="4" indent="-298449">
+              <a:spcBef>
+                <a:spcPts val="0"/>
+              </a:spcBef>
+              <a:spcAft>
+                <a:spcPts val="0"/>
+              </a:spcAft>
+              <a:buSzPts val="1100"/>
+              <a:buChar char="○"/>
+              <a:defRPr/>
+            </a:lvl5pPr>
+            <a:lvl6pPr marL="2743200" lvl="5" indent="-298449">
+              <a:spcBef>
+                <a:spcPts val="0"/>
+              </a:spcBef>
+              <a:spcAft>
+                <a:spcPts val="0"/>
+              </a:spcAft>
+              <a:buSzPts val="1100"/>
+              <a:buChar char="■"/>
+              <a:defRPr/>
+            </a:lvl6pPr>
+            <a:lvl7pPr marL="3200400" lvl="6" indent="-298449">
+              <a:spcBef>
+                <a:spcPts val="0"/>
+              </a:spcBef>
+              <a:spcAft>
+                <a:spcPts val="0"/>
+              </a:spcAft>
+              <a:buSzPts val="1100"/>
+              <a:buChar char="●"/>
+              <a:defRPr/>
+            </a:lvl7pPr>
+            <a:lvl8pPr marL="3657600" lvl="7" indent="-298449">
+              <a:spcBef>
+                <a:spcPts val="0"/>
+              </a:spcBef>
+              <a:spcAft>
+                <a:spcPts val="0"/>
+              </a:spcAft>
+              <a:buSzPts val="1100"/>
+              <a:buChar char="○"/>
+              <a:defRPr/>
+            </a:lvl8pPr>
+            <a:lvl9pPr marL="4114800" lvl="8" indent="-298449">
+              <a:spcBef>
+                <a:spcPts val="0"/>
+              </a:spcBef>
+              <a:spcAft>
+                <a:spcPts val="0"/>
+              </a:spcAft>
+              <a:buSzPts val="1100"/>
+              <a:buChar char="■"/>
+              <a:defRPr/>
+            </a:lvl9pPr>
+          </a:lstStyle>
+          <a:p>
+            <a:pPr>
+              <a:defRPr/>
+            </a:pPr>
+            <a:endParaRPr>
+              <a:latin typeface="Raleway"/>
+              <a:cs typeface="Raleway"/>
+            </a:endParaRPr>
+          </a:p>
+          <a:p>
+            <a:pPr>
+              <a:defRPr/>
+            </a:pPr>
+            <a:r>
+              <a:rPr sz="1200" b="1" i="0" u="none">
+                <a:solidFill>
+                  <a:srgbClr val="000000"/>
+                </a:solidFill>
+                <a:latin typeface="Raleway"/>
+                <a:ea typeface="Times New Roman"/>
+                <a:cs typeface="Raleway"/>
+              </a:rPr>
+              <a:t>openpyxl </a:t>
+            </a:r>
+            <a:r>
+              <a:rPr sz="1200" b="0" i="0" u="none">
+                <a:solidFill>
+                  <a:srgbClr val="000000"/>
+                </a:solidFill>
+                <a:latin typeface="Raleway"/>
+                <a:ea typeface="Times New Roman"/>
+                <a:cs typeface="Raleway"/>
+              </a:rPr>
+              <a:t>- работа с xlsx</a:t>
+            </a:r>
+            <a:endParaRPr>
+              <a:latin typeface="Raleway"/>
+              <a:cs typeface="Raleway"/>
+            </a:endParaRPr>
+          </a:p>
+          <a:p>
+            <a:pPr>
+              <a:defRPr/>
+            </a:pPr>
+            <a:r>
+              <a:rPr sz="1200" b="1" i="0" u="none">
+                <a:solidFill>
+                  <a:srgbClr val="000000"/>
+                </a:solidFill>
+                <a:latin typeface="Raleway"/>
+                <a:ea typeface="Times New Roman"/>
+                <a:cs typeface="Raleway"/>
+              </a:rPr>
+              <a:t>PIL </a:t>
+            </a:r>
+            <a:r>
+              <a:rPr sz="1200" b="0" i="0" u="none">
+                <a:solidFill>
+                  <a:srgbClr val="000000"/>
+                </a:solidFill>
+                <a:latin typeface="Raleway"/>
+                <a:ea typeface="Times New Roman"/>
+                <a:cs typeface="Raleway"/>
+              </a:rPr>
+              <a:t>- конвертация изображений</a:t>
+            </a:r>
+            <a:endParaRPr>
+              <a:latin typeface="Raleway"/>
+              <a:cs typeface="Raleway"/>
+            </a:endParaRPr>
+          </a:p>
+          <a:p>
+            <a:pPr>
+              <a:defRPr/>
+            </a:pPr>
+            <a:r>
+              <a:rPr sz="1200" b="1" i="0" u="none">
+                <a:solidFill>
+                  <a:srgbClr val="000000"/>
+                </a:solidFill>
+                <a:latin typeface="Raleway"/>
+                <a:ea typeface="Times New Roman"/>
+                <a:cs typeface="Raleway"/>
+              </a:rPr>
+              <a:t>PyQt5 </a:t>
+            </a:r>
+            <a:r>
+              <a:rPr sz="1200" b="0" i="0" u="none">
+                <a:solidFill>
+                  <a:srgbClr val="000000"/>
+                </a:solidFill>
+                <a:latin typeface="Raleway"/>
+                <a:ea typeface="Times New Roman"/>
+                <a:cs typeface="Raleway"/>
+              </a:rPr>
+              <a:t>- создание пользовательского интерфейса</a:t>
+            </a:r>
+            <a:endParaRPr>
+              <a:latin typeface="Raleway"/>
+              <a:cs typeface="Raleway"/>
+            </a:endParaRPr>
+          </a:p>
+          <a:p>
+            <a:pPr>
+              <a:defRPr/>
+            </a:pPr>
+            <a:r>
+              <a:rPr sz="1200" b="1" i="0" u="none">
+                <a:solidFill>
+                  <a:srgbClr val="000000"/>
+                </a:solidFill>
+                <a:latin typeface="Raleway"/>
+                <a:ea typeface="Times New Roman"/>
+                <a:cs typeface="Raleway"/>
+              </a:rPr>
+              <a:t>python-docx</a:t>
+            </a:r>
+            <a:r>
+              <a:rPr sz="1200" b="0" i="0" u="none">
+                <a:solidFill>
+                  <a:srgbClr val="000000"/>
+                </a:solidFill>
+                <a:latin typeface="Raleway"/>
+                <a:ea typeface="Times New Roman"/>
+                <a:cs typeface="Raleway"/>
+              </a:rPr>
+              <a:t> - работа с .docx файлами</a:t>
+            </a:r>
+            <a:endParaRPr sz="1200" b="0" i="0" u="none">
+              <a:solidFill>
+                <a:srgbClr val="000000"/>
+              </a:solidFill>
+              <a:latin typeface="Raleway"/>
+              <a:cs typeface="Raleway"/>
+            </a:endParaRPr>
+          </a:p>
+          <a:p>
+            <a:pPr>
+              <a:defRPr/>
+            </a:pPr>
+            <a:r>
+              <a:rPr sz="1200" b="1" i="0" u="none">
+                <a:solidFill>
+                  <a:srgbClr val="000000"/>
+                </a:solidFill>
+                <a:latin typeface="Raleway"/>
+                <a:ea typeface="Times New Roman"/>
+                <a:cs typeface="Raleway"/>
+              </a:rPr>
+              <a:t>uuid0 </a:t>
+            </a:r>
+            <a:r>
+              <a:rPr sz="1200" b="0" i="0" u="none">
+                <a:solidFill>
+                  <a:srgbClr val="000000"/>
+                </a:solidFill>
+                <a:latin typeface="Raleway"/>
+                <a:ea typeface="Times New Roman"/>
+                <a:cs typeface="Raleway"/>
+              </a:rPr>
+              <a:t>- генерация уникальных индентификаторов изображений</a:t>
+            </a:r>
+            <a:endParaRPr>
+              <a:latin typeface="Raleway"/>
+              <a:cs typeface="Raleway"/>
+            </a:endParaRPr>
+          </a:p>
+        </p:txBody>
+      </p:sp>
+    </p:spTree>
+  </p:cSld>
+  <p:clrMapOvr>
+    <a:masterClrMapping/>
+  </p:clrMapOvr>
+  <mc:AlternateContent xmlns:mc="http://schemas.openxmlformats.org/markup-compatibility/2006">
+    <mc:Choice xmlns:p14="http://schemas.microsoft.com/office/powerpoint/2010/main" Requires="p14">
+      <p:transition p14:dur="2000" advClick="1"/>
+    </mc:Choice>
+    <mc:Fallback>
+      <p:transition advClick="1"/>
+    </mc:Fallback>
+  </mc:AlternateContent>
+</p:sld>
+</file>
+
+<file path=ppt/slides/slide4.xml><?xml version="1.0" encoding="utf-8"?>
+<p:sld xmlns:a="http://schemas.openxmlformats.org/drawingml/2006/main" xmlns:r="http://schemas.openxmlformats.org/officeDocument/2006/relationships" xmlns:p="http://schemas.openxmlformats.org/presentationml/2006/main" xmlns:m="http://schemas.openxmlformats.org/officeDocument/2006/math" xmlns:w="http://schemas.openxmlformats.org/wordprocessingml/2006/main" showMasterPhAnim="0" show="1">
+  <p:cSld name="">
+    <p:spTree>
+      <p:nvGrpSpPr>
+        <p:cNvPr id="1" name=""/>
+        <p:cNvGrpSpPr/>
+        <p:nvPr/>
+      </p:nvGrpSpPr>
+      <p:grpSpPr bwMode="auto">
         <a:xfrm>
           <a:off x="0" y="0"/>
           <a:ext cx="0" cy="0"/>
@@ -7657,7 +7262,7 @@
             <p:ph type="title"/>
           </p:nvPr>
         </p:nvSpPr>
-        <p:spPr>
+        <p:spPr bwMode="auto">
           <a:xfrm>
             <a:off x="729450" y="1318650"/>
             <a:ext cx="7688700" cy="535200"/>
@@ -7667,19 +7272,20 @@
           </a:prstGeom>
         </p:spPr>
         <p:txBody>
-          <a:bodyPr anchorCtr="0" anchor="t" bIns="91425" lIns="91425" spcFirstLastPara="1" rIns="91425" wrap="square" tIns="91425">
+          <a:bodyPr spcFirstLastPara="1" wrap="square" lIns="91425" tIns="91425" rIns="91425" bIns="91425" anchor="t" anchorCtr="0">
             <a:normAutofit fontScale="90000"/>
           </a:bodyPr>
           <a:lstStyle/>
           <a:p>
-            <a:pPr indent="0" lvl="0" marL="0" rtl="0" algn="l">
-              <a:spcBef>
-                <a:spcPts val="0"/>
-              </a:spcBef>
-              <a:spcAft>
-                <a:spcPts val="0"/>
-              </a:spcAft>
-              <a:buNone/>
+            <a:pPr marL="0" lvl="0" indent="0" algn="l">
+              <a:spcBef>
+                <a:spcPts val="0"/>
+              </a:spcBef>
+              <a:spcAft>
+                <a:spcPts val="0"/>
+              </a:spcAft>
+              <a:buNone/>
+              <a:defRPr/>
             </a:pPr>
             <a:r>
               <a:rPr lang="en"/>
@@ -7694,10 +7300,10 @@
           <p:cNvPr id="99" name="Google Shape;99;p15"/>
           <p:cNvSpPr txBox="1"/>
           <p:nvPr>
-            <p:ph idx="1" type="body"/>
+            <p:ph type="body" idx="1"/>
           </p:nvPr>
         </p:nvSpPr>
-        <p:spPr>
+        <p:spPr bwMode="auto">
           <a:xfrm>
             <a:off x="729450" y="2078875"/>
             <a:ext cx="7688700" cy="2261100"/>
@@ -7707,12 +7313,12 @@
           </a:prstGeom>
         </p:spPr>
         <p:txBody>
-          <a:bodyPr anchorCtr="0" anchor="ctr" bIns="91425" lIns="91425" spcFirstLastPara="1" rIns="91425" wrap="square" tIns="91425">
+          <a:bodyPr spcFirstLastPara="1" wrap="square" lIns="91425" tIns="91425" rIns="91425" bIns="91425" anchor="ctr" anchorCtr="0">
             <a:normAutofit/>
           </a:bodyPr>
           <a:lstStyle/>
           <a:p>
-            <a:pPr indent="0" lvl="0" marL="0" rtl="0" algn="l">
+            <a:pPr marL="0" lvl="0" indent="0" algn="l">
               <a:spcBef>
                 <a:spcPts val="0"/>
               </a:spcBef>
@@ -7720,13 +7326,13 @@
                 <a:spcPts val="1200"/>
               </a:spcAft>
               <a:buNone/>
+              <a:defRPr/>
             </a:pPr>
             <a:r>
               <a:rPr lang="en">
                 <a:latin typeface="Raleway Medium"/>
                 <a:ea typeface="Raleway Medium"/>
                 <a:cs typeface="Raleway Medium"/>
-                <a:sym typeface="Raleway Medium"/>
               </a:rPr>
               <a:t>Переход к демонстрации возможностей созданного приложения</a:t>
             </a:r>
@@ -7734,7 +7340,6 @@
               <a:latin typeface="Raleway Medium"/>
               <a:ea typeface="Raleway Medium"/>
               <a:cs typeface="Raleway Medium"/>
-              <a:sym typeface="Raleway Medium"/>
             </a:endParaRPr>
           </a:p>
         </p:txBody>
@@ -7744,19 +7349,27 @@
   <p:clrMapOvr>
     <a:masterClrMapping/>
   </p:clrMapOvr>
+  <mc:AlternateContent xmlns:mc="http://schemas.openxmlformats.org/markup-compatibility/2006">
+    <mc:Choice xmlns:p14="http://schemas.microsoft.com/office/powerpoint/2010/main" Requires="p14">
+      <p:transition p14:dur="2000" advClick="1"/>
+    </mc:Choice>
+    <mc:Fallback>
+      <p:transition advClick="1"/>
+    </mc:Fallback>
+  </mc:AlternateContent>
 </p:sld>
 </file>
 
-<file path=ppt/slides/slide4.xml><?xml version="1.0" encoding="utf-8"?>
-<p:sld xmlns:a="http://schemas.openxmlformats.org/drawingml/2006/main" xmlns:r="http://schemas.openxmlformats.org/officeDocument/2006/relationships" xmlns:mc="http://schemas.openxmlformats.org/markup-compatibility/2006" xmlns:mv="urn:schemas-microsoft-com:mac:vml" xmlns:p="http://schemas.openxmlformats.org/presentationml/2006/main" xmlns:c="http://schemas.openxmlformats.org/drawingml/2006/chart" xmlns:dgm="http://schemas.openxmlformats.org/drawingml/2006/diagram" xmlns:o="urn:schemas-microsoft-com:office:office" xmlns:v="urn:schemas-microsoft-com:vml" xmlns:pvml="urn:schemas-microsoft-com:office:powerpoint" xmlns:com="http://schemas.openxmlformats.org/drawingml/2006/compatibility" xmlns:p14="http://schemas.microsoft.com/office/powerpoint/2010/main" xmlns:p15="http://schemas.microsoft.com/office/powerpoint/2012/main" xmlns:ahyp="http://schemas.microsoft.com/office/drawing/2018/hyperlinkcolor">
-  <p:cSld>
+<file path=ppt/slides/slide5.xml><?xml version="1.0" encoding="utf-8"?>
+<p:sld xmlns:a="http://schemas.openxmlformats.org/drawingml/2006/main" xmlns:r="http://schemas.openxmlformats.org/officeDocument/2006/relationships" xmlns:p="http://schemas.openxmlformats.org/presentationml/2006/main" xmlns:m="http://schemas.openxmlformats.org/officeDocument/2006/math" xmlns:w="http://schemas.openxmlformats.org/wordprocessingml/2006/main" showMasterPhAnim="0" show="1">
+  <p:cSld name="">
     <p:spTree>
       <p:nvGrpSpPr>
-        <p:cNvPr id="103" name="Shape 103"/>
+        <p:cNvPr id="1" name=""/>
         <p:cNvGrpSpPr/>
         <p:nvPr/>
       </p:nvGrpSpPr>
-      <p:grpSpPr>
+      <p:grpSpPr bwMode="auto">
         <a:xfrm>
           <a:off x="0" y="0"/>
           <a:ext cx="0" cy="0"/>
@@ -7772,7 +7385,7 @@
             <p:ph type="title"/>
           </p:nvPr>
         </p:nvSpPr>
-        <p:spPr>
+        <p:spPr bwMode="auto">
           <a:xfrm>
             <a:off x="729450" y="1318650"/>
             <a:ext cx="7688700" cy="535200"/>
@@ -7782,19 +7395,20 @@
           </a:prstGeom>
         </p:spPr>
         <p:txBody>
-          <a:bodyPr anchorCtr="0" anchor="t" bIns="91425" lIns="91425" spcFirstLastPara="1" rIns="91425" wrap="square" tIns="91425">
+          <a:bodyPr spcFirstLastPara="1" wrap="square" lIns="91425" tIns="91425" rIns="91425" bIns="91425" anchor="t" anchorCtr="0">
             <a:normAutofit fontScale="90000"/>
           </a:bodyPr>
           <a:lstStyle/>
           <a:p>
-            <a:pPr indent="0" lvl="0" marL="0" rtl="0" algn="l">
-              <a:spcBef>
-                <a:spcPts val="0"/>
-              </a:spcBef>
-              <a:spcAft>
-                <a:spcPts val="0"/>
-              </a:spcAft>
-              <a:buNone/>
+            <a:pPr marL="0" lvl="0" indent="0" algn="l">
+              <a:spcBef>
+                <a:spcPts val="0"/>
+              </a:spcBef>
+              <a:spcAft>
+                <a:spcPts val="0"/>
+              </a:spcAft>
+              <a:buNone/>
+              <a:defRPr/>
             </a:pPr>
             <a:r>
               <a:rPr lang="en"/>
@@ -7809,10 +7423,10 @@
           <p:cNvPr id="105" name="Google Shape;105;p16"/>
           <p:cNvSpPr txBox="1"/>
           <p:nvPr>
-            <p:ph idx="1" type="body"/>
+            <p:ph type="body" idx="1"/>
           </p:nvPr>
         </p:nvSpPr>
-        <p:spPr>
+        <p:spPr bwMode="auto">
           <a:xfrm>
             <a:off x="729450" y="2078875"/>
             <a:ext cx="7688700" cy="2261100"/>
@@ -7822,12 +7436,12 @@
           </a:prstGeom>
         </p:spPr>
         <p:txBody>
-          <a:bodyPr anchorCtr="0" anchor="ctr" bIns="91425" lIns="91425" spcFirstLastPara="1" rIns="91425" wrap="square" tIns="91425">
+          <a:bodyPr spcFirstLastPara="1" wrap="square" lIns="91425" tIns="91425" rIns="91425" bIns="91425" anchor="ctr" anchorCtr="0">
             <a:normAutofit/>
           </a:bodyPr>
           <a:lstStyle/>
           <a:p>
-            <a:pPr indent="-311150" lvl="0" marL="457200" rtl="0" algn="l">
+            <a:pPr marL="457200" lvl="0" indent="-311150" algn="l">
               <a:spcBef>
                 <a:spcPts val="0"/>
               </a:spcBef>
@@ -7837,13 +7451,13 @@
               <a:buSzPts val="1300"/>
               <a:buFont typeface="Raleway"/>
               <a:buChar char="●"/>
+              <a:defRPr/>
             </a:pPr>
             <a:r>
               <a:rPr lang="en">
                 <a:latin typeface="Raleway"/>
                 <a:ea typeface="Raleway"/>
                 <a:cs typeface="Raleway"/>
-                <a:sym typeface="Raleway"/>
               </a:rPr>
               <a:t>ТЗ с описанием работы приложения - </a:t>
             </a:r>
@@ -7855,8 +7469,7 @@
                 <a:latin typeface="Raleway"/>
                 <a:ea typeface="Raleway"/>
                 <a:cs typeface="Raleway"/>
-                <a:sym typeface="Raleway"/>
-                <a:hlinkClick r:id="rId3"/>
+                <a:hlinkClick r:id="rId2" tooltip="https://ivy-tourmaline-c43.notion.site/6aae10f283f24ae58c65dff1cb695db5"/>
               </a:rPr>
               <a:t>https://ivy-tourmaline-c43.notion.site/6aae10f283f24ae58c65dff1cb695db5</a:t>
             </a:r>
@@ -7864,11 +7477,10 @@
               <a:latin typeface="Raleway"/>
               <a:ea typeface="Raleway"/>
               <a:cs typeface="Raleway"/>
-              <a:sym typeface="Raleway"/>
             </a:endParaRPr>
           </a:p>
           <a:p>
-            <a:pPr indent="-311150" lvl="0" marL="457200" rtl="0" algn="l">
+            <a:pPr marL="457200" lvl="0" indent="-311150" algn="l">
               <a:spcBef>
                 <a:spcPts val="0"/>
               </a:spcBef>
@@ -7878,13 +7490,13 @@
               <a:buSzPts val="1300"/>
               <a:buFont typeface="Raleway"/>
               <a:buChar char="●"/>
+              <a:defRPr/>
             </a:pPr>
             <a:r>
               <a:rPr lang="en">
                 <a:latin typeface="Raleway"/>
                 <a:ea typeface="Raleway"/>
                 <a:cs typeface="Raleway"/>
-                <a:sym typeface="Raleway"/>
               </a:rPr>
               <a:t>Репозиторий: </a:t>
             </a:r>
@@ -7893,7 +7505,6 @@
                 <a:latin typeface="Raleway"/>
                 <a:ea typeface="Raleway"/>
                 <a:cs typeface="Raleway"/>
-                <a:sym typeface="Raleway"/>
               </a:rPr>
               <a:t>https://github.com/coder8080/t-o-f-t</a:t>
             </a:r>
@@ -7901,7 +7512,6 @@
               <a:latin typeface="Raleway"/>
               <a:ea typeface="Raleway"/>
               <a:cs typeface="Raleway"/>
-              <a:sym typeface="Raleway"/>
             </a:endParaRPr>
           </a:p>
         </p:txBody>
@@ -7911,11 +7521,19 @@
   <p:clrMapOvr>
     <a:masterClrMapping/>
   </p:clrMapOvr>
+  <mc:AlternateContent xmlns:mc="http://schemas.openxmlformats.org/markup-compatibility/2006">
+    <mc:Choice xmlns:p14="http://schemas.microsoft.com/office/powerpoint/2010/main" Requires="p14">
+      <p:transition p14:dur="2000" advClick="1"/>
+    </mc:Choice>
+    <mc:Fallback>
+      <p:transition advClick="1"/>
+    </mc:Fallback>
+  </mc:AlternateContent>
 </p:sld>
 </file>
 
 <file path=ppt/theme/theme1.xml><?xml version="1.0" encoding="utf-8"?>
-<a:theme xmlns:a="http://schemas.openxmlformats.org/drawingml/2006/main" xmlns:r="http://schemas.openxmlformats.org/officeDocument/2006/relationships" name="Streamline">
+<a:theme xmlns:a="http://schemas.openxmlformats.org/drawingml/2006/main" xmlns:r="http://schemas.openxmlformats.org/officeDocument/2006/relationships" xmlns:p="http://schemas.openxmlformats.org/presentationml/2006/main" name="Streamline">
   <a:themeElements>
     <a:clrScheme name="Streamline">
       <a:dk1>
@@ -7958,73 +7576,13 @@
     <a:fontScheme name="Office">
       <a:majorFont>
         <a:latin typeface="Arial"/>
-        <a:ea typeface=""/>
-        <a:cs typeface=""/>
-        <a:font script="Jpan" typeface="ＭＳ Ｐゴシック"/>
-        <a:font script="Hang" typeface="맑은 고딕"/>
-        <a:font script="Hans" typeface="宋体"/>
-        <a:font script="Hant" typeface="新細明體"/>
-        <a:font script="Arab" typeface="Times New Roman"/>
-        <a:font script="Hebr" typeface="Times New Roman"/>
-        <a:font script="Thai" typeface="Angsana New"/>
-        <a:font script="Ethi" typeface="Nyala"/>
-        <a:font script="Beng" typeface="Vrinda"/>
-        <a:font script="Gujr" typeface="Shruti"/>
-        <a:font script="Khmr" typeface="MoolBoran"/>
-        <a:font script="Knda" typeface="Tunga"/>
-        <a:font script="Guru" typeface="Raavi"/>
-        <a:font script="Cans" typeface="Euphemia"/>
-        <a:font script="Cher" typeface="Plantagenet Cherokee"/>
-        <a:font script="Yiii" typeface="Microsoft Yi Baiti"/>
-        <a:font script="Tibt" typeface="Microsoft Himalaya"/>
-        <a:font script="Thaa" typeface="MV Boli"/>
-        <a:font script="Deva" typeface="Mangal"/>
-        <a:font script="Telu" typeface="Gautami"/>
-        <a:font script="Taml" typeface="Latha"/>
-        <a:font script="Syrc" typeface="Estrangelo Edessa"/>
-        <a:font script="Orya" typeface="Kalinga"/>
-        <a:font script="Mlym" typeface="Kartika"/>
-        <a:font script="Laoo" typeface="DokChampa"/>
-        <a:font script="Sinh" typeface="Iskoola Pota"/>
-        <a:font script="Mong" typeface="Mongolian Baiti"/>
-        <a:font script="Viet" typeface="Times New Roman"/>
-        <a:font script="Uigh" typeface="Microsoft Uighur"/>
-        <a:font script="Geor" typeface="Sylfaen"/>
+        <a:ea typeface="Arial"/>
+        <a:cs typeface="Arial"/>
       </a:majorFont>
       <a:minorFont>
         <a:latin typeface="Arial"/>
-        <a:ea typeface=""/>
-        <a:cs typeface=""/>
-        <a:font script="Jpan" typeface="ＭＳ Ｐゴシック"/>
-        <a:font script="Hang" typeface="맑은 고딕"/>
-        <a:font script="Hans" typeface="宋体"/>
-        <a:font script="Hant" typeface="新細明體"/>
-        <a:font script="Arab" typeface="Arial"/>
-        <a:font script="Hebr" typeface="Arial"/>
-        <a:font script="Thai" typeface="Cordia New"/>
-        <a:font script="Ethi" typeface="Nyala"/>
-        <a:font script="Beng" typeface="Vrinda"/>
-        <a:font script="Gujr" typeface="Shruti"/>
-        <a:font script="Khmr" typeface="DaunPenh"/>
-        <a:font script="Knda" typeface="Tunga"/>
-        <a:font script="Guru" typeface="Raavi"/>
-        <a:font script="Cans" typeface="Euphemia"/>
-        <a:font script="Cher" typeface="Plantagenet Cherokee"/>
-        <a:font script="Yiii" typeface="Microsoft Yi Baiti"/>
-        <a:font script="Tibt" typeface="Microsoft Himalaya"/>
-        <a:font script="Thaa" typeface="MV Boli"/>
-        <a:font script="Deva" typeface="Mangal"/>
-        <a:font script="Telu" typeface="Gautami"/>
-        <a:font script="Taml" typeface="Latha"/>
-        <a:font script="Syrc" typeface="Estrangelo Edessa"/>
-        <a:font script="Orya" typeface="Kalinga"/>
-        <a:font script="Mlym" typeface="Kartika"/>
-        <a:font script="Laoo" typeface="DokChampa"/>
-        <a:font script="Sinh" typeface="Iskoola Pota"/>
-        <a:font script="Mong" typeface="Mongolian Baiti"/>
-        <a:font script="Viet" typeface="Arial"/>
-        <a:font script="Uigh" typeface="Microsoft Uighur"/>
-        <a:font script="Geor" typeface="Sylfaen"/>
+        <a:ea typeface="Arial"/>
+        <a:cs typeface="Arial"/>
       </a:minorFont>
     </a:fontScheme>
     <a:fmtScheme name="Office">
@@ -8032,7 +7590,7 @@
         <a:solidFill>
           <a:schemeClr val="phClr"/>
         </a:solidFill>
-        <a:gradFill rotWithShape="1">
+        <a:gradFill>
           <a:gsLst>
             <a:gs pos="0">
               <a:schemeClr val="phClr">
@@ -8055,7 +7613,7 @@
           </a:gsLst>
           <a:lin ang="16200000" scaled="1"/>
         </a:gradFill>
-        <a:gradFill rotWithShape="1">
+        <a:gradFill>
           <a:gsLst>
             <a:gs pos="0">
               <a:schemeClr val="phClr">
@@ -8125,24 +7683,13 @@
               </a:srgbClr>
             </a:outerShdw>
           </a:effectLst>
-          <a:scene3d>
-            <a:camera prst="orthographicFront">
-              <a:rot lat="0" lon="0" rev="0"/>
-            </a:camera>
-            <a:lightRig rig="threePt" dir="t">
-              <a:rot lat="0" lon="0" rev="1200000"/>
-            </a:lightRig>
-          </a:scene3d>
-          <a:sp3d>
-            <a:bevelT w="63500" h="25400"/>
-          </a:sp3d>
         </a:effectStyle>
       </a:effectStyleLst>
       <a:bgFillStyleLst>
         <a:solidFill>
           <a:schemeClr val="phClr"/>
         </a:solidFill>
-        <a:gradFill rotWithShape="1">
+        <a:gradFill>
           <a:gsLst>
             <a:gs pos="0">
               <a:schemeClr val="phClr">
@@ -8164,11 +7711,9 @@
               </a:schemeClr>
             </a:gs>
           </a:gsLst>
-          <a:path path="circle">
-            <a:fillToRect l="50000" t="-80000" r="50000" b="180000"/>
-          </a:path>
+          <a:path path="circle"/>
         </a:gradFill>
-        <a:gradFill rotWithShape="1">
+        <a:gradFill>
           <a:gsLst>
             <a:gs pos="0">
               <a:schemeClr val="phClr">
@@ -8183,291 +7728,11 @@
               </a:schemeClr>
             </a:gs>
           </a:gsLst>
-          <a:path path="circle">
-            <a:fillToRect l="50000" t="50000" r="50000" b="50000"/>
-          </a:path>
+          <a:path path="circle"/>
         </a:gradFill>
       </a:bgFillStyleLst>
     </a:fmtScheme>
   </a:themeElements>
-</a:theme>
-</file>
-
-<file path=ppt/theme/theme2.xml><?xml version="1.0" encoding="utf-8"?>
-<a:theme xmlns:a="http://schemas.openxmlformats.org/drawingml/2006/main" xmlns:r="http://schemas.openxmlformats.org/officeDocument/2006/relationships">
-  <a:themeElements>
-    <a:clrScheme name="Default">
-      <a:dk1>
-        <a:srgbClr val="000000"/>
-      </a:dk1>
-      <a:lt1>
-        <a:srgbClr val="FFFFFF"/>
-      </a:lt1>
-      <a:dk2>
-        <a:srgbClr val="158158"/>
-      </a:dk2>
-      <a:lt2>
-        <a:srgbClr val="F3F3F3"/>
-      </a:lt2>
-      <a:accent1>
-        <a:srgbClr val="058DC7"/>
-      </a:accent1>
-      <a:accent2>
-        <a:srgbClr val="50B432"/>
-      </a:accent2>
-      <a:accent3>
-        <a:srgbClr val="ED561B"/>
-      </a:accent3>
-      <a:accent4>
-        <a:srgbClr val="EDEF00"/>
-      </a:accent4>
-      <a:accent5>
-        <a:srgbClr val="24CBE5"/>
-      </a:accent5>
-      <a:accent6>
-        <a:srgbClr val="64E572"/>
-      </a:accent6>
-      <a:hlink>
-        <a:srgbClr val="2200CC"/>
-      </a:hlink>
-      <a:folHlink>
-        <a:srgbClr val="551A8B"/>
-      </a:folHlink>
-    </a:clrScheme>
-    <a:fontScheme name="Office">
-      <a:majorFont>
-        <a:latin typeface="Arial"/>
-        <a:ea typeface=""/>
-        <a:cs typeface=""/>
-        <a:font script="Jpan" typeface="ＭＳ Ｐゴシック"/>
-        <a:font script="Hang" typeface="맑은 고딕"/>
-        <a:font script="Hans" typeface="宋体"/>
-        <a:font script="Hant" typeface="新細明體"/>
-        <a:font script="Arab" typeface="Times New Roman"/>
-        <a:font script="Hebr" typeface="Times New Roman"/>
-        <a:font script="Thai" typeface="Angsana New"/>
-        <a:font script="Ethi" typeface="Nyala"/>
-        <a:font script="Beng" typeface="Vrinda"/>
-        <a:font script="Gujr" typeface="Shruti"/>
-        <a:font script="Khmr" typeface="MoolBoran"/>
-        <a:font script="Knda" typeface="Tunga"/>
-        <a:font script="Guru" typeface="Raavi"/>
-        <a:font script="Cans" typeface="Euphemia"/>
-        <a:font script="Cher" typeface="Plantagenet Cherokee"/>
-        <a:font script="Yiii" typeface="Microsoft Yi Baiti"/>
-        <a:font script="Tibt" typeface="Microsoft Himalaya"/>
-        <a:font script="Thaa" typeface="MV Boli"/>
-        <a:font script="Deva" typeface="Mangal"/>
-        <a:font script="Telu" typeface="Gautami"/>
-        <a:font script="Taml" typeface="Latha"/>
-        <a:font script="Syrc" typeface="Estrangelo Edessa"/>
-        <a:font script="Orya" typeface="Kalinga"/>
-        <a:font script="Mlym" typeface="Kartika"/>
-        <a:font script="Laoo" typeface="DokChampa"/>
-        <a:font script="Sinh" typeface="Iskoola Pota"/>
-        <a:font script="Mong" typeface="Mongolian Baiti"/>
-        <a:font script="Viet" typeface="Times New Roman"/>
-        <a:font script="Uigh" typeface="Microsoft Uighur"/>
-        <a:font script="Geor" typeface="Sylfaen"/>
-      </a:majorFont>
-      <a:minorFont>
-        <a:latin typeface="Arial"/>
-        <a:ea typeface=""/>
-        <a:cs typeface=""/>
-        <a:font script="Jpan" typeface="ＭＳ Ｐゴシック"/>
-        <a:font script="Hang" typeface="맑은 고딕"/>
-        <a:font script="Hans" typeface="宋体"/>
-        <a:font script="Hant" typeface="新細明體"/>
-        <a:font script="Arab" typeface="Arial"/>
-        <a:font script="Hebr" typeface="Arial"/>
-        <a:font script="Thai" typeface="Cordia New"/>
-        <a:font script="Ethi" typeface="Nyala"/>
-        <a:font script="Beng" typeface="Vrinda"/>
-        <a:font script="Gujr" typeface="Shruti"/>
-        <a:font script="Khmr" typeface="DaunPenh"/>
-        <a:font script="Knda" typeface="Tunga"/>
-        <a:font script="Guru" typeface="Raavi"/>
-        <a:font script="Cans" typeface="Euphemia"/>
-        <a:font script="Cher" typeface="Plantagenet Cherokee"/>
-        <a:font script="Yiii" typeface="Microsoft Yi Baiti"/>
-        <a:font script="Tibt" typeface="Microsoft Himalaya"/>
-        <a:font script="Thaa" typeface="MV Boli"/>
-        <a:font script="Deva" typeface="Mangal"/>
-        <a:font script="Telu" typeface="Gautami"/>
-        <a:font script="Taml" typeface="Latha"/>
-        <a:font script="Syrc" typeface="Estrangelo Edessa"/>
-        <a:font script="Orya" typeface="Kalinga"/>
-        <a:font script="Mlym" typeface="Kartika"/>
-        <a:font script="Laoo" typeface="DokChampa"/>
-        <a:font script="Sinh" typeface="Iskoola Pota"/>
-        <a:font script="Mong" typeface="Mongolian Baiti"/>
-        <a:font script="Viet" typeface="Arial"/>
-        <a:font script="Uigh" typeface="Microsoft Uighur"/>
-        <a:font script="Geor" typeface="Sylfaen"/>
-      </a:minorFont>
-    </a:fontScheme>
-    <a:fmtScheme name="Office">
-      <a:fillStyleLst>
-        <a:solidFill>
-          <a:schemeClr val="phClr"/>
-        </a:solidFill>
-        <a:gradFill rotWithShape="1">
-          <a:gsLst>
-            <a:gs pos="0">
-              <a:schemeClr val="phClr">
-                <a:tint val="50000"/>
-                <a:satMod val="300000"/>
-              </a:schemeClr>
-            </a:gs>
-            <a:gs pos="35000">
-              <a:schemeClr val="phClr">
-                <a:tint val="37000"/>
-                <a:satMod val="300000"/>
-              </a:schemeClr>
-            </a:gs>
-            <a:gs pos="100000">
-              <a:schemeClr val="phClr">
-                <a:tint val="15000"/>
-                <a:satMod val="350000"/>
-              </a:schemeClr>
-            </a:gs>
-          </a:gsLst>
-          <a:lin ang="16200000" scaled="1"/>
-        </a:gradFill>
-        <a:gradFill rotWithShape="1">
-          <a:gsLst>
-            <a:gs pos="0">
-              <a:schemeClr val="phClr">
-                <a:tint val="100000"/>
-                <a:shade val="100000"/>
-                <a:satMod val="130000"/>
-              </a:schemeClr>
-            </a:gs>
-            <a:gs pos="100000">
-              <a:schemeClr val="phClr">
-                <a:tint val="50000"/>
-                <a:shade val="100000"/>
-                <a:satMod val="350000"/>
-              </a:schemeClr>
-            </a:gs>
-          </a:gsLst>
-          <a:lin ang="16200000" scaled="0"/>
-        </a:gradFill>
-      </a:fillStyleLst>
-      <a:lnStyleLst>
-        <a:ln w="9525" cap="flat" cmpd="sng" algn="ctr">
-          <a:solidFill>
-            <a:schemeClr val="phClr">
-              <a:shade val="95000"/>
-              <a:satMod val="105000"/>
-            </a:schemeClr>
-          </a:solidFill>
-          <a:prstDash val="solid"/>
-        </a:ln>
-        <a:ln w="25400" cap="flat" cmpd="sng" algn="ctr">
-          <a:solidFill>
-            <a:schemeClr val="phClr"/>
-          </a:solidFill>
-          <a:prstDash val="solid"/>
-        </a:ln>
-        <a:ln w="38100" cap="flat" cmpd="sng" algn="ctr">
-          <a:solidFill>
-            <a:schemeClr val="phClr"/>
-          </a:solidFill>
-          <a:prstDash val="solid"/>
-        </a:ln>
-      </a:lnStyleLst>
-      <a:effectStyleLst>
-        <a:effectStyle>
-          <a:effectLst>
-            <a:outerShdw blurRad="40000" dist="20000" dir="5400000" rotWithShape="0">
-              <a:srgbClr val="000000">
-                <a:alpha val="38000"/>
-              </a:srgbClr>
-            </a:outerShdw>
-          </a:effectLst>
-        </a:effectStyle>
-        <a:effectStyle>
-          <a:effectLst>
-            <a:outerShdw blurRad="40000" dist="23000" dir="5400000" rotWithShape="0">
-              <a:srgbClr val="000000">
-                <a:alpha val="35000"/>
-              </a:srgbClr>
-            </a:outerShdw>
-          </a:effectLst>
-        </a:effectStyle>
-        <a:effectStyle>
-          <a:effectLst>
-            <a:outerShdw blurRad="40000" dist="23000" dir="5400000" rotWithShape="0">
-              <a:srgbClr val="000000">
-                <a:alpha val="35000"/>
-              </a:srgbClr>
-            </a:outerShdw>
-          </a:effectLst>
-          <a:scene3d>
-            <a:camera prst="orthographicFront">
-              <a:rot lat="0" lon="0" rev="0"/>
-            </a:camera>
-            <a:lightRig rig="threePt" dir="t">
-              <a:rot lat="0" lon="0" rev="1200000"/>
-            </a:lightRig>
-          </a:scene3d>
-          <a:sp3d>
-            <a:bevelT w="63500" h="25400"/>
-          </a:sp3d>
-        </a:effectStyle>
-      </a:effectStyleLst>
-      <a:bgFillStyleLst>
-        <a:solidFill>
-          <a:schemeClr val="phClr"/>
-        </a:solidFill>
-        <a:gradFill rotWithShape="1">
-          <a:gsLst>
-            <a:gs pos="0">
-              <a:schemeClr val="phClr">
-                <a:tint val="40000"/>
-                <a:satMod val="350000"/>
-              </a:schemeClr>
-            </a:gs>
-            <a:gs pos="40000">
-              <a:schemeClr val="phClr">
-                <a:tint val="45000"/>
-                <a:shade val="99000"/>
-                <a:satMod val="350000"/>
-              </a:schemeClr>
-            </a:gs>
-            <a:gs pos="100000">
-              <a:schemeClr val="phClr">
-                <a:shade val="20000"/>
-                <a:satMod val="255000"/>
-              </a:schemeClr>
-            </a:gs>
-          </a:gsLst>
-          <a:path path="circle">
-            <a:fillToRect l="50000" t="-80000" r="50000" b="180000"/>
-          </a:path>
-        </a:gradFill>
-        <a:gradFill rotWithShape="1">
-          <a:gsLst>
-            <a:gs pos="0">
-              <a:schemeClr val="phClr">
-                <a:tint val="80000"/>
-                <a:satMod val="300000"/>
-              </a:schemeClr>
-            </a:gs>
-            <a:gs pos="100000">
-              <a:schemeClr val="phClr">
-                <a:shade val="30000"/>
-                <a:satMod val="200000"/>
-              </a:schemeClr>
-            </a:gs>
-          </a:gsLst>
-          <a:path path="circle">
-            <a:fillToRect l="50000" t="50000" r="50000" b="50000"/>
-          </a:path>
-        </a:gradFill>
-      </a:bgFillStyleLst>
-    </a:fmtScheme>
-  </a:themeElements>
+  <a:objectDefaults/>
 </a:theme>
 </file>